--- a/es6/ES6.pptx
+++ b/es6/ES6.pptx
@@ -10,6 +10,19 @@
     <p:sldId id="257" r:id="rId4"/>
     <p:sldId id="259" r:id="rId5"/>
     <p:sldId id="260" r:id="rId6"/>
+    <p:sldId id="261" r:id="rId7"/>
+    <p:sldId id="262" r:id="rId8"/>
+    <p:sldId id="263" r:id="rId9"/>
+    <p:sldId id="264" r:id="rId10"/>
+    <p:sldId id="265" r:id="rId11"/>
+    <p:sldId id="266" r:id="rId12"/>
+    <p:sldId id="267" r:id="rId13"/>
+    <p:sldId id="268" r:id="rId14"/>
+    <p:sldId id="269" r:id="rId15"/>
+    <p:sldId id="273" r:id="rId16"/>
+    <p:sldId id="270" r:id="rId17"/>
+    <p:sldId id="271" r:id="rId18"/>
+    <p:sldId id="272" r:id="rId19"/>
   </p:sldIdLst>
   <p:sldSz cx="9144000" cy="6858000" type="screen4x3"/>
   <p:notesSz cx="6858000" cy="9144000"/>
@@ -292,7 +305,8 @@
           <a:p>
             <a:fld id="{753D5844-1E3E-4A10-9E80-1C6CD138905E}" type="datetimeFigureOut">
               <a:rPr lang="en-US" smtClean="0"/>
-              <a:t>12/21/2016</a:t>
+              <a:pPr/>
+              <a:t>12/25/2016</a:t>
             </a:fld>
             <a:endParaRPr lang="en-US"/>
           </a:p>
@@ -334,6 +348,7 @@
           <a:p>
             <a:fld id="{DE67F446-C14B-4141-879A-079ECB1640B3}" type="slidenum">
               <a:rPr lang="en-US" smtClean="0"/>
+              <a:pPr/>
               <a:t>‹#›</a:t>
             </a:fld>
             <a:endParaRPr lang="en-US"/>
@@ -457,7 +472,8 @@
           <a:p>
             <a:fld id="{753D5844-1E3E-4A10-9E80-1C6CD138905E}" type="datetimeFigureOut">
               <a:rPr lang="en-US" smtClean="0"/>
-              <a:t>12/21/2016</a:t>
+              <a:pPr/>
+              <a:t>12/25/2016</a:t>
             </a:fld>
             <a:endParaRPr lang="en-US"/>
           </a:p>
@@ -499,6 +515,7 @@
           <a:p>
             <a:fld id="{DE67F446-C14B-4141-879A-079ECB1640B3}" type="slidenum">
               <a:rPr lang="en-US" smtClean="0"/>
+              <a:pPr/>
               <a:t>‹#›</a:t>
             </a:fld>
             <a:endParaRPr lang="en-US"/>
@@ -632,7 +649,8 @@
           <a:p>
             <a:fld id="{753D5844-1E3E-4A10-9E80-1C6CD138905E}" type="datetimeFigureOut">
               <a:rPr lang="en-US" smtClean="0"/>
-              <a:t>12/21/2016</a:t>
+              <a:pPr/>
+              <a:t>12/25/2016</a:t>
             </a:fld>
             <a:endParaRPr lang="en-US"/>
           </a:p>
@@ -674,6 +692,7 @@
           <a:p>
             <a:fld id="{DE67F446-C14B-4141-879A-079ECB1640B3}" type="slidenum">
               <a:rPr lang="en-US" smtClean="0"/>
+              <a:pPr/>
               <a:t>‹#›</a:t>
             </a:fld>
             <a:endParaRPr lang="en-US"/>
@@ -797,7 +816,8 @@
           <a:p>
             <a:fld id="{753D5844-1E3E-4A10-9E80-1C6CD138905E}" type="datetimeFigureOut">
               <a:rPr lang="en-US" smtClean="0"/>
-              <a:t>12/21/2016</a:t>
+              <a:pPr/>
+              <a:t>12/25/2016</a:t>
             </a:fld>
             <a:endParaRPr lang="en-US"/>
           </a:p>
@@ -839,6 +859,7 @@
           <a:p>
             <a:fld id="{DE67F446-C14B-4141-879A-079ECB1640B3}" type="slidenum">
               <a:rPr lang="en-US" smtClean="0"/>
+              <a:pPr/>
               <a:t>‹#›</a:t>
             </a:fld>
             <a:endParaRPr lang="en-US"/>
@@ -1038,7 +1059,8 @@
           <a:p>
             <a:fld id="{753D5844-1E3E-4A10-9E80-1C6CD138905E}" type="datetimeFigureOut">
               <a:rPr lang="en-US" smtClean="0"/>
-              <a:t>12/21/2016</a:t>
+              <a:pPr/>
+              <a:t>12/25/2016</a:t>
             </a:fld>
             <a:endParaRPr lang="en-US"/>
           </a:p>
@@ -1080,6 +1102,7 @@
           <a:p>
             <a:fld id="{DE67F446-C14B-4141-879A-079ECB1640B3}" type="slidenum">
               <a:rPr lang="en-US" smtClean="0"/>
+              <a:pPr/>
               <a:t>‹#›</a:t>
             </a:fld>
             <a:endParaRPr lang="en-US"/>
@@ -1321,7 +1344,8 @@
           <a:p>
             <a:fld id="{753D5844-1E3E-4A10-9E80-1C6CD138905E}" type="datetimeFigureOut">
               <a:rPr lang="en-US" smtClean="0"/>
-              <a:t>12/21/2016</a:t>
+              <a:pPr/>
+              <a:t>12/25/2016</a:t>
             </a:fld>
             <a:endParaRPr lang="en-US"/>
           </a:p>
@@ -1363,6 +1387,7 @@
           <a:p>
             <a:fld id="{DE67F446-C14B-4141-879A-079ECB1640B3}" type="slidenum">
               <a:rPr lang="en-US" smtClean="0"/>
+              <a:pPr/>
               <a:t>‹#›</a:t>
             </a:fld>
             <a:endParaRPr lang="en-US"/>
@@ -1738,7 +1763,8 @@
           <a:p>
             <a:fld id="{753D5844-1E3E-4A10-9E80-1C6CD138905E}" type="datetimeFigureOut">
               <a:rPr lang="en-US" smtClean="0"/>
-              <a:t>12/21/2016</a:t>
+              <a:pPr/>
+              <a:t>12/25/2016</a:t>
             </a:fld>
             <a:endParaRPr lang="en-US"/>
           </a:p>
@@ -1780,6 +1806,7 @@
           <a:p>
             <a:fld id="{DE67F446-C14B-4141-879A-079ECB1640B3}" type="slidenum">
               <a:rPr lang="en-US" smtClean="0"/>
+              <a:pPr/>
               <a:t>‹#›</a:t>
             </a:fld>
             <a:endParaRPr lang="en-US"/>
@@ -1851,7 +1878,8 @@
           <a:p>
             <a:fld id="{753D5844-1E3E-4A10-9E80-1C6CD138905E}" type="datetimeFigureOut">
               <a:rPr lang="en-US" smtClean="0"/>
-              <a:t>12/21/2016</a:t>
+              <a:pPr/>
+              <a:t>12/25/2016</a:t>
             </a:fld>
             <a:endParaRPr lang="en-US"/>
           </a:p>
@@ -1893,6 +1921,7 @@
           <a:p>
             <a:fld id="{DE67F446-C14B-4141-879A-079ECB1640B3}" type="slidenum">
               <a:rPr lang="en-US" smtClean="0"/>
+              <a:pPr/>
               <a:t>‹#›</a:t>
             </a:fld>
             <a:endParaRPr lang="en-US"/>
@@ -1941,7 +1970,8 @@
           <a:p>
             <a:fld id="{753D5844-1E3E-4A10-9E80-1C6CD138905E}" type="datetimeFigureOut">
               <a:rPr lang="en-US" smtClean="0"/>
-              <a:t>12/21/2016</a:t>
+              <a:pPr/>
+              <a:t>12/25/2016</a:t>
             </a:fld>
             <a:endParaRPr lang="en-US"/>
           </a:p>
@@ -1983,6 +2013,7 @@
           <a:p>
             <a:fld id="{DE67F446-C14B-4141-879A-079ECB1640B3}" type="slidenum">
               <a:rPr lang="en-US" smtClean="0"/>
+              <a:pPr/>
               <a:t>‹#›</a:t>
             </a:fld>
             <a:endParaRPr lang="en-US"/>
@@ -2213,7 +2244,8 @@
           <a:p>
             <a:fld id="{753D5844-1E3E-4A10-9E80-1C6CD138905E}" type="datetimeFigureOut">
               <a:rPr lang="en-US" smtClean="0"/>
-              <a:t>12/21/2016</a:t>
+              <a:pPr/>
+              <a:t>12/25/2016</a:t>
             </a:fld>
             <a:endParaRPr lang="en-US"/>
           </a:p>
@@ -2255,6 +2287,7 @@
           <a:p>
             <a:fld id="{DE67F446-C14B-4141-879A-079ECB1640B3}" type="slidenum">
               <a:rPr lang="en-US" smtClean="0"/>
+              <a:pPr/>
               <a:t>‹#›</a:t>
             </a:fld>
             <a:endParaRPr lang="en-US"/>
@@ -2461,7 +2494,8 @@
           <a:p>
             <a:fld id="{753D5844-1E3E-4A10-9E80-1C6CD138905E}" type="datetimeFigureOut">
               <a:rPr lang="en-US" smtClean="0"/>
-              <a:t>12/21/2016</a:t>
+              <a:pPr/>
+              <a:t>12/25/2016</a:t>
             </a:fld>
             <a:endParaRPr lang="en-US"/>
           </a:p>
@@ -2503,6 +2537,7 @@
           <a:p>
             <a:fld id="{DE67F446-C14B-4141-879A-079ECB1640B3}" type="slidenum">
               <a:rPr lang="en-US" smtClean="0"/>
+              <a:pPr/>
               <a:t>‹#›</a:t>
             </a:fld>
             <a:endParaRPr lang="en-US"/>
@@ -2669,7 +2704,8 @@
           <a:p>
             <a:fld id="{753D5844-1E3E-4A10-9E80-1C6CD138905E}" type="datetimeFigureOut">
               <a:rPr lang="en-US" smtClean="0"/>
-              <a:t>12/21/2016</a:t>
+              <a:pPr/>
+              <a:t>12/25/2016</a:t>
             </a:fld>
             <a:endParaRPr lang="en-US"/>
           </a:p>
@@ -2747,6 +2783,7 @@
           <a:p>
             <a:fld id="{DE67F446-C14B-4141-879A-079ECB1640B3}" type="slidenum">
               <a:rPr lang="en-US" smtClean="0"/>
+              <a:pPr/>
               <a:t>‹#›</a:t>
             </a:fld>
             <a:endParaRPr lang="en-US"/>
@@ -3096,6 +3133,2095 @@
 </p:sld>
 </file>
 
+<file path=ppt/slides/slide10.xml><?xml version="1.0" encoding="utf-8"?>
+<p:sld xmlns:a="http://schemas.openxmlformats.org/drawingml/2006/main" xmlns:r="http://schemas.openxmlformats.org/officeDocument/2006/relationships" xmlns:p="http://schemas.openxmlformats.org/presentationml/2006/main">
+  <p:cSld>
+    <p:spTree>
+      <p:nvGrpSpPr>
+        <p:cNvPr id="1" name=""/>
+        <p:cNvGrpSpPr/>
+        <p:nvPr/>
+      </p:nvGrpSpPr>
+      <p:grpSpPr>
+        <a:xfrm>
+          <a:off x="0" y="0"/>
+          <a:ext cx="0" cy="0"/>
+          <a:chOff x="0" y="0"/>
+          <a:chExt cx="0" cy="0"/>
+        </a:xfrm>
+      </p:grpSpPr>
+      <p:sp>
+        <p:nvSpPr>
+          <p:cNvPr id="2" name="Title 1"/>
+          <p:cNvSpPr>
+            <a:spLocks noGrp="1"/>
+          </p:cNvSpPr>
+          <p:nvPr>
+            <p:ph type="title"/>
+          </p:nvPr>
+        </p:nvSpPr>
+        <p:spPr>
+          <a:xfrm>
+            <a:off x="457200" y="0"/>
+            <a:ext cx="8229600" cy="1143000"/>
+          </a:xfrm>
+        </p:spPr>
+        <p:txBody>
+          <a:bodyPr/>
+          <a:lstStyle/>
+          <a:p>
+            <a:r>
+              <a:rPr lang="en-US" dirty="0" smtClean="0"/>
+              <a:t>food for thought</a:t>
+            </a:r>
+            <a:endParaRPr lang="en-US" dirty="0"/>
+          </a:p>
+        </p:txBody>
+      </p:sp>
+      <p:sp>
+        <p:nvSpPr>
+          <p:cNvPr id="3" name="Content Placeholder 2"/>
+          <p:cNvSpPr>
+            <a:spLocks noGrp="1"/>
+          </p:cNvSpPr>
+          <p:nvPr>
+            <p:ph idx="1"/>
+          </p:nvPr>
+        </p:nvSpPr>
+        <p:spPr>
+          <a:xfrm>
+            <a:off x="533400" y="1371600"/>
+            <a:ext cx="8229600" cy="5105400"/>
+          </a:xfrm>
+        </p:spPr>
+        <p:txBody>
+          <a:bodyPr>
+            <a:normAutofit fontScale="92500" lnSpcReduction="10000"/>
+          </a:bodyPr>
+          <a:lstStyle/>
+          <a:p>
+            <a:r>
+              <a:rPr lang="en-US" sz="2400" dirty="0" smtClean="0"/>
+              <a:t>Arrow functions bind very loosely</a:t>
+            </a:r>
+          </a:p>
+          <a:p>
+            <a:pPr>
+              <a:buNone/>
+            </a:pPr>
+            <a:r>
+              <a:rPr lang="en-US" sz="2400" dirty="0" smtClean="0"/>
+              <a:t>	console.log(</a:t>
+            </a:r>
+            <a:r>
+              <a:rPr lang="en-US" sz="2400" dirty="0" err="1" smtClean="0"/>
+              <a:t>typeof</a:t>
+            </a:r>
+            <a:r>
+              <a:rPr lang="en-US" sz="2400" dirty="0" smtClean="0"/>
+              <a:t> () =&gt; {}); // </a:t>
+            </a:r>
+            <a:r>
+              <a:rPr lang="en-US" sz="2400" dirty="0" err="1" smtClean="0"/>
+              <a:t>SyntaxError</a:t>
+            </a:r>
+            <a:r>
+              <a:rPr lang="en-US" sz="2400" dirty="0" smtClean="0"/>
+              <a:t> </a:t>
+            </a:r>
+          </a:p>
+          <a:p>
+            <a:pPr>
+              <a:buNone/>
+            </a:pPr>
+            <a:r>
+              <a:rPr lang="en-US" sz="2400" dirty="0" smtClean="0"/>
+              <a:t>	console.log(</a:t>
+            </a:r>
+            <a:r>
+              <a:rPr lang="en-US" sz="2400" dirty="0" err="1" smtClean="0"/>
+              <a:t>typeof</a:t>
+            </a:r>
+            <a:r>
+              <a:rPr lang="en-US" sz="2400" dirty="0" smtClean="0"/>
+              <a:t>  </a:t>
+            </a:r>
+            <a:r>
+              <a:rPr lang="en-US" sz="2400" dirty="0" smtClean="0">
+                <a:solidFill>
+                  <a:srgbClr val="FF0000"/>
+                </a:solidFill>
+              </a:rPr>
+              <a:t>(</a:t>
+            </a:r>
+            <a:r>
+              <a:rPr lang="en-US" sz="2400" dirty="0" smtClean="0"/>
+              <a:t> () =&gt; {} </a:t>
+            </a:r>
+            <a:r>
+              <a:rPr lang="en-US" sz="2400" dirty="0" smtClean="0">
+                <a:solidFill>
+                  <a:srgbClr val="FF0000"/>
+                </a:solidFill>
+              </a:rPr>
+              <a:t>)</a:t>
+            </a:r>
+            <a:r>
+              <a:rPr lang="en-US" sz="2400" dirty="0" smtClean="0"/>
+              <a:t> ); // </a:t>
+            </a:r>
+            <a:r>
+              <a:rPr lang="en-US" sz="2400" dirty="0" smtClean="0"/>
+              <a:t>OK</a:t>
+            </a:r>
+          </a:p>
+          <a:p>
+            <a:pPr>
+              <a:buNone/>
+            </a:pPr>
+            <a:endParaRPr lang="en-US" sz="2400" dirty="0" smtClean="0"/>
+          </a:p>
+          <a:p>
+            <a:r>
+              <a:rPr lang="en-US" sz="2400" dirty="0" smtClean="0"/>
+              <a:t>It </a:t>
+            </a:r>
+            <a:r>
+              <a:rPr lang="en-US" sz="2400" dirty="0" smtClean="0"/>
+              <a:t>can’t be used as a </a:t>
+            </a:r>
+            <a:r>
+              <a:rPr lang="en-US" sz="2400" dirty="0" smtClean="0"/>
+              <a:t>constructor</a:t>
+            </a:r>
+          </a:p>
+          <a:p>
+            <a:pPr>
+              <a:buNone/>
+            </a:pPr>
+            <a:endParaRPr lang="en-US" sz="2400" dirty="0" smtClean="0"/>
+          </a:p>
+          <a:p>
+            <a:r>
+              <a:rPr lang="en-US" sz="2400" dirty="0" smtClean="0"/>
+              <a:t>No line break after arrow function parameters</a:t>
+            </a:r>
+          </a:p>
+          <a:p>
+            <a:pPr>
+              <a:buNone/>
+            </a:pPr>
+            <a:r>
+              <a:rPr lang="en-US" sz="2000" dirty="0" smtClean="0"/>
+              <a:t>	</a:t>
+            </a:r>
+            <a:r>
+              <a:rPr lang="es-ES" sz="2000" dirty="0" err="1" smtClean="0"/>
+              <a:t>const</a:t>
+            </a:r>
+            <a:r>
+              <a:rPr lang="es-ES" sz="2000" dirty="0" smtClean="0"/>
+              <a:t> func1 = (x, y)  // </a:t>
+            </a:r>
+            <a:r>
+              <a:rPr lang="es-ES" sz="2000" dirty="0" err="1" smtClean="0"/>
+              <a:t>SyntaxError</a:t>
+            </a:r>
+            <a:endParaRPr lang="es-ES" sz="2000" dirty="0" smtClean="0"/>
+          </a:p>
+          <a:p>
+            <a:pPr>
+              <a:buNone/>
+            </a:pPr>
+            <a:r>
+              <a:rPr lang="es-ES" sz="2000" dirty="0" smtClean="0"/>
+              <a:t>	=&gt; {</a:t>
+            </a:r>
+          </a:p>
+          <a:p>
+            <a:pPr>
+              <a:buNone/>
+            </a:pPr>
+            <a:r>
+              <a:rPr lang="es-ES" sz="2000" dirty="0" smtClean="0"/>
+              <a:t>  	  </a:t>
+            </a:r>
+            <a:r>
+              <a:rPr lang="es-ES" sz="2000" dirty="0" err="1" smtClean="0"/>
+              <a:t>return</a:t>
+            </a:r>
+            <a:r>
+              <a:rPr lang="es-ES" sz="2000" dirty="0" smtClean="0"/>
+              <a:t> x + y;</a:t>
+            </a:r>
+          </a:p>
+          <a:p>
+            <a:pPr>
+              <a:buNone/>
+            </a:pPr>
+            <a:r>
+              <a:rPr lang="es-ES" sz="2000" dirty="0" smtClean="0"/>
+              <a:t>	};</a:t>
+            </a:r>
+          </a:p>
+          <a:p>
+            <a:pPr>
+              <a:buNone/>
+            </a:pPr>
+            <a:endParaRPr lang="es-ES" sz="2000" dirty="0" smtClean="0"/>
+          </a:p>
+          <a:p>
+            <a:pPr>
+              <a:buNone/>
+            </a:pPr>
+            <a:r>
+              <a:rPr lang="es-ES" sz="2000" dirty="0" smtClean="0"/>
+              <a:t>	</a:t>
+            </a:r>
+            <a:r>
+              <a:rPr lang="es-ES" sz="2000" dirty="0" err="1" smtClean="0"/>
+              <a:t>const</a:t>
+            </a:r>
+            <a:r>
+              <a:rPr lang="es-ES" sz="2000" dirty="0" smtClean="0"/>
+              <a:t> func4 = (x, y)   // </a:t>
+            </a:r>
+            <a:r>
+              <a:rPr lang="es-ES" sz="2000" dirty="0" err="1" smtClean="0"/>
+              <a:t>SyntaxError</a:t>
+            </a:r>
+            <a:endParaRPr lang="es-ES" sz="2000" dirty="0" smtClean="0"/>
+          </a:p>
+          <a:p>
+            <a:pPr>
+              <a:buNone/>
+            </a:pPr>
+            <a:r>
+              <a:rPr lang="es-ES" sz="2000" dirty="0" smtClean="0"/>
+              <a:t>	=&gt; x + y;</a:t>
+            </a:r>
+          </a:p>
+          <a:p>
+            <a:pPr>
+              <a:buNone/>
+            </a:pPr>
+            <a:endParaRPr lang="es-ES" sz="2000" dirty="0" smtClean="0"/>
+          </a:p>
+          <a:p>
+            <a:endParaRPr lang="en-US" sz="2400" dirty="0"/>
+          </a:p>
+        </p:txBody>
+      </p:sp>
+    </p:spTree>
+  </p:cSld>
+  <p:clrMapOvr>
+    <a:masterClrMapping/>
+  </p:clrMapOvr>
+  <p:timing>
+    <p:tnLst>
+      <p:par>
+        <p:cTn id="1" dur="indefinite" restart="never" nodeType="tmRoot"/>
+      </p:par>
+    </p:tnLst>
+  </p:timing>
+</p:sld>
+</file>
+
+<file path=ppt/slides/slide11.xml><?xml version="1.0" encoding="utf-8"?>
+<p:sld xmlns:a="http://schemas.openxmlformats.org/drawingml/2006/main" xmlns:r="http://schemas.openxmlformats.org/officeDocument/2006/relationships" xmlns:p="http://schemas.openxmlformats.org/presentationml/2006/main">
+  <p:cSld>
+    <p:spTree>
+      <p:nvGrpSpPr>
+        <p:cNvPr id="1" name=""/>
+        <p:cNvGrpSpPr/>
+        <p:nvPr/>
+      </p:nvGrpSpPr>
+      <p:grpSpPr>
+        <a:xfrm>
+          <a:off x="0" y="0"/>
+          <a:ext cx="0" cy="0"/>
+          <a:chOff x="0" y="0"/>
+          <a:chExt cx="0" cy="0"/>
+        </a:xfrm>
+      </p:grpSpPr>
+      <p:sp>
+        <p:nvSpPr>
+          <p:cNvPr id="3" name="Content Placeholder 2"/>
+          <p:cNvSpPr>
+            <a:spLocks noGrp="1"/>
+          </p:cNvSpPr>
+          <p:nvPr>
+            <p:ph idx="1"/>
+          </p:nvPr>
+        </p:nvSpPr>
+        <p:spPr>
+          <a:xfrm>
+            <a:off x="457200" y="457200"/>
+            <a:ext cx="8229600" cy="6019800"/>
+          </a:xfrm>
+        </p:spPr>
+        <p:txBody>
+          <a:bodyPr>
+            <a:normAutofit/>
+          </a:bodyPr>
+          <a:lstStyle/>
+          <a:p>
+            <a:pPr>
+              <a:buNone/>
+            </a:pPr>
+            <a:r>
+              <a:rPr lang="es-ES" sz="1800" dirty="0" err="1" smtClean="0"/>
+              <a:t>const</a:t>
+            </a:r>
+            <a:r>
+              <a:rPr lang="es-ES" sz="1800" dirty="0" smtClean="0"/>
+              <a:t> func2 = (x, y) =&gt; // OK</a:t>
+            </a:r>
+          </a:p>
+          <a:p>
+            <a:pPr>
+              <a:buNone/>
+            </a:pPr>
+            <a:r>
+              <a:rPr lang="es-ES" sz="1800" dirty="0" smtClean="0"/>
+              <a:t>{</a:t>
+            </a:r>
+          </a:p>
+          <a:p>
+            <a:pPr>
+              <a:buNone/>
+            </a:pPr>
+            <a:r>
+              <a:rPr lang="es-ES" sz="1800" dirty="0" smtClean="0"/>
+              <a:t>    </a:t>
+            </a:r>
+            <a:r>
+              <a:rPr lang="es-ES" sz="1800" dirty="0" err="1" smtClean="0"/>
+              <a:t>return</a:t>
+            </a:r>
+            <a:r>
+              <a:rPr lang="es-ES" sz="1800" dirty="0" smtClean="0"/>
+              <a:t> x + y;</a:t>
+            </a:r>
+          </a:p>
+          <a:p>
+            <a:pPr>
+              <a:buNone/>
+            </a:pPr>
+            <a:r>
+              <a:rPr lang="es-ES" sz="1800" dirty="0" smtClean="0"/>
+              <a:t>};</a:t>
+            </a:r>
+          </a:p>
+          <a:p>
+            <a:pPr>
+              <a:buNone/>
+            </a:pPr>
+            <a:endParaRPr lang="es-ES" sz="1800" dirty="0" smtClean="0"/>
+          </a:p>
+          <a:p>
+            <a:pPr>
+              <a:buNone/>
+            </a:pPr>
+            <a:r>
+              <a:rPr lang="es-ES" sz="1800" dirty="0" err="1" smtClean="0"/>
+              <a:t>const</a:t>
+            </a:r>
+            <a:r>
+              <a:rPr lang="es-ES" sz="1800" dirty="0" smtClean="0"/>
+              <a:t> func3 = (x, y) =&gt; { // OK</a:t>
+            </a:r>
+          </a:p>
+          <a:p>
+            <a:pPr>
+              <a:buNone/>
+            </a:pPr>
+            <a:r>
+              <a:rPr lang="es-ES" sz="1800" dirty="0" smtClean="0"/>
+              <a:t>    </a:t>
+            </a:r>
+            <a:r>
+              <a:rPr lang="es-ES" sz="1800" dirty="0" err="1" smtClean="0"/>
+              <a:t>return</a:t>
+            </a:r>
+            <a:r>
+              <a:rPr lang="es-ES" sz="1800" dirty="0" smtClean="0"/>
+              <a:t> x + y;</a:t>
+            </a:r>
+          </a:p>
+          <a:p>
+            <a:pPr>
+              <a:buNone/>
+            </a:pPr>
+            <a:r>
+              <a:rPr lang="es-ES" sz="1800" dirty="0" smtClean="0"/>
+              <a:t>};</a:t>
+            </a:r>
+          </a:p>
+          <a:p>
+            <a:pPr>
+              <a:buNone/>
+            </a:pPr>
+            <a:r>
+              <a:rPr lang="en-US" sz="1800" dirty="0" smtClean="0"/>
+              <a:t>Line breaks inside parameter definitions are OK:</a:t>
+            </a:r>
+          </a:p>
+          <a:p>
+            <a:pPr>
+              <a:buNone/>
+            </a:pPr>
+            <a:r>
+              <a:rPr lang="en-US" sz="1800" dirty="0" smtClean="0"/>
+              <a:t>const func6 = ( // OK</a:t>
+            </a:r>
+          </a:p>
+          <a:p>
+            <a:pPr>
+              <a:buNone/>
+            </a:pPr>
+            <a:r>
+              <a:rPr lang="en-US" sz="1800" dirty="0" smtClean="0"/>
+              <a:t>    x,</a:t>
+            </a:r>
+          </a:p>
+          <a:p>
+            <a:pPr>
+              <a:buNone/>
+            </a:pPr>
+            <a:r>
+              <a:rPr lang="en-US" sz="1800" dirty="0" smtClean="0"/>
+              <a:t>    y</a:t>
+            </a:r>
+          </a:p>
+          <a:p>
+            <a:pPr>
+              <a:buNone/>
+            </a:pPr>
+            <a:r>
+              <a:rPr lang="en-US" sz="1800" dirty="0" smtClean="0"/>
+              <a:t>) =&gt; {</a:t>
+            </a:r>
+          </a:p>
+          <a:p>
+            <a:pPr>
+              <a:buNone/>
+            </a:pPr>
+            <a:r>
+              <a:rPr lang="en-US" sz="1800" dirty="0" smtClean="0"/>
+              <a:t>    return x + y;</a:t>
+            </a:r>
+          </a:p>
+          <a:p>
+            <a:pPr>
+              <a:buNone/>
+            </a:pPr>
+            <a:r>
+              <a:rPr lang="en-US" sz="1800" dirty="0" smtClean="0"/>
+              <a:t>};</a:t>
+            </a:r>
+          </a:p>
+          <a:p>
+            <a:pPr>
+              <a:buNone/>
+            </a:pPr>
+            <a:endParaRPr lang="en-US" sz="1800" dirty="0" smtClean="0"/>
+          </a:p>
+          <a:p>
+            <a:r>
+              <a:rPr lang="en-US" sz="2000" dirty="0" smtClean="0"/>
+              <a:t> </a:t>
+            </a:r>
+            <a:r>
+              <a:rPr lang="en-US" sz="2000" b="1" dirty="0" smtClean="0"/>
+              <a:t>Returning object literals:</a:t>
+            </a:r>
+          </a:p>
+          <a:p>
+            <a:pPr>
+              <a:buNone/>
+            </a:pPr>
+            <a:r>
+              <a:rPr lang="en-US" sz="1800" dirty="0" smtClean="0"/>
+              <a:t>	const f = x =&gt; </a:t>
+            </a:r>
+            <a:r>
+              <a:rPr lang="en-US" sz="1800" dirty="0" smtClean="0">
+                <a:solidFill>
+                  <a:srgbClr val="FF0000"/>
+                </a:solidFill>
+              </a:rPr>
+              <a:t>( </a:t>
+            </a:r>
+            <a:r>
+              <a:rPr lang="en-US" sz="1800" dirty="0" smtClean="0"/>
+              <a:t>{ bar: 123 } </a:t>
+            </a:r>
+            <a:r>
+              <a:rPr lang="en-US" sz="1800" dirty="0" smtClean="0">
+                <a:solidFill>
+                  <a:srgbClr val="FF0000"/>
+                </a:solidFill>
+              </a:rPr>
+              <a:t>)</a:t>
+            </a:r>
+            <a:r>
+              <a:rPr lang="en-US" sz="1800" dirty="0" smtClean="0"/>
+              <a:t>	//put it in parentheses</a:t>
+            </a:r>
+          </a:p>
+          <a:p>
+            <a:pPr>
+              <a:buNone/>
+            </a:pPr>
+            <a:endParaRPr lang="en-US" sz="1800" dirty="0" smtClean="0"/>
+          </a:p>
+          <a:p>
+            <a:pPr>
+              <a:buNone/>
+            </a:pPr>
+            <a:endParaRPr lang="en-US" sz="1800" dirty="0"/>
+          </a:p>
+        </p:txBody>
+      </p:sp>
+    </p:spTree>
+  </p:cSld>
+  <p:clrMapOvr>
+    <a:masterClrMapping/>
+  </p:clrMapOvr>
+  <p:timing>
+    <p:tnLst>
+      <p:par>
+        <p:cTn id="1" dur="indefinite" restart="never" nodeType="tmRoot"/>
+      </p:par>
+    </p:tnLst>
+  </p:timing>
+</p:sld>
+</file>
+
+<file path=ppt/slides/slide12.xml><?xml version="1.0" encoding="utf-8"?>
+<p:sld xmlns:a="http://schemas.openxmlformats.org/drawingml/2006/main" xmlns:r="http://schemas.openxmlformats.org/officeDocument/2006/relationships" xmlns:p="http://schemas.openxmlformats.org/presentationml/2006/main">
+  <p:cSld>
+    <p:spTree>
+      <p:nvGrpSpPr>
+        <p:cNvPr id="1" name=""/>
+        <p:cNvGrpSpPr/>
+        <p:nvPr/>
+      </p:nvGrpSpPr>
+      <p:grpSpPr>
+        <a:xfrm>
+          <a:off x="0" y="0"/>
+          <a:ext cx="0" cy="0"/>
+          <a:chOff x="0" y="0"/>
+          <a:chExt cx="0" cy="0"/>
+        </a:xfrm>
+      </p:grpSpPr>
+      <p:sp>
+        <p:nvSpPr>
+          <p:cNvPr id="2" name="Title 1"/>
+          <p:cNvSpPr>
+            <a:spLocks noGrp="1"/>
+          </p:cNvSpPr>
+          <p:nvPr>
+            <p:ph type="title"/>
+          </p:nvPr>
+        </p:nvSpPr>
+        <p:spPr/>
+        <p:txBody>
+          <a:bodyPr>
+            <a:normAutofit/>
+          </a:bodyPr>
+          <a:lstStyle/>
+          <a:p>
+            <a:r>
+              <a:rPr lang="en-US" sz="3200" b="1" dirty="0" smtClean="0"/>
+              <a:t>Immediately-invoked functions</a:t>
+            </a:r>
+            <a:endParaRPr lang="en-US" sz="3200" dirty="0"/>
+          </a:p>
+        </p:txBody>
+      </p:sp>
+      <p:sp>
+        <p:nvSpPr>
+          <p:cNvPr id="4" name="Content Placeholder 3"/>
+          <p:cNvSpPr>
+            <a:spLocks noGrp="1"/>
+          </p:cNvSpPr>
+          <p:nvPr>
+            <p:ph sz="half" idx="1"/>
+          </p:nvPr>
+        </p:nvSpPr>
+        <p:spPr/>
+        <p:txBody>
+          <a:bodyPr/>
+          <a:lstStyle/>
+          <a:p>
+            <a:r>
+              <a:rPr lang="en-US" b="1" dirty="0" smtClean="0"/>
+              <a:t>Traditional</a:t>
+            </a:r>
+          </a:p>
+          <a:p>
+            <a:pPr>
+              <a:buNone/>
+            </a:pPr>
+            <a:endParaRPr lang="en-US" dirty="0" smtClean="0"/>
+          </a:p>
+          <a:p>
+            <a:pPr>
+              <a:buNone/>
+            </a:pPr>
+            <a:r>
+              <a:rPr lang="en-US" dirty="0" smtClean="0"/>
+              <a:t>(function () { // open IIFE</a:t>
+            </a:r>
+          </a:p>
+          <a:p>
+            <a:pPr>
+              <a:buNone/>
+            </a:pPr>
+            <a:r>
+              <a:rPr lang="en-US" dirty="0" smtClean="0"/>
+              <a:t>    // inside IIFE</a:t>
+            </a:r>
+          </a:p>
+          <a:p>
+            <a:pPr>
+              <a:buNone/>
+            </a:pPr>
+            <a:r>
+              <a:rPr lang="en-US" dirty="0" smtClean="0"/>
+              <a:t>}()); // close IIFE</a:t>
+            </a:r>
+            <a:endParaRPr lang="en-US" dirty="0"/>
+          </a:p>
+        </p:txBody>
+      </p:sp>
+      <p:sp>
+        <p:nvSpPr>
+          <p:cNvPr id="5" name="Content Placeholder 4"/>
+          <p:cNvSpPr>
+            <a:spLocks noGrp="1"/>
+          </p:cNvSpPr>
+          <p:nvPr>
+            <p:ph sz="half" idx="2"/>
+          </p:nvPr>
+        </p:nvSpPr>
+        <p:spPr/>
+        <p:txBody>
+          <a:bodyPr/>
+          <a:lstStyle/>
+          <a:p>
+            <a:r>
+              <a:rPr lang="en-US" b="1" dirty="0" smtClean="0"/>
+              <a:t>Arrow</a:t>
+            </a:r>
+          </a:p>
+          <a:p>
+            <a:pPr>
+              <a:buNone/>
+            </a:pPr>
+            <a:endParaRPr lang="en-US" dirty="0" smtClean="0"/>
+          </a:p>
+          <a:p>
+            <a:pPr>
+              <a:buNone/>
+            </a:pPr>
+            <a:r>
+              <a:rPr lang="en-US" dirty="0" smtClean="0"/>
+              <a:t>(() =&gt; {</a:t>
+            </a:r>
+          </a:p>
+          <a:p>
+            <a:pPr>
+              <a:buNone/>
+            </a:pPr>
+            <a:r>
+              <a:rPr lang="en-US" dirty="0" smtClean="0"/>
+              <a:t>    return 123</a:t>
+            </a:r>
+          </a:p>
+          <a:p>
+            <a:pPr>
+              <a:buNone/>
+            </a:pPr>
+            <a:r>
+              <a:rPr lang="en-US" dirty="0" smtClean="0"/>
+              <a:t>})();</a:t>
+            </a:r>
+            <a:endParaRPr lang="en-US" dirty="0"/>
+          </a:p>
+        </p:txBody>
+      </p:sp>
+    </p:spTree>
+  </p:cSld>
+  <p:clrMapOvr>
+    <a:masterClrMapping/>
+  </p:clrMapOvr>
+  <p:timing>
+    <p:tnLst>
+      <p:par>
+        <p:cTn id="1" dur="indefinite" restart="never" nodeType="tmRoot"/>
+      </p:par>
+    </p:tnLst>
+  </p:timing>
+</p:sld>
+</file>
+
+<file path=ppt/slides/slide13.xml><?xml version="1.0" encoding="utf-8"?>
+<p:sld xmlns:a="http://schemas.openxmlformats.org/drawingml/2006/main" xmlns:r="http://schemas.openxmlformats.org/officeDocument/2006/relationships" xmlns:p="http://schemas.openxmlformats.org/presentationml/2006/main">
+  <p:cSld>
+    <p:spTree>
+      <p:nvGrpSpPr>
+        <p:cNvPr id="1" name=""/>
+        <p:cNvGrpSpPr/>
+        <p:nvPr/>
+      </p:nvGrpSpPr>
+      <p:grpSpPr>
+        <a:xfrm>
+          <a:off x="0" y="0"/>
+          <a:ext cx="0" cy="0"/>
+          <a:chOff x="0" y="0"/>
+          <a:chExt cx="0" cy="0"/>
+        </a:xfrm>
+      </p:grpSpPr>
+      <p:sp>
+        <p:nvSpPr>
+          <p:cNvPr id="5" name="Title 4"/>
+          <p:cNvSpPr>
+            <a:spLocks noGrp="1"/>
+          </p:cNvSpPr>
+          <p:nvPr>
+            <p:ph type="title"/>
+          </p:nvPr>
+        </p:nvSpPr>
+        <p:spPr/>
+        <p:txBody>
+          <a:bodyPr>
+            <a:normAutofit/>
+          </a:bodyPr>
+          <a:lstStyle/>
+          <a:p>
+            <a:r>
+              <a:rPr lang="en-US" b="1" dirty="0" err="1" smtClean="0"/>
+              <a:t>Destructuring</a:t>
+            </a:r>
+            <a:endParaRPr lang="en-US" dirty="0"/>
+          </a:p>
+        </p:txBody>
+      </p:sp>
+      <p:sp>
+        <p:nvSpPr>
+          <p:cNvPr id="6" name="Content Placeholder 5"/>
+          <p:cNvSpPr>
+            <a:spLocks noGrp="1"/>
+          </p:cNvSpPr>
+          <p:nvPr>
+            <p:ph idx="1"/>
+          </p:nvPr>
+        </p:nvSpPr>
+        <p:spPr/>
+        <p:txBody>
+          <a:bodyPr>
+            <a:normAutofit/>
+          </a:bodyPr>
+          <a:lstStyle/>
+          <a:p>
+            <a:r>
+              <a:rPr lang="en-US" sz="2400" i="1" dirty="0" err="1" smtClean="0"/>
+              <a:t>Destructuring</a:t>
+            </a:r>
+            <a:r>
+              <a:rPr lang="en-US" sz="2400" dirty="0" smtClean="0"/>
+              <a:t> is a convenient way of extracting multiple values from data stored in </a:t>
+            </a:r>
+            <a:r>
+              <a:rPr lang="en-US" sz="2400" dirty="0" smtClean="0"/>
+              <a:t>objects </a:t>
+            </a:r>
+            <a:r>
+              <a:rPr lang="en-US" sz="2400" dirty="0" smtClean="0"/>
+              <a:t>and Arrays</a:t>
+            </a:r>
+            <a:r>
+              <a:rPr lang="en-US" sz="2400" dirty="0" smtClean="0"/>
+              <a:t>.</a:t>
+            </a:r>
+          </a:p>
+          <a:p>
+            <a:pPr>
+              <a:buNone/>
+            </a:pPr>
+            <a:endParaRPr lang="en-US" sz="2400" dirty="0" smtClean="0"/>
+          </a:p>
+          <a:p>
+            <a:r>
+              <a:rPr lang="en-US" sz="2400" b="1" dirty="0" smtClean="0"/>
+              <a:t>Object </a:t>
+            </a:r>
+            <a:r>
+              <a:rPr lang="en-US" sz="2400" b="1" dirty="0" err="1" smtClean="0"/>
+              <a:t>destructuring</a:t>
+            </a:r>
+            <a:r>
+              <a:rPr lang="en-US" sz="2400" b="1" dirty="0" smtClean="0"/>
+              <a:t> – </a:t>
+            </a:r>
+            <a:endParaRPr lang="en-US" sz="2000" b="1" dirty="0" smtClean="0"/>
+          </a:p>
+          <a:p>
+            <a:pPr lvl="1">
+              <a:buNone/>
+            </a:pPr>
+            <a:r>
+              <a:rPr lang="en-US" sz="2000" dirty="0" smtClean="0"/>
+              <a:t>const </a:t>
+            </a:r>
+            <a:r>
+              <a:rPr lang="en-US" sz="2000" dirty="0" err="1" smtClean="0"/>
+              <a:t>obj</a:t>
+            </a:r>
+            <a:r>
+              <a:rPr lang="en-US" sz="2000" dirty="0" smtClean="0"/>
+              <a:t> = { first: 'Jane', last: 'Doe' };</a:t>
+            </a:r>
+          </a:p>
+          <a:p>
+            <a:pPr lvl="1">
+              <a:buNone/>
+            </a:pPr>
+            <a:r>
+              <a:rPr lang="en-US" sz="2000" dirty="0" smtClean="0"/>
+              <a:t>const {first: f, last: l} = </a:t>
+            </a:r>
+            <a:r>
+              <a:rPr lang="en-US" sz="2000" dirty="0" err="1" smtClean="0"/>
+              <a:t>obj</a:t>
+            </a:r>
+            <a:r>
+              <a:rPr lang="en-US" sz="2000" dirty="0" smtClean="0"/>
+              <a:t>;</a:t>
+            </a:r>
+          </a:p>
+          <a:p>
+            <a:pPr lvl="1">
+              <a:buNone/>
+            </a:pPr>
+            <a:r>
+              <a:rPr lang="en-US" sz="2000" dirty="0" smtClean="0"/>
+              <a:t>    // f = 'Jane'; l = </a:t>
+            </a:r>
+            <a:r>
+              <a:rPr lang="en-US" sz="2000" dirty="0" smtClean="0"/>
+              <a:t>'Doe’</a:t>
+            </a:r>
+          </a:p>
+          <a:p>
+            <a:pPr lvl="1">
+              <a:buNone/>
+            </a:pPr>
+            <a:endParaRPr lang="en-US" sz="2000" dirty="0" smtClean="0"/>
+          </a:p>
+          <a:p>
+            <a:pPr lvl="1">
+              <a:buNone/>
+            </a:pPr>
+            <a:r>
+              <a:rPr lang="en-US" sz="2000" dirty="0" smtClean="0"/>
+              <a:t>// {prop} is short for {prop: prop}</a:t>
+            </a:r>
+          </a:p>
+          <a:p>
+            <a:pPr lvl="1">
+              <a:buNone/>
+            </a:pPr>
+            <a:r>
+              <a:rPr lang="en-US" sz="2000" dirty="0" smtClean="0"/>
+              <a:t>const {first, last} = </a:t>
+            </a:r>
+            <a:r>
+              <a:rPr lang="en-US" sz="2000" dirty="0" err="1" smtClean="0"/>
+              <a:t>obj</a:t>
+            </a:r>
+            <a:r>
+              <a:rPr lang="en-US" sz="2000" dirty="0" smtClean="0"/>
+              <a:t>;</a:t>
+            </a:r>
+          </a:p>
+          <a:p>
+            <a:pPr lvl="1">
+              <a:buNone/>
+            </a:pPr>
+            <a:r>
+              <a:rPr lang="en-US" sz="2000" dirty="0" smtClean="0"/>
+              <a:t>    // first = 'Jane'; last = 'Doe'</a:t>
+            </a:r>
+          </a:p>
+          <a:p>
+            <a:pPr>
+              <a:buNone/>
+            </a:pPr>
+            <a:endParaRPr lang="en-US" sz="2400" dirty="0"/>
+          </a:p>
+        </p:txBody>
+      </p:sp>
+    </p:spTree>
+  </p:cSld>
+  <p:clrMapOvr>
+    <a:masterClrMapping/>
+  </p:clrMapOvr>
+  <p:timing>
+    <p:tnLst>
+      <p:par>
+        <p:cTn id="1" dur="indefinite" restart="never" nodeType="tmRoot"/>
+      </p:par>
+    </p:tnLst>
+  </p:timing>
+</p:sld>
+</file>
+
+<file path=ppt/slides/slide14.xml><?xml version="1.0" encoding="utf-8"?>
+<p:sld xmlns:a="http://schemas.openxmlformats.org/drawingml/2006/main" xmlns:r="http://schemas.openxmlformats.org/officeDocument/2006/relationships" xmlns:p="http://schemas.openxmlformats.org/presentationml/2006/main">
+  <p:cSld>
+    <p:spTree>
+      <p:nvGrpSpPr>
+        <p:cNvPr id="1" name=""/>
+        <p:cNvGrpSpPr/>
+        <p:nvPr/>
+      </p:nvGrpSpPr>
+      <p:grpSpPr>
+        <a:xfrm>
+          <a:off x="0" y="0"/>
+          <a:ext cx="0" cy="0"/>
+          <a:chOff x="0" y="0"/>
+          <a:chExt cx="0" cy="0"/>
+        </a:xfrm>
+      </p:grpSpPr>
+      <p:sp>
+        <p:nvSpPr>
+          <p:cNvPr id="3" name="Content Placeholder 2"/>
+          <p:cNvSpPr>
+            <a:spLocks noGrp="1"/>
+          </p:cNvSpPr>
+          <p:nvPr>
+            <p:ph idx="1"/>
+          </p:nvPr>
+        </p:nvSpPr>
+        <p:spPr>
+          <a:xfrm>
+            <a:off x="457200" y="381000"/>
+            <a:ext cx="8229600" cy="5745163"/>
+          </a:xfrm>
+        </p:spPr>
+        <p:txBody>
+          <a:bodyPr>
+            <a:normAutofit/>
+          </a:bodyPr>
+          <a:lstStyle/>
+          <a:p>
+            <a:r>
+              <a:rPr lang="en-US" sz="2400" b="1" dirty="0" smtClean="0"/>
+              <a:t>Array </a:t>
+            </a:r>
+            <a:r>
+              <a:rPr lang="en-US" sz="2400" b="1" dirty="0" err="1" smtClean="0"/>
+              <a:t>destructuring</a:t>
+            </a:r>
+            <a:r>
+              <a:rPr lang="en-US" sz="2400" b="1" dirty="0" smtClean="0"/>
+              <a:t> – </a:t>
+            </a:r>
+          </a:p>
+          <a:p>
+            <a:pPr>
+              <a:buNone/>
+            </a:pPr>
+            <a:endParaRPr lang="es-ES" sz="2400" dirty="0" smtClean="0"/>
+          </a:p>
+          <a:p>
+            <a:pPr>
+              <a:buNone/>
+            </a:pPr>
+            <a:r>
+              <a:rPr lang="es-ES" sz="2400" dirty="0" smtClean="0"/>
+              <a:t>	</a:t>
+            </a:r>
+            <a:r>
+              <a:rPr lang="es-ES" sz="2400" dirty="0" err="1" smtClean="0"/>
+              <a:t>const</a:t>
+            </a:r>
+            <a:r>
+              <a:rPr lang="es-ES" sz="2400" dirty="0" smtClean="0"/>
+              <a:t> </a:t>
+            </a:r>
+            <a:r>
+              <a:rPr lang="es-ES" sz="2400" dirty="0" smtClean="0"/>
+              <a:t>iterable = ['a', 'b'];</a:t>
+            </a:r>
+          </a:p>
+          <a:p>
+            <a:pPr>
+              <a:buNone/>
+            </a:pPr>
+            <a:r>
+              <a:rPr lang="es-ES" sz="2400" dirty="0" smtClean="0"/>
+              <a:t>	</a:t>
+            </a:r>
+            <a:r>
+              <a:rPr lang="es-ES" sz="2400" dirty="0" err="1" smtClean="0"/>
+              <a:t>const</a:t>
+            </a:r>
+            <a:r>
+              <a:rPr lang="es-ES" sz="2400" dirty="0" smtClean="0"/>
+              <a:t> </a:t>
+            </a:r>
+            <a:r>
+              <a:rPr lang="es-ES" sz="2400" dirty="0" smtClean="0"/>
+              <a:t>[x, y] = iterable;</a:t>
+            </a:r>
+          </a:p>
+          <a:p>
+            <a:pPr>
+              <a:buNone/>
+            </a:pPr>
+            <a:r>
+              <a:rPr lang="es-ES" sz="2400" dirty="0" smtClean="0"/>
+              <a:t>    </a:t>
+            </a:r>
+            <a:r>
+              <a:rPr lang="es-ES" sz="2400" dirty="0" smtClean="0"/>
+              <a:t>	// </a:t>
+            </a:r>
+            <a:r>
+              <a:rPr lang="es-ES" sz="2400" dirty="0" smtClean="0"/>
+              <a:t>x = 'a'; y = 'b'</a:t>
+            </a:r>
+            <a:endParaRPr lang="en-US" sz="2400" dirty="0"/>
+          </a:p>
+        </p:txBody>
+      </p:sp>
+    </p:spTree>
+  </p:cSld>
+  <p:clrMapOvr>
+    <a:masterClrMapping/>
+  </p:clrMapOvr>
+</p:sld>
+</file>
+
+<file path=ppt/slides/slide15.xml><?xml version="1.0" encoding="utf-8"?>
+<p:sld xmlns:a="http://schemas.openxmlformats.org/drawingml/2006/main" xmlns:r="http://schemas.openxmlformats.org/officeDocument/2006/relationships" xmlns:p="http://schemas.openxmlformats.org/presentationml/2006/main">
+  <p:cSld>
+    <p:spTree>
+      <p:nvGrpSpPr>
+        <p:cNvPr id="1" name=""/>
+        <p:cNvGrpSpPr/>
+        <p:nvPr/>
+      </p:nvGrpSpPr>
+      <p:grpSpPr>
+        <a:xfrm>
+          <a:off x="0" y="0"/>
+          <a:ext cx="0" cy="0"/>
+          <a:chOff x="0" y="0"/>
+          <a:chExt cx="0" cy="0"/>
+        </a:xfrm>
+      </p:grpSpPr>
+      <p:sp>
+        <p:nvSpPr>
+          <p:cNvPr id="2" name="Title 1"/>
+          <p:cNvSpPr>
+            <a:spLocks noGrp="1"/>
+          </p:cNvSpPr>
+          <p:nvPr>
+            <p:ph type="title"/>
+          </p:nvPr>
+        </p:nvSpPr>
+        <p:spPr>
+          <a:xfrm>
+            <a:off x="457200" y="274638"/>
+            <a:ext cx="8229600" cy="715962"/>
+          </a:xfrm>
+        </p:spPr>
+        <p:txBody>
+          <a:bodyPr>
+            <a:normAutofit/>
+          </a:bodyPr>
+          <a:lstStyle/>
+          <a:p>
+            <a:r>
+              <a:rPr lang="en-US" sz="3200" b="1" dirty="0" smtClean="0"/>
+              <a:t>Rest &amp; Spread Operator (…)</a:t>
+            </a:r>
+            <a:endParaRPr lang="en-US" sz="3200" dirty="0"/>
+          </a:p>
+        </p:txBody>
+      </p:sp>
+      <p:sp>
+        <p:nvSpPr>
+          <p:cNvPr id="4" name="Content Placeholder 3"/>
+          <p:cNvSpPr>
+            <a:spLocks noGrp="1"/>
+          </p:cNvSpPr>
+          <p:nvPr>
+            <p:ph sz="half" idx="1"/>
+          </p:nvPr>
+        </p:nvSpPr>
+        <p:spPr>
+          <a:xfrm>
+            <a:off x="457200" y="1143000"/>
+            <a:ext cx="4038600" cy="4983163"/>
+          </a:xfrm>
+        </p:spPr>
+        <p:txBody>
+          <a:bodyPr>
+            <a:normAutofit fontScale="92500" lnSpcReduction="20000"/>
+          </a:bodyPr>
+          <a:lstStyle/>
+          <a:p>
+            <a:r>
+              <a:rPr lang="en-US" b="1" dirty="0" smtClean="0"/>
+              <a:t>Rest</a:t>
+            </a:r>
+          </a:p>
+          <a:p>
+            <a:pPr>
+              <a:buNone/>
+            </a:pPr>
+            <a:r>
+              <a:rPr lang="en-US" sz="2600" dirty="0" smtClean="0"/>
+              <a:t>	The</a:t>
+            </a:r>
+            <a:r>
+              <a:rPr lang="en-US" sz="2600" dirty="0" smtClean="0"/>
+              <a:t> rest operator lets </a:t>
+            </a:r>
+            <a:r>
+              <a:rPr lang="en-US" sz="2600" dirty="0" smtClean="0"/>
+              <a:t>you extract the remaining elements of an </a:t>
+            </a:r>
+            <a:r>
+              <a:rPr lang="en-US" sz="2600" dirty="0" err="1" smtClean="0"/>
+              <a:t>iterable</a:t>
+            </a:r>
+            <a:r>
+              <a:rPr lang="en-US" sz="2600" dirty="0" smtClean="0"/>
+              <a:t> into an Array.</a:t>
+            </a:r>
+          </a:p>
+          <a:p>
+            <a:pPr>
+              <a:buNone/>
+            </a:pPr>
+            <a:endParaRPr lang="en-US" sz="2600" dirty="0" smtClean="0"/>
+          </a:p>
+          <a:p>
+            <a:pPr>
+              <a:buNone/>
+            </a:pPr>
+            <a:r>
+              <a:rPr lang="en-US" sz="2600" dirty="0" smtClean="0"/>
+              <a:t>	Ex.</a:t>
+            </a:r>
+          </a:p>
+          <a:p>
+            <a:pPr>
+              <a:buNone/>
+            </a:pPr>
+            <a:r>
+              <a:rPr lang="en-US" sz="2600" dirty="0" smtClean="0"/>
+              <a:t>	</a:t>
+            </a:r>
+            <a:r>
+              <a:rPr lang="es-ES" sz="2600" dirty="0" err="1" smtClean="0"/>
+              <a:t>const</a:t>
+            </a:r>
+            <a:r>
+              <a:rPr lang="es-ES" sz="2600" dirty="0" smtClean="0"/>
+              <a:t> [x, ...y] = ['a', 'b', 'c']; </a:t>
+            </a:r>
+            <a:r>
+              <a:rPr lang="es-ES" sz="2600" dirty="0" smtClean="0"/>
+              <a:t>	</a:t>
+            </a:r>
+          </a:p>
+          <a:p>
+            <a:pPr>
+              <a:buNone/>
+            </a:pPr>
+            <a:r>
+              <a:rPr lang="es-ES" sz="2600" dirty="0" smtClean="0"/>
+              <a:t>	</a:t>
+            </a:r>
+            <a:r>
+              <a:rPr lang="es-ES" sz="2600" dirty="0" smtClean="0"/>
+              <a:t>// </a:t>
+            </a:r>
+            <a:r>
+              <a:rPr lang="es-ES" sz="2600" dirty="0" smtClean="0"/>
+              <a:t>x='a'; y=['b', 'c']</a:t>
+            </a:r>
+            <a:endParaRPr lang="en-US" sz="2600" dirty="0" smtClean="0"/>
+          </a:p>
+        </p:txBody>
+      </p:sp>
+      <p:sp>
+        <p:nvSpPr>
+          <p:cNvPr id="5" name="Content Placeholder 4"/>
+          <p:cNvSpPr>
+            <a:spLocks noGrp="1"/>
+          </p:cNvSpPr>
+          <p:nvPr>
+            <p:ph sz="half" idx="2"/>
+          </p:nvPr>
+        </p:nvSpPr>
+        <p:spPr>
+          <a:xfrm>
+            <a:off x="4648200" y="1143000"/>
+            <a:ext cx="4038600" cy="4983163"/>
+          </a:xfrm>
+        </p:spPr>
+        <p:txBody>
+          <a:bodyPr>
+            <a:normAutofit fontScale="92500" lnSpcReduction="20000"/>
+          </a:bodyPr>
+          <a:lstStyle/>
+          <a:p>
+            <a:r>
+              <a:rPr lang="en-US" dirty="0" smtClean="0"/>
+              <a:t>Spread</a:t>
+            </a:r>
+          </a:p>
+          <a:p>
+            <a:pPr lvl="1">
+              <a:buNone/>
+            </a:pPr>
+            <a:r>
+              <a:rPr lang="en-US" sz="2600" dirty="0" smtClean="0"/>
+              <a:t>In function and constructor </a:t>
+            </a:r>
+            <a:endParaRPr lang="en-US" sz="2600" dirty="0" smtClean="0"/>
+          </a:p>
+          <a:p>
+            <a:pPr lvl="1">
+              <a:buNone/>
+            </a:pPr>
+            <a:r>
+              <a:rPr lang="en-US" sz="2600" dirty="0" smtClean="0"/>
+              <a:t>calls</a:t>
+            </a:r>
+            <a:r>
+              <a:rPr lang="en-US" sz="2600" dirty="0" smtClean="0"/>
+              <a:t>, the spread operator </a:t>
+            </a:r>
+            <a:endParaRPr lang="en-US" sz="2600" dirty="0" smtClean="0"/>
+          </a:p>
+          <a:p>
+            <a:pPr lvl="1">
+              <a:buNone/>
+            </a:pPr>
+            <a:r>
+              <a:rPr lang="en-US" sz="2600" dirty="0" smtClean="0"/>
+              <a:t>turns </a:t>
+            </a:r>
+            <a:r>
+              <a:rPr lang="en-US" sz="2600" dirty="0" err="1" smtClean="0"/>
+              <a:t>iterable</a:t>
+            </a:r>
+            <a:r>
+              <a:rPr lang="en-US" sz="2600" dirty="0" smtClean="0"/>
+              <a:t> values into </a:t>
+            </a:r>
+            <a:endParaRPr lang="en-US" sz="2600" dirty="0" smtClean="0"/>
+          </a:p>
+          <a:p>
+            <a:pPr lvl="1">
+              <a:buNone/>
+            </a:pPr>
+            <a:r>
+              <a:rPr lang="en-US" sz="2600" dirty="0" smtClean="0"/>
+              <a:t>arguments</a:t>
+            </a:r>
+            <a:endParaRPr lang="en-US" sz="2600" dirty="0" smtClean="0"/>
+          </a:p>
+          <a:p>
+            <a:pPr>
+              <a:buNone/>
+            </a:pPr>
+            <a:endParaRPr lang="en-US" dirty="0" smtClean="0"/>
+          </a:p>
+          <a:p>
+            <a:pPr>
+              <a:buNone/>
+            </a:pPr>
+            <a:r>
+              <a:rPr lang="en-US" sz="2600" dirty="0" smtClean="0"/>
+              <a:t>	</a:t>
+            </a:r>
+            <a:r>
+              <a:rPr lang="en-US" sz="2600" dirty="0" smtClean="0"/>
+              <a:t>Ex.</a:t>
+            </a:r>
+          </a:p>
+          <a:p>
+            <a:pPr lvl="1">
+              <a:buNone/>
+            </a:pPr>
+            <a:r>
+              <a:rPr lang="en-US" sz="2600" dirty="0" smtClean="0"/>
+              <a:t>function </a:t>
+            </a:r>
+            <a:r>
+              <a:rPr lang="en-US" sz="2600" dirty="0" err="1" smtClean="0"/>
+              <a:t>addNumbers</a:t>
+            </a:r>
+            <a:r>
+              <a:rPr lang="en-US" sz="2600" dirty="0" smtClean="0"/>
+              <a:t>(a, b, c){</a:t>
+            </a:r>
+          </a:p>
+          <a:p>
+            <a:pPr lvl="1">
+              <a:buNone/>
+            </a:pPr>
+            <a:r>
+              <a:rPr lang="en-US" sz="2600" dirty="0" smtClean="0"/>
+              <a:t>	return a + b + c;</a:t>
+            </a:r>
+          </a:p>
+          <a:p>
+            <a:pPr lvl="1">
+              <a:buNone/>
+            </a:pPr>
+            <a:r>
+              <a:rPr lang="en-US" sz="2600" dirty="0" smtClean="0"/>
+              <a:t>}</a:t>
+            </a:r>
+          </a:p>
+          <a:p>
+            <a:pPr lvl="1">
+              <a:buNone/>
+            </a:pPr>
+            <a:r>
+              <a:rPr lang="en-US" sz="2600" dirty="0" smtClean="0"/>
+              <a:t>let numbers = [10,20,30</a:t>
+            </a:r>
+            <a:r>
+              <a:rPr lang="en-US" sz="2600" dirty="0" smtClean="0"/>
+              <a:t>];</a:t>
+            </a:r>
+          </a:p>
+          <a:p>
+            <a:pPr lvl="1">
+              <a:buNone/>
+            </a:pPr>
+            <a:r>
+              <a:rPr lang="en-US" sz="2600" dirty="0" err="1" smtClean="0"/>
+              <a:t>addNumbers</a:t>
+            </a:r>
+            <a:r>
+              <a:rPr lang="en-US" sz="2600" dirty="0" smtClean="0"/>
+              <a:t>(...numbers)</a:t>
+            </a:r>
+            <a:endParaRPr lang="en-US" sz="2600" dirty="0"/>
+          </a:p>
+        </p:txBody>
+      </p:sp>
+    </p:spTree>
+  </p:cSld>
+  <p:clrMapOvr>
+    <a:masterClrMapping/>
+  </p:clrMapOvr>
+  <p:timing>
+    <p:tnLst>
+      <p:par>
+        <p:cTn id="1" dur="indefinite" restart="never" nodeType="tmRoot"/>
+      </p:par>
+    </p:tnLst>
+  </p:timing>
+</p:sld>
+</file>
+
+<file path=ppt/slides/slide16.xml><?xml version="1.0" encoding="utf-8"?>
+<p:sld xmlns:a="http://schemas.openxmlformats.org/drawingml/2006/main" xmlns:r="http://schemas.openxmlformats.org/officeDocument/2006/relationships" xmlns:p="http://schemas.openxmlformats.org/presentationml/2006/main">
+  <p:cSld>
+    <p:spTree>
+      <p:nvGrpSpPr>
+        <p:cNvPr id="1" name=""/>
+        <p:cNvGrpSpPr/>
+        <p:nvPr/>
+      </p:nvGrpSpPr>
+      <p:grpSpPr>
+        <a:xfrm>
+          <a:off x="0" y="0"/>
+          <a:ext cx="0" cy="0"/>
+          <a:chOff x="0" y="0"/>
+          <a:chExt cx="0" cy="0"/>
+        </a:xfrm>
+      </p:grpSpPr>
+      <p:sp>
+        <p:nvSpPr>
+          <p:cNvPr id="2" name="Title 1"/>
+          <p:cNvSpPr>
+            <a:spLocks noGrp="1"/>
+          </p:cNvSpPr>
+          <p:nvPr>
+            <p:ph type="title"/>
+          </p:nvPr>
+        </p:nvSpPr>
+        <p:spPr>
+          <a:xfrm>
+            <a:off x="457200" y="152400"/>
+            <a:ext cx="8229600" cy="762000"/>
+          </a:xfrm>
+        </p:spPr>
+        <p:txBody>
+          <a:bodyPr>
+            <a:normAutofit/>
+          </a:bodyPr>
+          <a:lstStyle/>
+          <a:p>
+            <a:r>
+              <a:rPr lang="en-US" sz="3200" b="1" dirty="0" smtClean="0"/>
+              <a:t>Parameter </a:t>
+            </a:r>
+            <a:r>
+              <a:rPr lang="en-US" sz="3200" b="1" dirty="0" smtClean="0"/>
+              <a:t>handling</a:t>
+            </a:r>
+            <a:endParaRPr lang="en-US" sz="3200" dirty="0"/>
+          </a:p>
+        </p:txBody>
+      </p:sp>
+      <p:sp>
+        <p:nvSpPr>
+          <p:cNvPr id="3" name="Content Placeholder 2"/>
+          <p:cNvSpPr>
+            <a:spLocks noGrp="1"/>
+          </p:cNvSpPr>
+          <p:nvPr>
+            <p:ph idx="1"/>
+          </p:nvPr>
+        </p:nvSpPr>
+        <p:spPr>
+          <a:xfrm>
+            <a:off x="381000" y="990600"/>
+            <a:ext cx="8229600" cy="5638800"/>
+          </a:xfrm>
+        </p:spPr>
+        <p:txBody>
+          <a:bodyPr>
+            <a:normAutofit fontScale="85000" lnSpcReduction="20000"/>
+          </a:bodyPr>
+          <a:lstStyle/>
+          <a:p>
+            <a:r>
+              <a:rPr lang="en-US" sz="2400" dirty="0" smtClean="0"/>
+              <a:t>Parameter handling has been significantly upgraded in </a:t>
+            </a:r>
+            <a:r>
+              <a:rPr lang="en-US" sz="2400" dirty="0" err="1" smtClean="0"/>
+              <a:t>ECMAScript</a:t>
+            </a:r>
+            <a:r>
+              <a:rPr lang="en-US" sz="2400" dirty="0" smtClean="0"/>
+              <a:t> 6</a:t>
+            </a:r>
+            <a:r>
+              <a:rPr lang="en-US" sz="2400" dirty="0" smtClean="0"/>
+              <a:t>.</a:t>
+            </a:r>
+          </a:p>
+          <a:p>
+            <a:r>
+              <a:rPr lang="en-US" sz="2400" dirty="0" smtClean="0"/>
+              <a:t>It now </a:t>
+            </a:r>
+            <a:r>
+              <a:rPr lang="en-US" sz="2400" dirty="0" smtClean="0"/>
+              <a:t>supports –</a:t>
+            </a:r>
+          </a:p>
+          <a:p>
+            <a:pPr marL="457200" indent="-457200">
+              <a:buNone/>
+            </a:pPr>
+            <a:r>
+              <a:rPr lang="en-US" sz="2400" dirty="0" smtClean="0"/>
+              <a:t>		</a:t>
+            </a:r>
+            <a:r>
+              <a:rPr lang="en-US" sz="2400" dirty="0" smtClean="0"/>
+              <a:t>parameter default </a:t>
+            </a:r>
+            <a:r>
+              <a:rPr lang="en-US" sz="2400" dirty="0" smtClean="0"/>
+              <a:t>values</a:t>
+            </a:r>
+          </a:p>
+          <a:p>
+            <a:pPr marL="457200" indent="-457200">
+              <a:buNone/>
+            </a:pPr>
+            <a:r>
+              <a:rPr lang="en-US" sz="2400" dirty="0" smtClean="0"/>
+              <a:t>	</a:t>
+            </a:r>
+            <a:r>
+              <a:rPr lang="en-US" sz="2400" dirty="0" smtClean="0"/>
+              <a:t>	rest parameters</a:t>
+            </a:r>
+          </a:p>
+          <a:p>
+            <a:pPr marL="457200" indent="-457200">
+              <a:buNone/>
+            </a:pPr>
+            <a:r>
+              <a:rPr lang="en-US" sz="2400" dirty="0" smtClean="0"/>
+              <a:t>	</a:t>
+            </a:r>
+            <a:r>
+              <a:rPr lang="en-US" sz="2400" dirty="0" smtClean="0"/>
+              <a:t>	</a:t>
+            </a:r>
+            <a:r>
+              <a:rPr lang="en-US" sz="2400" dirty="0" err="1" smtClean="0"/>
+              <a:t>destructuring</a:t>
+            </a:r>
+            <a:endParaRPr lang="en-US" sz="2400" dirty="0" smtClean="0"/>
+          </a:p>
+          <a:p>
+            <a:pPr marL="457200" indent="-457200">
+              <a:buNone/>
+            </a:pPr>
+            <a:endParaRPr lang="en-US" sz="2400" dirty="0" smtClean="0"/>
+          </a:p>
+          <a:p>
+            <a:pPr marL="457200" indent="-457200">
+              <a:buFont typeface="+mj-lt"/>
+              <a:buAutoNum type="arabicPeriod"/>
+            </a:pPr>
+            <a:r>
+              <a:rPr lang="en-US" sz="2400" dirty="0" smtClean="0"/>
+              <a:t>Default parameter values</a:t>
+            </a:r>
+          </a:p>
+          <a:p>
+            <a:pPr marL="457200" indent="-457200"/>
+            <a:r>
+              <a:rPr lang="en-US" sz="2400" dirty="0" smtClean="0"/>
+              <a:t>A </a:t>
+            </a:r>
+            <a:r>
+              <a:rPr lang="en-US" sz="2400" i="1" dirty="0" smtClean="0"/>
+              <a:t>default parameter value</a:t>
+            </a:r>
+            <a:r>
+              <a:rPr lang="en-US" sz="2400" dirty="0" smtClean="0"/>
+              <a:t> is specified for a parameter via an equals sign </a:t>
+            </a:r>
+            <a:r>
+              <a:rPr lang="en-US" sz="2400" dirty="0" smtClean="0"/>
+              <a:t>(=).</a:t>
+            </a:r>
+          </a:p>
+          <a:p>
+            <a:pPr marL="457200" indent="-457200"/>
+            <a:r>
+              <a:rPr lang="en-US" sz="2400" dirty="0" smtClean="0"/>
+              <a:t>If a caller doesn’t provide a value for the parameter, the default value is used. </a:t>
+            </a:r>
+            <a:endParaRPr lang="en-US" sz="2400" dirty="0" smtClean="0"/>
+          </a:p>
+          <a:p>
+            <a:pPr marL="457200" indent="-457200">
+              <a:buNone/>
+            </a:pPr>
+            <a:r>
+              <a:rPr lang="en-US" sz="2400" dirty="0" smtClean="0"/>
+              <a:t>Ex:</a:t>
+            </a:r>
+          </a:p>
+          <a:p>
+            <a:pPr marL="857250" lvl="1" indent="-457200">
+              <a:buNone/>
+            </a:pPr>
+            <a:r>
+              <a:rPr lang="en-US" sz="2400" dirty="0" smtClean="0"/>
+              <a:t>function </a:t>
+            </a:r>
+            <a:r>
+              <a:rPr lang="en-US" sz="2400" dirty="0" err="1" smtClean="0"/>
+              <a:t>func</a:t>
+            </a:r>
+            <a:r>
+              <a:rPr lang="en-US" sz="2400" dirty="0" smtClean="0"/>
+              <a:t>(x, y=0) {</a:t>
+            </a:r>
+          </a:p>
+          <a:p>
+            <a:pPr marL="857250" lvl="1" indent="-457200">
+              <a:buNone/>
+            </a:pPr>
+            <a:r>
+              <a:rPr lang="en-US" sz="2400" dirty="0" smtClean="0"/>
+              <a:t>    return [x, y];</a:t>
+            </a:r>
+          </a:p>
+          <a:p>
+            <a:pPr marL="857250" lvl="1" indent="-457200">
+              <a:buNone/>
+            </a:pPr>
+            <a:r>
+              <a:rPr lang="en-US" sz="2400" dirty="0" smtClean="0"/>
+              <a:t>}</a:t>
+            </a:r>
+          </a:p>
+          <a:p>
+            <a:pPr marL="857250" lvl="1" indent="-457200">
+              <a:buNone/>
+            </a:pPr>
+            <a:r>
+              <a:rPr lang="en-US" sz="2400" dirty="0" err="1" smtClean="0"/>
+              <a:t>func</a:t>
+            </a:r>
+            <a:r>
+              <a:rPr lang="en-US" sz="2400" dirty="0" smtClean="0"/>
+              <a:t>(1, 2); // [1, 2]</a:t>
+            </a:r>
+          </a:p>
+          <a:p>
+            <a:pPr marL="857250" lvl="1" indent="-457200">
+              <a:buNone/>
+            </a:pPr>
+            <a:r>
+              <a:rPr lang="en-US" sz="2400" dirty="0" err="1" smtClean="0"/>
+              <a:t>func</a:t>
+            </a:r>
+            <a:r>
+              <a:rPr lang="en-US" sz="2400" dirty="0" smtClean="0"/>
+              <a:t>(1); // [1, 0]</a:t>
+            </a:r>
+          </a:p>
+          <a:p>
+            <a:pPr marL="857250" lvl="1" indent="-457200">
+              <a:buNone/>
+            </a:pPr>
+            <a:r>
+              <a:rPr lang="en-US" sz="2400" dirty="0" err="1" smtClean="0"/>
+              <a:t>func</a:t>
+            </a:r>
+            <a:r>
+              <a:rPr lang="en-US" sz="2400" dirty="0" smtClean="0"/>
+              <a:t>(); // [undefined, 0]</a:t>
+            </a:r>
+            <a:endParaRPr lang="en-US" sz="2400" dirty="0"/>
+          </a:p>
+        </p:txBody>
+      </p:sp>
+    </p:spTree>
+  </p:cSld>
+  <p:clrMapOvr>
+    <a:masterClrMapping/>
+  </p:clrMapOvr>
+  <p:timing>
+    <p:tnLst>
+      <p:par>
+        <p:cTn id="1" dur="indefinite" restart="never" nodeType="tmRoot"/>
+      </p:par>
+    </p:tnLst>
+  </p:timing>
+</p:sld>
+</file>
+
+<file path=ppt/slides/slide17.xml><?xml version="1.0" encoding="utf-8"?>
+<p:sld xmlns:a="http://schemas.openxmlformats.org/drawingml/2006/main" xmlns:r="http://schemas.openxmlformats.org/officeDocument/2006/relationships" xmlns:p="http://schemas.openxmlformats.org/presentationml/2006/main">
+  <p:cSld>
+    <p:spTree>
+      <p:nvGrpSpPr>
+        <p:cNvPr id="1" name=""/>
+        <p:cNvGrpSpPr/>
+        <p:nvPr/>
+      </p:nvGrpSpPr>
+      <p:grpSpPr>
+        <a:xfrm>
+          <a:off x="0" y="0"/>
+          <a:ext cx="0" cy="0"/>
+          <a:chOff x="0" y="0"/>
+          <a:chExt cx="0" cy="0"/>
+        </a:xfrm>
+      </p:grpSpPr>
+      <p:sp>
+        <p:nvSpPr>
+          <p:cNvPr id="3" name="Content Placeholder 2"/>
+          <p:cNvSpPr>
+            <a:spLocks noGrp="1"/>
+          </p:cNvSpPr>
+          <p:nvPr>
+            <p:ph idx="1"/>
+          </p:nvPr>
+        </p:nvSpPr>
+        <p:spPr>
+          <a:xfrm>
+            <a:off x="457200" y="304800"/>
+            <a:ext cx="8229600" cy="5821363"/>
+          </a:xfrm>
+        </p:spPr>
+        <p:txBody>
+          <a:bodyPr>
+            <a:normAutofit/>
+          </a:bodyPr>
+          <a:lstStyle/>
+          <a:p>
+            <a:pPr>
+              <a:buNone/>
+            </a:pPr>
+            <a:r>
+              <a:rPr lang="en-US" dirty="0" smtClean="0"/>
+              <a:t>2. </a:t>
+            </a:r>
+            <a:r>
+              <a:rPr lang="en-US" dirty="0" smtClean="0"/>
+              <a:t>Rest </a:t>
+            </a:r>
+            <a:r>
+              <a:rPr lang="en-US" dirty="0" smtClean="0"/>
+              <a:t>parameters – </a:t>
+            </a:r>
+            <a:endParaRPr lang="en-US" dirty="0" smtClean="0"/>
+          </a:p>
+          <a:p>
+            <a:pPr>
+              <a:buNone/>
+            </a:pPr>
+            <a:r>
+              <a:rPr lang="en-US" sz="2400" dirty="0" smtClean="0"/>
+              <a:t>	If </a:t>
+            </a:r>
+            <a:r>
+              <a:rPr lang="en-US" sz="2400" dirty="0" smtClean="0"/>
+              <a:t>you prefix a parameter name with the rest operator (...), </a:t>
+            </a:r>
+            <a:r>
+              <a:rPr lang="en-US" sz="2400" dirty="0" smtClean="0"/>
+              <a:t>that  parameter </a:t>
+            </a:r>
+            <a:r>
+              <a:rPr lang="en-US" sz="2400" dirty="0" smtClean="0"/>
+              <a:t>receives all remaining parameters via an </a:t>
+            </a:r>
+            <a:r>
+              <a:rPr lang="en-US" sz="2400" dirty="0" smtClean="0"/>
+              <a:t>Array</a:t>
+            </a:r>
+          </a:p>
+          <a:p>
+            <a:pPr>
+              <a:buNone/>
+            </a:pPr>
+            <a:endParaRPr lang="en-US" sz="2400" dirty="0" smtClean="0"/>
+          </a:p>
+          <a:p>
+            <a:pPr>
+              <a:buNone/>
+            </a:pPr>
+            <a:r>
+              <a:rPr lang="en-US" sz="2400" dirty="0" smtClean="0"/>
+              <a:t>function format(pattern, ...</a:t>
+            </a:r>
+            <a:r>
+              <a:rPr lang="en-US" sz="2400" dirty="0" err="1" smtClean="0"/>
+              <a:t>params</a:t>
+            </a:r>
+            <a:r>
+              <a:rPr lang="en-US" sz="2400" dirty="0" smtClean="0"/>
+              <a:t>) {</a:t>
+            </a:r>
+          </a:p>
+          <a:p>
+            <a:pPr>
+              <a:buNone/>
+            </a:pPr>
+            <a:r>
+              <a:rPr lang="en-US" sz="2400" dirty="0" smtClean="0"/>
+              <a:t>    return {pattern, </a:t>
+            </a:r>
+            <a:r>
+              <a:rPr lang="en-US" sz="2400" dirty="0" err="1" smtClean="0"/>
+              <a:t>params</a:t>
+            </a:r>
+            <a:r>
+              <a:rPr lang="en-US" sz="2400" dirty="0" smtClean="0"/>
+              <a:t>};</a:t>
+            </a:r>
+          </a:p>
+          <a:p>
+            <a:pPr>
+              <a:buNone/>
+            </a:pPr>
+            <a:r>
+              <a:rPr lang="en-US" sz="2400" dirty="0" smtClean="0"/>
+              <a:t>}</a:t>
+            </a:r>
+          </a:p>
+          <a:p>
+            <a:pPr>
+              <a:buNone/>
+            </a:pPr>
+            <a:r>
+              <a:rPr lang="en-US" sz="2400" dirty="0" smtClean="0"/>
+              <a:t>format(1, 2, 3);</a:t>
+            </a:r>
+          </a:p>
+          <a:p>
+            <a:pPr>
+              <a:buNone/>
+            </a:pPr>
+            <a:r>
+              <a:rPr lang="en-US" sz="2400" dirty="0" smtClean="0"/>
+              <a:t>    // { pattern: 1, </a:t>
+            </a:r>
+            <a:r>
+              <a:rPr lang="en-US" sz="2400" dirty="0" err="1" smtClean="0"/>
+              <a:t>params</a:t>
+            </a:r>
+            <a:r>
+              <a:rPr lang="en-US" sz="2400" dirty="0" smtClean="0"/>
+              <a:t>: [ 2, 3 ] }</a:t>
+            </a:r>
+          </a:p>
+          <a:p>
+            <a:pPr>
+              <a:buNone/>
+            </a:pPr>
+            <a:r>
+              <a:rPr lang="en-US" sz="2400" dirty="0" smtClean="0"/>
+              <a:t>format();</a:t>
+            </a:r>
+          </a:p>
+          <a:p>
+            <a:pPr>
+              <a:buNone/>
+            </a:pPr>
+            <a:r>
+              <a:rPr lang="en-US" sz="2400" dirty="0" smtClean="0"/>
+              <a:t>    // { pattern: undefined, </a:t>
+            </a:r>
+            <a:r>
+              <a:rPr lang="en-US" sz="2400" dirty="0" err="1" smtClean="0"/>
+              <a:t>params</a:t>
+            </a:r>
+            <a:r>
+              <a:rPr lang="en-US" sz="2400" dirty="0" smtClean="0"/>
+              <a:t>: [] }</a:t>
+            </a:r>
+          </a:p>
+          <a:p>
+            <a:pPr>
+              <a:buNone/>
+            </a:pPr>
+            <a:endParaRPr lang="en-US" sz="2000" dirty="0"/>
+          </a:p>
+        </p:txBody>
+      </p:sp>
+    </p:spTree>
+  </p:cSld>
+  <p:clrMapOvr>
+    <a:masterClrMapping/>
+  </p:clrMapOvr>
+  <p:timing>
+    <p:tnLst>
+      <p:par>
+        <p:cTn id="1" dur="indefinite" restart="never" nodeType="tmRoot"/>
+      </p:par>
+    </p:tnLst>
+  </p:timing>
+</p:sld>
+</file>
+
+<file path=ppt/slides/slide18.xml><?xml version="1.0" encoding="utf-8"?>
+<p:sld xmlns:a="http://schemas.openxmlformats.org/drawingml/2006/main" xmlns:r="http://schemas.openxmlformats.org/officeDocument/2006/relationships" xmlns:p="http://schemas.openxmlformats.org/presentationml/2006/main">
+  <p:cSld>
+    <p:spTree>
+      <p:nvGrpSpPr>
+        <p:cNvPr id="1" name=""/>
+        <p:cNvGrpSpPr/>
+        <p:nvPr/>
+      </p:nvGrpSpPr>
+      <p:grpSpPr>
+        <a:xfrm>
+          <a:off x="0" y="0"/>
+          <a:ext cx="0" cy="0"/>
+          <a:chOff x="0" y="0"/>
+          <a:chExt cx="0" cy="0"/>
+        </a:xfrm>
+      </p:grpSpPr>
+      <p:sp>
+        <p:nvSpPr>
+          <p:cNvPr id="3" name="Content Placeholder 2"/>
+          <p:cNvSpPr>
+            <a:spLocks noGrp="1"/>
+          </p:cNvSpPr>
+          <p:nvPr>
+            <p:ph idx="1"/>
+          </p:nvPr>
+        </p:nvSpPr>
+        <p:spPr>
+          <a:xfrm>
+            <a:off x="457200" y="304800"/>
+            <a:ext cx="8229600" cy="5821363"/>
+          </a:xfrm>
+        </p:spPr>
+        <p:txBody>
+          <a:bodyPr>
+            <a:normAutofit/>
+          </a:bodyPr>
+          <a:lstStyle/>
+          <a:p>
+            <a:pPr>
+              <a:buNone/>
+            </a:pPr>
+            <a:r>
+              <a:rPr lang="en-US" sz="2400" dirty="0" smtClean="0"/>
+              <a:t>3.</a:t>
+            </a:r>
+            <a:r>
+              <a:rPr lang="en-US" sz="2400" b="1" dirty="0" smtClean="0"/>
+              <a:t>  </a:t>
+            </a:r>
+            <a:r>
+              <a:rPr lang="en-US" sz="2400" b="1" dirty="0" smtClean="0"/>
+              <a:t>Parameters </a:t>
+            </a:r>
+            <a:r>
+              <a:rPr lang="en-US" sz="2400" b="1" dirty="0" smtClean="0"/>
+              <a:t>via </a:t>
+            </a:r>
+            <a:r>
+              <a:rPr lang="en-US" sz="2400" b="1" dirty="0" err="1" smtClean="0"/>
+              <a:t>destructuring</a:t>
+            </a:r>
+            <a:r>
+              <a:rPr lang="en-US" sz="2400" b="1" dirty="0" smtClean="0"/>
+              <a:t>:</a:t>
+            </a:r>
+          </a:p>
+          <a:p>
+            <a:pPr>
+              <a:buNone/>
+            </a:pPr>
+            <a:endParaRPr lang="en-US" sz="2400" dirty="0" smtClean="0"/>
+          </a:p>
+          <a:p>
+            <a:pPr>
+              <a:buNone/>
+            </a:pPr>
+            <a:r>
+              <a:rPr lang="en-US" sz="2400" dirty="0" smtClean="0"/>
+              <a:t>function </a:t>
+            </a:r>
+            <a:r>
+              <a:rPr lang="en-US" sz="2400" dirty="0" err="1" smtClean="0"/>
+              <a:t>selectEntries</a:t>
+            </a:r>
+            <a:r>
+              <a:rPr lang="en-US" sz="2400" dirty="0" smtClean="0"/>
+              <a:t>({ start=0, end=-1, step=1 } = {}) { </a:t>
+            </a:r>
+          </a:p>
+          <a:p>
+            <a:pPr>
+              <a:buNone/>
+            </a:pPr>
+            <a:r>
+              <a:rPr lang="en-US" sz="2400" dirty="0" smtClean="0"/>
+              <a:t>	···</a:t>
+            </a:r>
+            <a:endParaRPr lang="en-US" sz="2400" dirty="0" smtClean="0"/>
+          </a:p>
+          <a:p>
+            <a:pPr>
+              <a:buNone/>
+            </a:pPr>
+            <a:r>
+              <a:rPr lang="en-US" sz="2400" dirty="0" smtClean="0"/>
+              <a:t>}</a:t>
+            </a:r>
+          </a:p>
+          <a:p>
+            <a:pPr>
+              <a:buNone/>
+            </a:pPr>
+            <a:endParaRPr lang="en-US" sz="2400" dirty="0" smtClean="0"/>
+          </a:p>
+          <a:p>
+            <a:pPr>
+              <a:buNone/>
+            </a:pPr>
+            <a:r>
+              <a:rPr lang="en-US" sz="2400" dirty="0" err="1" smtClean="0"/>
+              <a:t>selectEntries</a:t>
+            </a:r>
+            <a:r>
+              <a:rPr lang="en-US" sz="2400" dirty="0" smtClean="0"/>
+              <a:t>({ start: 10, end: 30, step: 2 });</a:t>
+            </a:r>
+          </a:p>
+          <a:p>
+            <a:pPr>
+              <a:buNone/>
+            </a:pPr>
+            <a:r>
+              <a:rPr lang="en-US" sz="2400" dirty="0" err="1" smtClean="0"/>
+              <a:t>selectEntries</a:t>
+            </a:r>
+            <a:r>
+              <a:rPr lang="en-US" sz="2400" dirty="0" smtClean="0"/>
+              <a:t>({ step: 3 });</a:t>
+            </a:r>
+          </a:p>
+          <a:p>
+            <a:pPr>
+              <a:buNone/>
+            </a:pPr>
+            <a:r>
+              <a:rPr lang="en-US" sz="2400" dirty="0" err="1" smtClean="0"/>
+              <a:t>selectEntries</a:t>
+            </a:r>
+            <a:r>
+              <a:rPr lang="en-US" sz="2400" dirty="0" smtClean="0"/>
+              <a:t>({});</a:t>
+            </a:r>
+          </a:p>
+          <a:p>
+            <a:pPr>
+              <a:buNone/>
+            </a:pPr>
+            <a:r>
+              <a:rPr lang="en-US" sz="2400" dirty="0" err="1" smtClean="0"/>
+              <a:t>selectEntries</a:t>
+            </a:r>
+            <a:r>
+              <a:rPr lang="en-US" sz="2400" dirty="0" smtClean="0"/>
+              <a:t>();</a:t>
+            </a:r>
+            <a:endParaRPr lang="en-US" sz="2400" dirty="0"/>
+          </a:p>
+        </p:txBody>
+      </p:sp>
+    </p:spTree>
+  </p:cSld>
+  <p:clrMapOvr>
+    <a:masterClrMapping/>
+  </p:clrMapOvr>
+  <p:timing>
+    <p:tnLst>
+      <p:par>
+        <p:cTn id="1" dur="indefinite" restart="never" nodeType="tmRoot"/>
+      </p:par>
+    </p:tnLst>
+  </p:timing>
+</p:sld>
+</file>
+
 <file path=ppt/slides/slide2.xml><?xml version="1.0" encoding="utf-8"?>
 <p:sld xmlns:a="http://schemas.openxmlformats.org/drawingml/2006/main" xmlns:r="http://schemas.openxmlformats.org/officeDocument/2006/relationships" xmlns:p="http://schemas.openxmlformats.org/presentationml/2006/main">
   <p:cSld>
@@ -3320,11 +5446,7 @@
             </a:pPr>
             <a:r>
               <a:rPr lang="en-US" dirty="0" smtClean="0"/>
-              <a:t>		</a:t>
-            </a:r>
-            <a:r>
-              <a:rPr lang="en-US" dirty="0" smtClean="0"/>
-              <a:t> // Code</a:t>
+              <a:t>		 // Code</a:t>
             </a:r>
           </a:p>
           <a:p>
@@ -3570,7 +5692,6 @@
               <a:rPr lang="en-US" sz="1700" dirty="0" smtClean="0"/>
               <a:t>.</a:t>
             </a:r>
-            <a:endParaRPr lang="en-US" sz="1700" dirty="0" smtClean="0"/>
           </a:p>
           <a:p>
             <a:pPr lvl="1">
@@ -4134,7 +6255,6 @@
               <a:rPr lang="en-US" sz="1700" dirty="0" smtClean="0"/>
               <a:t>.</a:t>
             </a:r>
-            <a:endParaRPr lang="en-US" sz="1700" dirty="0" smtClean="0"/>
           </a:p>
           <a:p>
             <a:pPr lvl="1">
@@ -4352,11 +6472,7 @@
             </a:pPr>
             <a:r>
               <a:rPr lang="en-US" sz="1700" dirty="0" smtClean="0"/>
-              <a:t>let</a:t>
-            </a:r>
-            <a:r>
-              <a:rPr lang="en-US" sz="1700" dirty="0" smtClean="0"/>
-              <a:t> </a:t>
+              <a:t>let </a:t>
             </a:r>
             <a:r>
               <a:rPr lang="en-US" sz="1700" dirty="0" err="1" smtClean="0"/>
@@ -4442,7 +6558,6 @@
               <a:rPr lang="en-US" sz="1700" dirty="0" smtClean="0"/>
               <a:t>arr.map(x =&gt; x()); // [0,1,2]</a:t>
             </a:r>
-            <a:endParaRPr lang="en-US" sz="1700" dirty="0" smtClean="0"/>
           </a:p>
           <a:p>
             <a:pPr lvl="1">
@@ -4468,6 +6583,866 @@
             </a:pPr>
             <a:r>
               <a:rPr lang="en-US" sz="1600" dirty="0" smtClean="0"/>
+              <a:t>}</a:t>
+            </a:r>
+          </a:p>
+        </p:txBody>
+      </p:sp>
+    </p:spTree>
+  </p:cSld>
+  <p:clrMapOvr>
+    <a:masterClrMapping/>
+  </p:clrMapOvr>
+  <p:timing>
+    <p:tnLst>
+      <p:par>
+        <p:cTn id="1" dur="indefinite" restart="never" nodeType="tmRoot"/>
+      </p:par>
+    </p:tnLst>
+  </p:timing>
+</p:sld>
+</file>
+
+<file path=ppt/slides/slide6.xml><?xml version="1.0" encoding="utf-8"?>
+<p:sld xmlns:a="http://schemas.openxmlformats.org/drawingml/2006/main" xmlns:r="http://schemas.openxmlformats.org/officeDocument/2006/relationships" xmlns:p="http://schemas.openxmlformats.org/presentationml/2006/main">
+  <p:cSld>
+    <p:spTree>
+      <p:nvGrpSpPr>
+        <p:cNvPr id="1" name=""/>
+        <p:cNvGrpSpPr/>
+        <p:nvPr/>
+      </p:nvGrpSpPr>
+      <p:grpSpPr>
+        <a:xfrm>
+          <a:off x="0" y="0"/>
+          <a:ext cx="0" cy="0"/>
+          <a:chOff x="0" y="0"/>
+          <a:chExt cx="0" cy="0"/>
+        </a:xfrm>
+      </p:grpSpPr>
+      <p:sp>
+        <p:nvSpPr>
+          <p:cNvPr id="5" name="Title 4"/>
+          <p:cNvSpPr>
+            <a:spLocks noGrp="1"/>
+          </p:cNvSpPr>
+          <p:nvPr>
+            <p:ph type="title"/>
+          </p:nvPr>
+        </p:nvSpPr>
+        <p:spPr/>
+        <p:txBody>
+          <a:bodyPr>
+            <a:normAutofit/>
+          </a:bodyPr>
+          <a:lstStyle/>
+          <a:p>
+            <a:r>
+              <a:rPr lang="en-US" b="1" dirty="0" smtClean="0"/>
+              <a:t>Arrow functions</a:t>
+            </a:r>
+            <a:endParaRPr lang="en-US" dirty="0"/>
+          </a:p>
+        </p:txBody>
+      </p:sp>
+      <p:sp>
+        <p:nvSpPr>
+          <p:cNvPr id="6" name="Content Placeholder 5"/>
+          <p:cNvSpPr>
+            <a:spLocks noGrp="1"/>
+          </p:cNvSpPr>
+          <p:nvPr>
+            <p:ph idx="1"/>
+          </p:nvPr>
+        </p:nvSpPr>
+        <p:spPr/>
+        <p:txBody>
+          <a:bodyPr/>
+          <a:lstStyle/>
+          <a:p>
+            <a:r>
+              <a:rPr lang="en-US" dirty="0" smtClean="0"/>
+              <a:t>It is also known as The “fat” arrow function</a:t>
+            </a:r>
+          </a:p>
+          <a:p>
+            <a:r>
+              <a:rPr lang="en-US" dirty="0" smtClean="0"/>
+              <a:t>Syntax –</a:t>
+            </a:r>
+          </a:p>
+          <a:p>
+            <a:pPr>
+              <a:buNone/>
+            </a:pPr>
+            <a:r>
+              <a:rPr lang="en-US" dirty="0" smtClean="0"/>
+              <a:t>	() =&gt; { ... } // no parameter </a:t>
+            </a:r>
+          </a:p>
+          <a:p>
+            <a:pPr>
+              <a:buNone/>
+            </a:pPr>
+            <a:r>
+              <a:rPr lang="en-US" dirty="0" smtClean="0"/>
+              <a:t>	x =&gt; { ... } // one parameter, an identifier</a:t>
+            </a:r>
+          </a:p>
+          <a:p>
+            <a:pPr>
+              <a:buNone/>
+            </a:pPr>
+            <a:r>
+              <a:rPr lang="en-US" dirty="0" smtClean="0"/>
+              <a:t>	(x, y) =&gt; { ... } // several parameters</a:t>
+            </a:r>
+            <a:endParaRPr lang="en-US" dirty="0"/>
+          </a:p>
+        </p:txBody>
+      </p:sp>
+    </p:spTree>
+  </p:cSld>
+  <p:clrMapOvr>
+    <a:masterClrMapping/>
+  </p:clrMapOvr>
+  <p:timing>
+    <p:tnLst>
+      <p:par>
+        <p:cTn id="1" dur="indefinite" restart="never" nodeType="tmRoot"/>
+      </p:par>
+    </p:tnLst>
+  </p:timing>
+</p:sld>
+</file>
+
+<file path=ppt/slides/slide7.xml><?xml version="1.0" encoding="utf-8"?>
+<p:sld xmlns:a="http://schemas.openxmlformats.org/drawingml/2006/main" xmlns:r="http://schemas.openxmlformats.org/officeDocument/2006/relationships" xmlns:p="http://schemas.openxmlformats.org/presentationml/2006/main">
+  <p:cSld>
+    <p:spTree>
+      <p:nvGrpSpPr>
+        <p:cNvPr id="1" name=""/>
+        <p:cNvGrpSpPr/>
+        <p:nvPr/>
+      </p:nvGrpSpPr>
+      <p:grpSpPr>
+        <a:xfrm>
+          <a:off x="0" y="0"/>
+          <a:ext cx="0" cy="0"/>
+          <a:chOff x="0" y="0"/>
+          <a:chExt cx="0" cy="0"/>
+        </a:xfrm>
+      </p:grpSpPr>
+      <p:sp>
+        <p:nvSpPr>
+          <p:cNvPr id="2" name="Title 1"/>
+          <p:cNvSpPr>
+            <a:spLocks noGrp="1"/>
+          </p:cNvSpPr>
+          <p:nvPr>
+            <p:ph type="title"/>
+          </p:nvPr>
+        </p:nvSpPr>
+        <p:spPr/>
+        <p:txBody>
+          <a:bodyPr>
+            <a:normAutofit/>
+          </a:bodyPr>
+          <a:lstStyle/>
+          <a:p>
+            <a:r>
+              <a:rPr lang="en-US" sz="3600" b="1" dirty="0" smtClean="0"/>
+              <a:t> Arrow functions Vs Traditional functions</a:t>
+            </a:r>
+            <a:endParaRPr lang="en-US" sz="3600" dirty="0"/>
+          </a:p>
+        </p:txBody>
+      </p:sp>
+      <p:sp>
+        <p:nvSpPr>
+          <p:cNvPr id="4" name="Content Placeholder 3"/>
+          <p:cNvSpPr>
+            <a:spLocks noGrp="1"/>
+          </p:cNvSpPr>
+          <p:nvPr>
+            <p:ph sz="half" idx="1"/>
+          </p:nvPr>
+        </p:nvSpPr>
+        <p:spPr>
+          <a:xfrm>
+            <a:off x="152400" y="1600200"/>
+            <a:ext cx="4343400" cy="4525963"/>
+          </a:xfrm>
+        </p:spPr>
+        <p:txBody>
+          <a:bodyPr/>
+          <a:lstStyle/>
+          <a:p>
+            <a:r>
+              <a:rPr lang="en-US" b="1" dirty="0" smtClean="0"/>
+              <a:t>Traditional</a:t>
+            </a:r>
+          </a:p>
+          <a:p>
+            <a:pPr>
+              <a:buNone/>
+            </a:pPr>
+            <a:endParaRPr lang="en-US" b="1" dirty="0" smtClean="0"/>
+          </a:p>
+          <a:p>
+            <a:pPr>
+              <a:buNone/>
+            </a:pPr>
+            <a:r>
+              <a:rPr lang="en-US" sz="2400" dirty="0" err="1" smtClean="0"/>
+              <a:t>var</a:t>
+            </a:r>
+            <a:r>
+              <a:rPr lang="en-US" sz="2400" dirty="0" smtClean="0"/>
+              <a:t> </a:t>
+            </a:r>
+            <a:r>
+              <a:rPr lang="en-US" sz="2400" dirty="0" err="1" smtClean="0"/>
+              <a:t>arr</a:t>
+            </a:r>
+            <a:r>
+              <a:rPr lang="en-US" sz="2400" dirty="0" smtClean="0"/>
+              <a:t> = [1, 2, 3];</a:t>
+            </a:r>
+          </a:p>
+          <a:p>
+            <a:pPr>
+              <a:buNone/>
+            </a:pPr>
+            <a:r>
+              <a:rPr lang="en-US" sz="2400" dirty="0" err="1" smtClean="0"/>
+              <a:t>var</a:t>
+            </a:r>
+            <a:r>
+              <a:rPr lang="en-US" sz="2400" dirty="0" smtClean="0"/>
+              <a:t> square = arr.map(function (x) { </a:t>
+            </a:r>
+          </a:p>
+          <a:p>
+            <a:pPr>
+              <a:buNone/>
+            </a:pPr>
+            <a:r>
+              <a:rPr lang="en-US" sz="2400" dirty="0" smtClean="0"/>
+              <a:t>		return x * x </a:t>
+            </a:r>
+          </a:p>
+          <a:p>
+            <a:pPr>
+              <a:buNone/>
+            </a:pPr>
+            <a:r>
+              <a:rPr lang="en-US" sz="2400" dirty="0" smtClean="0"/>
+              <a:t>	});</a:t>
+            </a:r>
+            <a:endParaRPr lang="en-US" sz="2400" dirty="0"/>
+          </a:p>
+        </p:txBody>
+      </p:sp>
+      <p:sp>
+        <p:nvSpPr>
+          <p:cNvPr id="5" name="Content Placeholder 4"/>
+          <p:cNvSpPr>
+            <a:spLocks noGrp="1"/>
+          </p:cNvSpPr>
+          <p:nvPr>
+            <p:ph sz="half" idx="2"/>
+          </p:nvPr>
+        </p:nvSpPr>
+        <p:spPr>
+          <a:xfrm>
+            <a:off x="4648200" y="1600200"/>
+            <a:ext cx="4267200" cy="4525963"/>
+          </a:xfrm>
+        </p:spPr>
+        <p:txBody>
+          <a:bodyPr/>
+          <a:lstStyle/>
+          <a:p>
+            <a:r>
+              <a:rPr lang="en-US" b="1" dirty="0" smtClean="0"/>
+              <a:t> Arrow </a:t>
+            </a:r>
+          </a:p>
+          <a:p>
+            <a:endParaRPr lang="en-US" b="1" dirty="0" smtClean="0"/>
+          </a:p>
+          <a:p>
+            <a:pPr>
+              <a:buNone/>
+            </a:pPr>
+            <a:r>
+              <a:rPr lang="en-US" sz="2400" dirty="0" err="1" smtClean="0"/>
+              <a:t>var</a:t>
+            </a:r>
+            <a:r>
+              <a:rPr lang="en-US" sz="2400" dirty="0" smtClean="0"/>
+              <a:t> </a:t>
+            </a:r>
+            <a:r>
+              <a:rPr lang="en-US" sz="2400" dirty="0" err="1" smtClean="0"/>
+              <a:t>arr</a:t>
+            </a:r>
+            <a:r>
+              <a:rPr lang="en-US" sz="2400" dirty="0" smtClean="0"/>
+              <a:t> = [1, 2, 3];</a:t>
+            </a:r>
+          </a:p>
+          <a:p>
+            <a:pPr>
+              <a:buNone/>
+            </a:pPr>
+            <a:r>
+              <a:rPr lang="en-US" sz="2400" dirty="0" err="1" smtClean="0"/>
+              <a:t>var</a:t>
+            </a:r>
+            <a:r>
+              <a:rPr lang="en-US" sz="2400" dirty="0" smtClean="0"/>
+              <a:t> square = arr.map(x =&gt; x * x);</a:t>
+            </a:r>
+          </a:p>
+          <a:p>
+            <a:pPr>
+              <a:buNone/>
+            </a:pPr>
+            <a:endParaRPr lang="en-US" dirty="0"/>
+          </a:p>
+        </p:txBody>
+      </p:sp>
+    </p:spTree>
+  </p:cSld>
+  <p:clrMapOvr>
+    <a:masterClrMapping/>
+  </p:clrMapOvr>
+  <p:timing>
+    <p:tnLst>
+      <p:par>
+        <p:cTn id="1" dur="indefinite" restart="never" nodeType="tmRoot"/>
+      </p:par>
+    </p:tnLst>
+  </p:timing>
+</p:sld>
+</file>
+
+<file path=ppt/slides/slide8.xml><?xml version="1.0" encoding="utf-8"?>
+<p:sld xmlns:a="http://schemas.openxmlformats.org/drawingml/2006/main" xmlns:r="http://schemas.openxmlformats.org/officeDocument/2006/relationships" xmlns:p="http://schemas.openxmlformats.org/presentationml/2006/main">
+  <p:cSld>
+    <p:spTree>
+      <p:nvGrpSpPr>
+        <p:cNvPr id="1" name=""/>
+        <p:cNvGrpSpPr/>
+        <p:nvPr/>
+      </p:nvGrpSpPr>
+      <p:grpSpPr>
+        <a:xfrm>
+          <a:off x="0" y="0"/>
+          <a:ext cx="0" cy="0"/>
+          <a:chOff x="0" y="0"/>
+          <a:chExt cx="0" cy="0"/>
+        </a:xfrm>
+      </p:grpSpPr>
+      <p:sp>
+        <p:nvSpPr>
+          <p:cNvPr id="5" name="Title 4"/>
+          <p:cNvSpPr>
+            <a:spLocks noGrp="1"/>
+          </p:cNvSpPr>
+          <p:nvPr>
+            <p:ph type="title"/>
+          </p:nvPr>
+        </p:nvSpPr>
+        <p:spPr/>
+        <p:txBody>
+          <a:bodyPr/>
+          <a:lstStyle/>
+          <a:p>
+            <a:r>
+              <a:rPr lang="en-US" dirty="0" smtClean="0"/>
+              <a:t> Benefits to arrow functions</a:t>
+            </a:r>
+            <a:endParaRPr lang="en-US" dirty="0"/>
+          </a:p>
+        </p:txBody>
+      </p:sp>
+      <p:sp>
+        <p:nvSpPr>
+          <p:cNvPr id="6" name="Content Placeholder 5"/>
+          <p:cNvSpPr>
+            <a:spLocks noGrp="1"/>
+          </p:cNvSpPr>
+          <p:nvPr>
+            <p:ph idx="1"/>
+          </p:nvPr>
+        </p:nvSpPr>
+        <p:spPr>
+          <a:xfrm>
+            <a:off x="457200" y="1600200"/>
+            <a:ext cx="8229600" cy="5029200"/>
+          </a:xfrm>
+        </p:spPr>
+        <p:txBody>
+          <a:bodyPr>
+            <a:normAutofit fontScale="92500" lnSpcReduction="20000"/>
+          </a:bodyPr>
+          <a:lstStyle/>
+          <a:p>
+            <a:r>
+              <a:rPr lang="en-US" sz="2400" dirty="0" smtClean="0"/>
+              <a:t>The following variables are all lexical inside arrow functions:</a:t>
+            </a:r>
+          </a:p>
+          <a:p>
+            <a:pPr>
+              <a:buNone/>
+            </a:pPr>
+            <a:r>
+              <a:rPr lang="en-US" sz="2400" dirty="0" smtClean="0"/>
+              <a:t>		- arguments</a:t>
+            </a:r>
+          </a:p>
+          <a:p>
+            <a:pPr>
+              <a:buNone/>
+            </a:pPr>
+            <a:r>
+              <a:rPr lang="en-US" sz="2400" dirty="0" smtClean="0"/>
+              <a:t>		- super</a:t>
+            </a:r>
+          </a:p>
+          <a:p>
+            <a:pPr>
+              <a:buNone/>
+            </a:pPr>
+            <a:r>
+              <a:rPr lang="en-US" sz="2400" dirty="0" smtClean="0"/>
+              <a:t>		- this</a:t>
+            </a:r>
+          </a:p>
+          <a:p>
+            <a:pPr>
+              <a:buNone/>
+            </a:pPr>
+            <a:r>
+              <a:rPr lang="en-US" sz="2400" dirty="0" smtClean="0"/>
+              <a:t>		- </a:t>
+            </a:r>
+            <a:r>
+              <a:rPr lang="en-US" sz="2400" dirty="0" err="1" smtClean="0"/>
+              <a:t>new.target</a:t>
+            </a:r>
+            <a:endParaRPr lang="en-US" sz="2400" dirty="0" smtClean="0"/>
+          </a:p>
+          <a:p>
+            <a:pPr>
+              <a:buNone/>
+            </a:pPr>
+            <a:r>
+              <a:rPr lang="en-US" sz="2400" dirty="0" smtClean="0"/>
+              <a:t>Ex:</a:t>
+            </a:r>
+          </a:p>
+          <a:p>
+            <a:pPr lvl="1">
+              <a:buNone/>
+            </a:pPr>
+            <a:r>
+              <a:rPr lang="en-US" sz="2000" dirty="0" smtClean="0"/>
+              <a:t>function Add(</a:t>
+            </a:r>
+            <a:r>
+              <a:rPr lang="en-US" sz="2000" dirty="0" err="1" smtClean="0"/>
+              <a:t>val</a:t>
+            </a:r>
+            <a:r>
+              <a:rPr lang="en-US" sz="2000" dirty="0" smtClean="0"/>
+              <a:t>) {</a:t>
+            </a:r>
+          </a:p>
+          <a:p>
+            <a:pPr lvl="1">
+              <a:buNone/>
+            </a:pPr>
+            <a:r>
+              <a:rPr lang="en-US" sz="2000" dirty="0" smtClean="0"/>
+              <a:t>	 this.val = </a:t>
+            </a:r>
+            <a:r>
+              <a:rPr lang="en-US" sz="2000" dirty="0" err="1" smtClean="0"/>
+              <a:t>val</a:t>
+            </a:r>
+            <a:r>
+              <a:rPr lang="en-US" sz="2000" dirty="0" smtClean="0"/>
+              <a:t>; </a:t>
+            </a:r>
+          </a:p>
+          <a:p>
+            <a:pPr lvl="1">
+              <a:buNone/>
+            </a:pPr>
+            <a:r>
+              <a:rPr lang="en-US" sz="2000" dirty="0" smtClean="0"/>
+              <a:t>	 </a:t>
+            </a:r>
+            <a:r>
+              <a:rPr lang="en-US" sz="2000" dirty="0" err="1" smtClean="0"/>
+              <a:t>this.add</a:t>
+            </a:r>
+            <a:r>
+              <a:rPr lang="en-US" sz="2000" dirty="0" smtClean="0"/>
+              <a:t> = function(</a:t>
+            </a:r>
+            <a:r>
+              <a:rPr lang="en-US" sz="2000" dirty="0" err="1" smtClean="0"/>
+              <a:t>arr</a:t>
+            </a:r>
+            <a:r>
+              <a:rPr lang="en-US" sz="2000" dirty="0" smtClean="0"/>
+              <a:t>){</a:t>
+            </a:r>
+          </a:p>
+          <a:p>
+            <a:pPr lvl="1">
+              <a:buNone/>
+            </a:pPr>
+            <a:r>
+              <a:rPr lang="en-US" sz="1800" dirty="0" smtClean="0"/>
+              <a:t>		'use strict';</a:t>
+            </a:r>
+            <a:endParaRPr lang="en-US" sz="2000" dirty="0" smtClean="0"/>
+          </a:p>
+          <a:p>
+            <a:pPr lvl="1">
+              <a:buNone/>
+            </a:pPr>
+            <a:r>
+              <a:rPr lang="en-US" sz="2000" dirty="0" smtClean="0"/>
+              <a:t>		return arr.map(function (x) { </a:t>
+            </a:r>
+          </a:p>
+          <a:p>
+            <a:pPr lvl="1">
+              <a:buNone/>
+            </a:pPr>
+            <a:r>
+              <a:rPr lang="en-US" sz="2000" dirty="0" smtClean="0"/>
+              <a:t>			return this.val + x ;</a:t>
+            </a:r>
+          </a:p>
+          <a:p>
+            <a:pPr lvl="1">
+              <a:buNone/>
+            </a:pPr>
+            <a:r>
+              <a:rPr lang="en-US" sz="2000" dirty="0" smtClean="0"/>
+              <a:t>		});</a:t>
+            </a:r>
+          </a:p>
+          <a:p>
+            <a:pPr lvl="1">
+              <a:buNone/>
+            </a:pPr>
+            <a:r>
+              <a:rPr lang="en-US" sz="2000" dirty="0" smtClean="0"/>
+              <a:t>	}</a:t>
+            </a:r>
+          </a:p>
+          <a:p>
+            <a:pPr lvl="1">
+              <a:buNone/>
+            </a:pPr>
+            <a:r>
+              <a:rPr lang="en-US" sz="2000" dirty="0" smtClean="0"/>
+              <a:t>}</a:t>
+            </a:r>
+          </a:p>
+          <a:p>
+            <a:pPr>
+              <a:buNone/>
+            </a:pPr>
+            <a:endParaRPr lang="en-US" sz="2800" dirty="0"/>
+          </a:p>
+        </p:txBody>
+      </p:sp>
+    </p:spTree>
+  </p:cSld>
+  <p:clrMapOvr>
+    <a:masterClrMapping/>
+  </p:clrMapOvr>
+  <p:timing>
+    <p:tnLst>
+      <p:par>
+        <p:cTn id="1" dur="indefinite" restart="never" nodeType="tmRoot"/>
+      </p:par>
+    </p:tnLst>
+  </p:timing>
+</p:sld>
+</file>
+
+<file path=ppt/slides/slide9.xml><?xml version="1.0" encoding="utf-8"?>
+<p:sld xmlns:a="http://schemas.openxmlformats.org/drawingml/2006/main" xmlns:r="http://schemas.openxmlformats.org/officeDocument/2006/relationships" xmlns:p="http://schemas.openxmlformats.org/presentationml/2006/main">
+  <p:cSld>
+    <p:spTree>
+      <p:nvGrpSpPr>
+        <p:cNvPr id="1" name=""/>
+        <p:cNvGrpSpPr/>
+        <p:nvPr/>
+      </p:nvGrpSpPr>
+      <p:grpSpPr>
+        <a:xfrm>
+          <a:off x="0" y="0"/>
+          <a:ext cx="0" cy="0"/>
+          <a:chOff x="0" y="0"/>
+          <a:chExt cx="0" cy="0"/>
+        </a:xfrm>
+      </p:grpSpPr>
+      <p:sp>
+        <p:nvSpPr>
+          <p:cNvPr id="5" name="Content Placeholder 4"/>
+          <p:cNvSpPr>
+            <a:spLocks noGrp="1"/>
+          </p:cNvSpPr>
+          <p:nvPr>
+            <p:ph idx="1"/>
+          </p:nvPr>
+        </p:nvSpPr>
+        <p:spPr>
+          <a:xfrm>
+            <a:off x="457200" y="304800"/>
+            <a:ext cx="8229600" cy="5821363"/>
+          </a:xfrm>
+        </p:spPr>
+        <p:txBody>
+          <a:bodyPr>
+            <a:normAutofit fontScale="92500" lnSpcReduction="10000"/>
+          </a:bodyPr>
+          <a:lstStyle/>
+          <a:p>
+            <a:pPr>
+              <a:buNone/>
+            </a:pPr>
+            <a:r>
+              <a:rPr lang="en-US" sz="2400" dirty="0" smtClean="0"/>
+              <a:t>ECMA5 Solution:</a:t>
+            </a:r>
+          </a:p>
+          <a:p>
+            <a:pPr lvl="1">
+              <a:buNone/>
+            </a:pPr>
+            <a:r>
+              <a:rPr lang="en-US" sz="2000" dirty="0" smtClean="0"/>
+              <a:t>function Add(</a:t>
+            </a:r>
+            <a:r>
+              <a:rPr lang="en-US" sz="2000" dirty="0" err="1" smtClean="0"/>
+              <a:t>val</a:t>
+            </a:r>
+            <a:r>
+              <a:rPr lang="en-US" sz="2000" dirty="0" smtClean="0"/>
+              <a:t>) {</a:t>
+            </a:r>
+          </a:p>
+          <a:p>
+            <a:pPr lvl="1">
+              <a:buNone/>
+            </a:pPr>
+            <a:r>
+              <a:rPr lang="en-US" sz="2000" dirty="0" smtClean="0"/>
+              <a:t>	 this.val= </a:t>
+            </a:r>
+            <a:r>
+              <a:rPr lang="en-US" sz="2000" dirty="0" err="1" smtClean="0"/>
+              <a:t>val</a:t>
+            </a:r>
+            <a:r>
+              <a:rPr lang="en-US" sz="2000" dirty="0" smtClean="0"/>
+              <a:t>; </a:t>
+            </a:r>
+          </a:p>
+          <a:p>
+            <a:pPr lvl="1">
+              <a:buNone/>
+            </a:pPr>
+            <a:r>
+              <a:rPr lang="en-US" sz="2000" dirty="0" smtClean="0"/>
+              <a:t>	</a:t>
+            </a:r>
+            <a:r>
+              <a:rPr lang="en-US" sz="2000" dirty="0" err="1" smtClean="0"/>
+              <a:t>this.add</a:t>
+            </a:r>
+            <a:r>
+              <a:rPr lang="en-US" sz="2000" dirty="0" smtClean="0"/>
+              <a:t>=function(</a:t>
+            </a:r>
+            <a:r>
+              <a:rPr lang="en-US" sz="2000" dirty="0" err="1" smtClean="0"/>
+              <a:t>arr</a:t>
+            </a:r>
+            <a:r>
+              <a:rPr lang="en-US" sz="2000" dirty="0" smtClean="0"/>
+              <a:t>){</a:t>
+            </a:r>
+          </a:p>
+          <a:p>
+            <a:pPr lvl="1">
+              <a:buNone/>
+            </a:pPr>
+            <a:r>
+              <a:rPr lang="en-US" sz="2000" dirty="0" smtClean="0"/>
+              <a:t>		</a:t>
+            </a:r>
+            <a:r>
+              <a:rPr lang="en-US" sz="2000" dirty="0" err="1" smtClean="0"/>
+              <a:t>var</a:t>
+            </a:r>
+            <a:r>
+              <a:rPr lang="en-US" sz="2000" dirty="0" smtClean="0"/>
+              <a:t> self = this</a:t>
+            </a:r>
+          </a:p>
+          <a:p>
+            <a:pPr lvl="1">
+              <a:buNone/>
+            </a:pPr>
+            <a:r>
+              <a:rPr lang="en-US" sz="2000" dirty="0" smtClean="0"/>
+              <a:t>		return arr.map(function (x) { </a:t>
+            </a:r>
+          </a:p>
+          <a:p>
+            <a:pPr lvl="1">
+              <a:buNone/>
+            </a:pPr>
+            <a:r>
+              <a:rPr lang="en-US" sz="2000" dirty="0" smtClean="0"/>
+              <a:t>			return self.val + x ;</a:t>
+            </a:r>
+          </a:p>
+          <a:p>
+            <a:pPr lvl="1">
+              <a:buNone/>
+            </a:pPr>
+            <a:r>
+              <a:rPr lang="en-US" sz="2000" dirty="0" smtClean="0"/>
+              <a:t>		});</a:t>
+            </a:r>
+          </a:p>
+          <a:p>
+            <a:pPr lvl="1">
+              <a:buNone/>
+            </a:pPr>
+            <a:r>
+              <a:rPr lang="en-US" sz="2000" dirty="0" smtClean="0"/>
+              <a:t>	}</a:t>
+            </a:r>
+          </a:p>
+          <a:p>
+            <a:pPr lvl="1">
+              <a:buNone/>
+            </a:pPr>
+            <a:r>
+              <a:rPr lang="en-US" sz="2000" dirty="0" smtClean="0"/>
+              <a:t>}</a:t>
+            </a:r>
+          </a:p>
+          <a:p>
+            <a:pPr>
+              <a:buNone/>
+            </a:pPr>
+            <a:r>
+              <a:rPr lang="en-US" sz="2400" dirty="0" smtClean="0"/>
+              <a:t>ES6 Solution:</a:t>
+            </a:r>
+          </a:p>
+          <a:p>
+            <a:pPr lvl="1">
+              <a:buNone/>
+            </a:pPr>
+            <a:r>
+              <a:rPr lang="en-US" sz="2000" dirty="0" smtClean="0"/>
+              <a:t>function Add(</a:t>
+            </a:r>
+            <a:r>
+              <a:rPr lang="en-US" sz="2000" dirty="0" err="1" smtClean="0"/>
+              <a:t>val</a:t>
+            </a:r>
+            <a:r>
+              <a:rPr lang="en-US" sz="2000" dirty="0" smtClean="0"/>
+              <a:t>) {</a:t>
+            </a:r>
+          </a:p>
+          <a:p>
+            <a:pPr lvl="1">
+              <a:buNone/>
+            </a:pPr>
+            <a:r>
+              <a:rPr lang="en-US" sz="2000" dirty="0" smtClean="0"/>
+              <a:t>	 this.val= </a:t>
+            </a:r>
+            <a:r>
+              <a:rPr lang="en-US" sz="2000" dirty="0" err="1" smtClean="0"/>
+              <a:t>val</a:t>
+            </a:r>
+            <a:r>
+              <a:rPr lang="en-US" sz="2000" dirty="0" smtClean="0"/>
+              <a:t>; </a:t>
+            </a:r>
+          </a:p>
+          <a:p>
+            <a:pPr lvl="1">
+              <a:buNone/>
+            </a:pPr>
+            <a:r>
+              <a:rPr lang="en-US" sz="2000" dirty="0" smtClean="0"/>
+              <a:t>	</a:t>
+            </a:r>
+            <a:r>
+              <a:rPr lang="en-US" sz="2000" dirty="0" err="1" smtClean="0"/>
+              <a:t>this.add</a:t>
+            </a:r>
+            <a:r>
+              <a:rPr lang="en-US" sz="2000" dirty="0" smtClean="0"/>
+              <a:t>=function(</a:t>
+            </a:r>
+            <a:r>
+              <a:rPr lang="en-US" sz="2000" dirty="0" err="1" smtClean="0"/>
+              <a:t>arr</a:t>
+            </a:r>
+            <a:r>
+              <a:rPr lang="en-US" sz="2000" dirty="0" smtClean="0"/>
+              <a:t>){</a:t>
+            </a:r>
+          </a:p>
+          <a:p>
+            <a:pPr lvl="1">
+              <a:buNone/>
+            </a:pPr>
+            <a:r>
+              <a:rPr lang="en-US" sz="2000" dirty="0" smtClean="0"/>
+              <a:t>		return arr.map(x =&gt; this.val + x );</a:t>
+            </a:r>
+          </a:p>
+          <a:p>
+            <a:pPr lvl="1">
+              <a:buNone/>
+            </a:pPr>
+            <a:r>
+              <a:rPr lang="en-US" sz="2000" dirty="0" smtClean="0"/>
+              <a:t>	}</a:t>
+            </a:r>
+          </a:p>
+          <a:p>
+            <a:pPr lvl="1">
+              <a:buNone/>
+            </a:pPr>
+            <a:r>
+              <a:rPr lang="en-US" sz="2000" dirty="0" smtClean="0"/>
               <a:t>}</a:t>
             </a:r>
           </a:p>

--- a/es6/ES6.pptx
+++ b/es6/ES6.pptx
@@ -23,6 +23,14 @@
     <p:sldId id="270" r:id="rId17"/>
     <p:sldId id="271" r:id="rId18"/>
     <p:sldId id="272" r:id="rId19"/>
+    <p:sldId id="274" r:id="rId20"/>
+    <p:sldId id="275" r:id="rId21"/>
+    <p:sldId id="276" r:id="rId22"/>
+    <p:sldId id="277" r:id="rId23"/>
+    <p:sldId id="278" r:id="rId24"/>
+    <p:sldId id="279" r:id="rId25"/>
+    <p:sldId id="280" r:id="rId26"/>
+    <p:sldId id="281" r:id="rId27"/>
   </p:sldIdLst>
   <p:sldSz cx="9144000" cy="6858000" type="screen4x3"/>
   <p:notesSz cx="6858000" cy="9144000"/>
@@ -121,6 +129,22 @@
       </a:defRPr>
     </a:lvl9pPr>
   </p:defaultTextStyle>
+  <p:extLst>
+    <p:ext uri="{EFAFB233-063F-42B5-8137-9DF3F51BA10A}">
+      <p15:sldGuideLst xmlns:p15="http://schemas.microsoft.com/office/powerpoint/2012/main">
+        <p15:guide id="1" orient="horz" pos="2160">
+          <p15:clr>
+            <a:srgbClr val="A4A3A4"/>
+          </p15:clr>
+        </p15:guide>
+        <p15:guide id="2" pos="2880">
+          <p15:clr>
+            <a:srgbClr val="A4A3A4"/>
+          </p15:clr>
+        </p15:guide>
+      </p15:sldGuideLst>
+    </p:ext>
+  </p:extLst>
 </p:presentation>
 </file>
 
@@ -306,7 +330,7 @@
             <a:fld id="{753D5844-1E3E-4A10-9E80-1C6CD138905E}" type="datetimeFigureOut">
               <a:rPr lang="en-US" smtClean="0"/>
               <a:pPr/>
-              <a:t>12/25/2016</a:t>
+              <a:t>12/26/2016</a:t>
             </a:fld>
             <a:endParaRPr lang="en-US"/>
           </a:p>
@@ -473,7 +497,7 @@
             <a:fld id="{753D5844-1E3E-4A10-9E80-1C6CD138905E}" type="datetimeFigureOut">
               <a:rPr lang="en-US" smtClean="0"/>
               <a:pPr/>
-              <a:t>12/25/2016</a:t>
+              <a:t>12/26/2016</a:t>
             </a:fld>
             <a:endParaRPr lang="en-US"/>
           </a:p>
@@ -650,7 +674,7 @@
             <a:fld id="{753D5844-1E3E-4A10-9E80-1C6CD138905E}" type="datetimeFigureOut">
               <a:rPr lang="en-US" smtClean="0"/>
               <a:pPr/>
-              <a:t>12/25/2016</a:t>
+              <a:t>12/26/2016</a:t>
             </a:fld>
             <a:endParaRPr lang="en-US"/>
           </a:p>
@@ -817,7 +841,7 @@
             <a:fld id="{753D5844-1E3E-4A10-9E80-1C6CD138905E}" type="datetimeFigureOut">
               <a:rPr lang="en-US" smtClean="0"/>
               <a:pPr/>
-              <a:t>12/25/2016</a:t>
+              <a:t>12/26/2016</a:t>
             </a:fld>
             <a:endParaRPr lang="en-US"/>
           </a:p>
@@ -1060,7 +1084,7 @@
             <a:fld id="{753D5844-1E3E-4A10-9E80-1C6CD138905E}" type="datetimeFigureOut">
               <a:rPr lang="en-US" smtClean="0"/>
               <a:pPr/>
-              <a:t>12/25/2016</a:t>
+              <a:t>12/26/2016</a:t>
             </a:fld>
             <a:endParaRPr lang="en-US"/>
           </a:p>
@@ -1345,7 +1369,7 @@
             <a:fld id="{753D5844-1E3E-4A10-9E80-1C6CD138905E}" type="datetimeFigureOut">
               <a:rPr lang="en-US" smtClean="0"/>
               <a:pPr/>
-              <a:t>12/25/2016</a:t>
+              <a:t>12/26/2016</a:t>
             </a:fld>
             <a:endParaRPr lang="en-US"/>
           </a:p>
@@ -1764,7 +1788,7 @@
             <a:fld id="{753D5844-1E3E-4A10-9E80-1C6CD138905E}" type="datetimeFigureOut">
               <a:rPr lang="en-US" smtClean="0"/>
               <a:pPr/>
-              <a:t>12/25/2016</a:t>
+              <a:t>12/26/2016</a:t>
             </a:fld>
             <a:endParaRPr lang="en-US"/>
           </a:p>
@@ -1879,7 +1903,7 @@
             <a:fld id="{753D5844-1E3E-4A10-9E80-1C6CD138905E}" type="datetimeFigureOut">
               <a:rPr lang="en-US" smtClean="0"/>
               <a:pPr/>
-              <a:t>12/25/2016</a:t>
+              <a:t>12/26/2016</a:t>
             </a:fld>
             <a:endParaRPr lang="en-US"/>
           </a:p>
@@ -1971,7 +1995,7 @@
             <a:fld id="{753D5844-1E3E-4A10-9E80-1C6CD138905E}" type="datetimeFigureOut">
               <a:rPr lang="en-US" smtClean="0"/>
               <a:pPr/>
-              <a:t>12/25/2016</a:t>
+              <a:t>12/26/2016</a:t>
             </a:fld>
             <a:endParaRPr lang="en-US"/>
           </a:p>
@@ -2245,7 +2269,7 @@
             <a:fld id="{753D5844-1E3E-4A10-9E80-1C6CD138905E}" type="datetimeFigureOut">
               <a:rPr lang="en-US" smtClean="0"/>
               <a:pPr/>
-              <a:t>12/25/2016</a:t>
+              <a:t>12/26/2016</a:t>
             </a:fld>
             <a:endParaRPr lang="en-US"/>
           </a:p>
@@ -2495,7 +2519,7 @@
             <a:fld id="{753D5844-1E3E-4A10-9E80-1C6CD138905E}" type="datetimeFigureOut">
               <a:rPr lang="en-US" smtClean="0"/>
               <a:pPr/>
-              <a:t>12/25/2016</a:t>
+              <a:t>12/26/2016</a:t>
             </a:fld>
             <a:endParaRPr lang="en-US"/>
           </a:p>
@@ -2705,7 +2729,7 @@
             <a:fld id="{753D5844-1E3E-4A10-9E80-1C6CD138905E}" type="datetimeFigureOut">
               <a:rPr lang="en-US" smtClean="0"/>
               <a:pPr/>
-              <a:t>12/25/2016</a:t>
+              <a:t>12/26/2016</a:t>
             </a:fld>
             <a:endParaRPr lang="en-US"/>
           </a:p>
@@ -3268,31 +3292,19 @@
             </a:r>
             <a:r>
               <a:rPr lang="en-US" sz="2400" dirty="0" smtClean="0"/>
-              <a:t> ); // </a:t>
-            </a:r>
+              <a:t> ); // OK</a:t>
+            </a:r>
+          </a:p>
+          <a:p>
+            <a:pPr>
+              <a:buNone/>
+            </a:pPr>
+            <a:endParaRPr lang="en-US" sz="2400" dirty="0" smtClean="0"/>
+          </a:p>
+          <a:p>
             <a:r>
               <a:rPr lang="en-US" sz="2400" dirty="0" smtClean="0"/>
-              <a:t>OK</a:t>
-            </a:r>
-          </a:p>
-          <a:p>
-            <a:pPr>
-              <a:buNone/>
-            </a:pPr>
-            <a:endParaRPr lang="en-US" sz="2400" dirty="0" smtClean="0"/>
-          </a:p>
-          <a:p>
-            <a:r>
-              <a:rPr lang="en-US" sz="2400" dirty="0" smtClean="0"/>
-              <a:t>It </a:t>
-            </a:r>
-            <a:r>
-              <a:rPr lang="en-US" sz="2400" dirty="0" smtClean="0"/>
-              <a:t>can’t be used as a </a:t>
-            </a:r>
-            <a:r>
-              <a:rPr lang="en-US" sz="2400" dirty="0" smtClean="0"/>
-              <a:t>constructor</a:t>
+              <a:t>It can’t be used as a constructor</a:t>
             </a:r>
           </a:p>
           <a:p>
@@ -3933,19 +3945,7 @@
             </a:r>
             <a:r>
               <a:rPr lang="en-US" sz="2400" dirty="0" smtClean="0"/>
-              <a:t> is a convenient way of extracting multiple values from data stored in </a:t>
-            </a:r>
-            <a:r>
-              <a:rPr lang="en-US" sz="2400" dirty="0" smtClean="0"/>
-              <a:t>objects </a:t>
-            </a:r>
-            <a:r>
-              <a:rPr lang="en-US" sz="2400" dirty="0" smtClean="0"/>
-              <a:t>and Arrays</a:t>
-            </a:r>
-            <a:r>
-              <a:rPr lang="en-US" sz="2400" dirty="0" smtClean="0"/>
-              <a:t>.</a:t>
+              <a:t> is a convenient way of extracting multiple values from data stored in objects and Arrays.</a:t>
             </a:r>
           </a:p>
           <a:p>
@@ -4009,11 +4009,7 @@
             </a:pPr>
             <a:r>
               <a:rPr lang="en-US" sz="2000" dirty="0" smtClean="0"/>
-              <a:t>    // f = 'Jane'; l = </a:t>
-            </a:r>
-            <a:r>
-              <a:rPr lang="en-US" sz="2000" dirty="0" smtClean="0"/>
-              <a:t>'Doe’</a:t>
+              <a:t>    // f = 'Jane'; l = 'Doe’</a:t>
             </a:r>
           </a:p>
           <a:p>
@@ -4152,11 +4148,7 @@
             </a:r>
             <a:r>
               <a:rPr lang="es-ES" sz="2400" dirty="0" smtClean="0"/>
-              <a:t> </a:t>
-            </a:r>
-            <a:r>
-              <a:rPr lang="es-ES" sz="2400" dirty="0" smtClean="0"/>
-              <a:t>iterable = ['a', 'b'];</a:t>
+              <a:t> iterable = ['a', 'b'];</a:t>
             </a:r>
           </a:p>
           <a:p>
@@ -4173,28 +4165,16 @@
             </a:r>
             <a:r>
               <a:rPr lang="es-ES" sz="2400" dirty="0" smtClean="0"/>
-              <a:t> </a:t>
-            </a:r>
+              <a:t> [x, y] = iterable;</a:t>
+            </a:r>
+          </a:p>
+          <a:p>
+            <a:pPr>
+              <a:buNone/>
+            </a:pPr>
             <a:r>
               <a:rPr lang="es-ES" sz="2400" dirty="0" smtClean="0"/>
-              <a:t>[x, y] = iterable;</a:t>
-            </a:r>
-          </a:p>
-          <a:p>
-            <a:pPr>
-              <a:buNone/>
-            </a:pPr>
-            <a:r>
-              <a:rPr lang="es-ES" sz="2400" dirty="0" smtClean="0"/>
-              <a:t>    </a:t>
-            </a:r>
-            <a:r>
-              <a:rPr lang="es-ES" sz="2400" dirty="0" smtClean="0"/>
-              <a:t>	// </a:t>
-            </a:r>
-            <a:r>
-              <a:rPr lang="es-ES" sz="2400" dirty="0" smtClean="0"/>
-              <a:t>x = 'a'; y = 'b'</a:t>
+              <a:t>    	// x = 'a'; y = 'b'</a:t>
             </a:r>
             <a:endParaRPr lang="en-US" sz="2400" dirty="0"/>
           </a:p>
@@ -4288,15 +4268,7 @@
             </a:pPr>
             <a:r>
               <a:rPr lang="en-US" sz="2600" dirty="0" smtClean="0"/>
-              <a:t>	The</a:t>
-            </a:r>
-            <a:r>
-              <a:rPr lang="en-US" sz="2600" dirty="0" smtClean="0"/>
-              <a:t> rest operator lets </a:t>
-            </a:r>
-            <a:r>
-              <a:rPr lang="en-US" sz="2600" dirty="0" smtClean="0"/>
-              <a:t>you extract the remaining elements of an </a:t>
+              <a:t>	The rest operator lets you extract the remaining elements of an </a:t>
             </a:r>
             <a:r>
               <a:rPr lang="en-US" sz="2600" dirty="0" err="1" smtClean="0"/>
@@ -4336,28 +4308,16 @@
             </a:r>
             <a:r>
               <a:rPr lang="es-ES" sz="2600" dirty="0" smtClean="0"/>
-              <a:t> [x, ...y] = ['a', 'b', 'c']; </a:t>
-            </a:r>
+              <a:t> [x, ...y] = ['a', 'b', 'c']; 	</a:t>
+            </a:r>
+          </a:p>
+          <a:p>
+            <a:pPr>
+              <a:buNone/>
+            </a:pPr>
             <a:r>
               <a:rPr lang="es-ES" sz="2600" dirty="0" smtClean="0"/>
-              <a:t>	</a:t>
-            </a:r>
-          </a:p>
-          <a:p>
-            <a:pPr>
-              <a:buNone/>
-            </a:pPr>
-            <a:r>
-              <a:rPr lang="es-ES" sz="2600" dirty="0" smtClean="0"/>
-              <a:t>	</a:t>
-            </a:r>
-            <a:r>
-              <a:rPr lang="es-ES" sz="2600" dirty="0" smtClean="0"/>
-              <a:t>// </a:t>
-            </a:r>
-            <a:r>
-              <a:rPr lang="es-ES" sz="2600" dirty="0" smtClean="0"/>
-              <a:t>x='a'; y=['b', 'c']</a:t>
+              <a:t>	// x='a'; y=['b', 'c']</a:t>
             </a:r>
             <a:endParaRPr lang="en-US" sz="2600" dirty="0" smtClean="0"/>
           </a:p>
@@ -4398,7 +4358,6 @@
               <a:rPr lang="en-US" sz="2600" dirty="0" smtClean="0"/>
               <a:t>In function and constructor </a:t>
             </a:r>
-            <a:endParaRPr lang="en-US" sz="2600" dirty="0" smtClean="0"/>
           </a:p>
           <a:p>
             <a:pPr lvl="1">
@@ -4406,13 +4365,8 @@
             </a:pPr>
             <a:r>
               <a:rPr lang="en-US" sz="2600" dirty="0" smtClean="0"/>
-              <a:t>calls</a:t>
-            </a:r>
-            <a:r>
-              <a:rPr lang="en-US" sz="2600" dirty="0" smtClean="0"/>
-              <a:t>, the spread operator </a:t>
-            </a:r>
-            <a:endParaRPr lang="en-US" sz="2600" dirty="0" smtClean="0"/>
+              <a:t>calls, the spread operator </a:t>
+            </a:r>
           </a:p>
           <a:p>
             <a:pPr lvl="1">
@@ -4430,7 +4384,6 @@
               <a:rPr lang="en-US" sz="2600" dirty="0" smtClean="0"/>
               <a:t> values into </a:t>
             </a:r>
-            <a:endParaRPr lang="en-US" sz="2600" dirty="0" smtClean="0"/>
           </a:p>
           <a:p>
             <a:pPr lvl="1">
@@ -4440,7 +4393,6 @@
               <a:rPr lang="en-US" sz="2600" dirty="0" smtClean="0"/>
               <a:t>arguments</a:t>
             </a:r>
-            <a:endParaRPr lang="en-US" sz="2600" dirty="0" smtClean="0"/>
           </a:p>
           <a:p>
             <a:pPr>
@@ -4454,11 +4406,7 @@
             </a:pPr>
             <a:r>
               <a:rPr lang="en-US" sz="2600" dirty="0" smtClean="0"/>
-              <a:t>	</a:t>
-            </a:r>
-            <a:r>
-              <a:rPr lang="en-US" sz="2600" dirty="0" smtClean="0"/>
-              <a:t>Ex.</a:t>
+              <a:t>	Ex.</a:t>
             </a:r>
           </a:p>
           <a:p>
@@ -4502,11 +4450,7 @@
             </a:pPr>
             <a:r>
               <a:rPr lang="en-US" sz="2600" dirty="0" smtClean="0"/>
-              <a:t>let numbers = [10,20,30</a:t>
-            </a:r>
-            <a:r>
-              <a:rPr lang="en-US" sz="2600" dirty="0" smtClean="0"/>
-              <a:t>];</a:t>
+              <a:t>let numbers = [10,20,30];</a:t>
             </a:r>
           </a:p>
           <a:p>
@@ -4581,11 +4525,7 @@
           <a:p>
             <a:r>
               <a:rPr lang="en-US" sz="3200" b="1" dirty="0" smtClean="0"/>
-              <a:t>Parameter </a:t>
-            </a:r>
-            <a:r>
-              <a:rPr lang="en-US" sz="3200" b="1" dirty="0" smtClean="0"/>
-              <a:t>handling</a:t>
+              <a:t>Parameter handling</a:t>
             </a:r>
             <a:endParaRPr lang="en-US" sz="3200" dirty="0"/>
           </a:p>
@@ -4623,21 +4563,31 @@
             </a:r>
             <a:r>
               <a:rPr lang="en-US" sz="2400" dirty="0" smtClean="0"/>
-              <a:t> 6</a:t>
-            </a:r>
+              <a:t> 6.</a:t>
+            </a:r>
+          </a:p>
+          <a:p>
             <a:r>
               <a:rPr lang="en-US" sz="2400" dirty="0" smtClean="0"/>
-              <a:t>.</a:t>
-            </a:r>
-          </a:p>
-          <a:p>
+              <a:t>It now supports –</a:t>
+            </a:r>
+          </a:p>
+          <a:p>
+            <a:pPr marL="457200" indent="-457200">
+              <a:buNone/>
+            </a:pPr>
             <a:r>
               <a:rPr lang="en-US" sz="2400" dirty="0" smtClean="0"/>
-              <a:t>It now </a:t>
-            </a:r>
+              <a:t>		parameter default values</a:t>
+            </a:r>
+          </a:p>
+          <a:p>
+            <a:pPr marL="457200" indent="-457200">
+              <a:buNone/>
+            </a:pPr>
             <a:r>
               <a:rPr lang="en-US" sz="2400" dirty="0" smtClean="0"/>
-              <a:t>supports –</a:t>
+              <a:t>		rest parameters</a:t>
             </a:r>
           </a:p>
           <a:p>
@@ -4647,40 +4597,6 @@
             <a:r>
               <a:rPr lang="en-US" sz="2400" dirty="0" smtClean="0"/>
               <a:t>		</a:t>
-            </a:r>
-            <a:r>
-              <a:rPr lang="en-US" sz="2400" dirty="0" smtClean="0"/>
-              <a:t>parameter default </a:t>
-            </a:r>
-            <a:r>
-              <a:rPr lang="en-US" sz="2400" dirty="0" smtClean="0"/>
-              <a:t>values</a:t>
-            </a:r>
-          </a:p>
-          <a:p>
-            <a:pPr marL="457200" indent="-457200">
-              <a:buNone/>
-            </a:pPr>
-            <a:r>
-              <a:rPr lang="en-US" sz="2400" dirty="0" smtClean="0"/>
-              <a:t>	</a:t>
-            </a:r>
-            <a:r>
-              <a:rPr lang="en-US" sz="2400" dirty="0" smtClean="0"/>
-              <a:t>	rest parameters</a:t>
-            </a:r>
-          </a:p>
-          <a:p>
-            <a:pPr marL="457200" indent="-457200">
-              <a:buNone/>
-            </a:pPr>
-            <a:r>
-              <a:rPr lang="en-US" sz="2400" dirty="0" smtClean="0"/>
-              <a:t>	</a:t>
-            </a:r>
-            <a:r>
-              <a:rPr lang="en-US" sz="2400" dirty="0" smtClean="0"/>
-              <a:t>	</a:t>
             </a:r>
             <a:r>
               <a:rPr lang="en-US" sz="2400" dirty="0" err="1" smtClean="0"/>
@@ -4716,11 +4632,7 @@
             </a:r>
             <a:r>
               <a:rPr lang="en-US" sz="2400" dirty="0" smtClean="0"/>
-              <a:t> is specified for a parameter via an equals sign </a:t>
-            </a:r>
-            <a:r>
-              <a:rPr lang="en-US" sz="2400" dirty="0" smtClean="0"/>
-              <a:t>(=).</a:t>
+              <a:t> is specified for a parameter via an equals sign (=).</a:t>
             </a:r>
           </a:p>
           <a:p>
@@ -4729,7 +4641,6 @@
               <a:rPr lang="en-US" sz="2400" dirty="0" smtClean="0"/>
               <a:t>If a caller doesn’t provide a value for the parameter, the default value is used. </a:t>
             </a:r>
-            <a:endParaRPr lang="en-US" sz="2400" dirty="0" smtClean="0"/>
           </a:p>
           <a:p>
             <a:pPr marL="457200" indent="-457200">
@@ -4876,17 +4787,8 @@
             </a:pPr>
             <a:r>
               <a:rPr lang="en-US" dirty="0" smtClean="0"/>
-              <a:t>2. </a:t>
-            </a:r>
-            <a:r>
-              <a:rPr lang="en-US" dirty="0" smtClean="0"/>
-              <a:t>Rest </a:t>
-            </a:r>
-            <a:r>
-              <a:rPr lang="en-US" dirty="0" smtClean="0"/>
-              <a:t>parameters – </a:t>
-            </a:r>
-            <a:endParaRPr lang="en-US" dirty="0" smtClean="0"/>
+              <a:t>2. Rest parameters – </a:t>
+            </a:r>
           </a:p>
           <a:p>
             <a:pPr>
@@ -4894,23 +4796,7 @@
             </a:pPr>
             <a:r>
               <a:rPr lang="en-US" sz="2400" dirty="0" smtClean="0"/>
-              <a:t>	If </a:t>
-            </a:r>
-            <a:r>
-              <a:rPr lang="en-US" sz="2400" dirty="0" smtClean="0"/>
-              <a:t>you prefix a parameter name with the rest operator (...), </a:t>
-            </a:r>
-            <a:r>
-              <a:rPr lang="en-US" sz="2400" dirty="0" smtClean="0"/>
-              <a:t>that  parameter </a:t>
-            </a:r>
-            <a:r>
-              <a:rPr lang="en-US" sz="2400" dirty="0" smtClean="0"/>
-              <a:t>receives all remaining parameters via an </a:t>
-            </a:r>
-            <a:r>
-              <a:rPr lang="en-US" sz="2400" dirty="0" smtClean="0"/>
-              <a:t>Array</a:t>
+              <a:t>	If you prefix a parameter name with the rest operator (...), that  parameter receives all remaining parameters via an Array</a:t>
             </a:r>
           </a:p>
           <a:p>
@@ -5085,15 +4971,7 @@
             </a:r>
             <a:r>
               <a:rPr lang="en-US" sz="2400" b="1" dirty="0" smtClean="0"/>
-              <a:t>  </a:t>
-            </a:r>
-            <a:r>
-              <a:rPr lang="en-US" sz="2400" b="1" dirty="0" smtClean="0"/>
-              <a:t>Parameters </a:t>
-            </a:r>
-            <a:r>
-              <a:rPr lang="en-US" sz="2400" b="1" dirty="0" smtClean="0"/>
-              <a:t>via </a:t>
+              <a:t>  Parameters via </a:t>
             </a:r>
             <a:r>
               <a:rPr lang="en-US" sz="2400" b="1" dirty="0" err="1" smtClean="0"/>
@@ -5135,7 +5013,6 @@
               <a:rPr lang="en-US" sz="2400" dirty="0" smtClean="0"/>
               <a:t>	···</a:t>
             </a:r>
-            <a:endParaRPr lang="en-US" sz="2400" dirty="0" smtClean="0"/>
           </a:p>
           <a:p>
             <a:pPr>
@@ -5219,6 +5096,273 @@
       </p:par>
     </p:tnLst>
   </p:timing>
+</p:sld>
+</file>
+
+<file path=ppt/slides/slide19.xml><?xml version="1.0" encoding="utf-8"?>
+<p:sld xmlns:a="http://schemas.openxmlformats.org/drawingml/2006/main" xmlns:r="http://schemas.openxmlformats.org/officeDocument/2006/relationships" xmlns:p="http://schemas.openxmlformats.org/presentationml/2006/main">
+  <p:cSld>
+    <p:spTree>
+      <p:nvGrpSpPr>
+        <p:cNvPr id="1" name=""/>
+        <p:cNvGrpSpPr/>
+        <p:nvPr/>
+      </p:nvGrpSpPr>
+      <p:grpSpPr>
+        <a:xfrm>
+          <a:off x="0" y="0"/>
+          <a:ext cx="0" cy="0"/>
+          <a:chOff x="0" y="0"/>
+          <a:chExt cx="0" cy="0"/>
+        </a:xfrm>
+      </p:grpSpPr>
+      <p:sp>
+        <p:nvSpPr>
+          <p:cNvPr id="2" name="Title 1"/>
+          <p:cNvSpPr>
+            <a:spLocks noGrp="1"/>
+          </p:cNvSpPr>
+          <p:nvPr>
+            <p:ph type="title"/>
+          </p:nvPr>
+        </p:nvSpPr>
+        <p:spPr>
+          <a:xfrm>
+            <a:off x="457200" y="152400"/>
+            <a:ext cx="8229600" cy="487362"/>
+          </a:xfrm>
+        </p:spPr>
+        <p:txBody>
+          <a:bodyPr>
+            <a:normAutofit fontScale="90000"/>
+          </a:bodyPr>
+          <a:lstStyle/>
+          <a:p>
+            <a:r>
+              <a:rPr lang="en-US" sz="3600" b="1" dirty="0"/>
+              <a:t>Template </a:t>
+            </a:r>
+            <a:r>
+              <a:rPr lang="en-US" sz="3600" b="1" dirty="0" smtClean="0"/>
+              <a:t>literals</a:t>
+            </a:r>
+            <a:endParaRPr lang="en-US" sz="3600" dirty="0"/>
+          </a:p>
+        </p:txBody>
+      </p:sp>
+      <p:sp>
+        <p:nvSpPr>
+          <p:cNvPr id="3" name="Content Placeholder 2"/>
+          <p:cNvSpPr>
+            <a:spLocks noGrp="1"/>
+          </p:cNvSpPr>
+          <p:nvPr>
+            <p:ph idx="1"/>
+          </p:nvPr>
+        </p:nvSpPr>
+        <p:spPr>
+          <a:xfrm>
+            <a:off x="457200" y="914400"/>
+            <a:ext cx="8229600" cy="5715000"/>
+          </a:xfrm>
+        </p:spPr>
+        <p:txBody>
+          <a:bodyPr>
+            <a:normAutofit lnSpcReduction="10000"/>
+          </a:bodyPr>
+          <a:lstStyle/>
+          <a:p>
+            <a:r>
+              <a:rPr lang="en-US" sz="2800" dirty="0"/>
+              <a:t>ES6 has two new kinds of literals</a:t>
+            </a:r>
+            <a:r>
+              <a:rPr lang="en-US" sz="2800" dirty="0" smtClean="0"/>
+              <a:t>:</a:t>
+            </a:r>
+          </a:p>
+          <a:p>
+            <a:pPr lvl="1"/>
+            <a:r>
+              <a:rPr lang="en-US" sz="2400" dirty="0"/>
+              <a:t>Template literals </a:t>
+            </a:r>
+            <a:r>
+              <a:rPr lang="en-US" sz="2400" dirty="0" smtClean="0"/>
+              <a:t>: </a:t>
+            </a:r>
+            <a:r>
+              <a:rPr lang="en-US" sz="2400" dirty="0"/>
+              <a:t>multi-line string literals that support </a:t>
+            </a:r>
+            <a:r>
+              <a:rPr lang="en-US" sz="2400" dirty="0" smtClean="0"/>
+              <a:t>interpolation</a:t>
+            </a:r>
+          </a:p>
+          <a:p>
+            <a:pPr lvl="1"/>
+            <a:r>
+              <a:rPr lang="en-US" sz="2400" dirty="0"/>
+              <a:t>Tagged template literals </a:t>
+            </a:r>
+            <a:r>
+              <a:rPr lang="en-US" sz="2400" dirty="0" smtClean="0"/>
+              <a:t>: </a:t>
+            </a:r>
+            <a:r>
+              <a:rPr lang="en-US" sz="2400" dirty="0"/>
+              <a:t>function </a:t>
+            </a:r>
+            <a:r>
+              <a:rPr lang="en-US" sz="2400" dirty="0" smtClean="0"/>
+              <a:t>calls</a:t>
+            </a:r>
+          </a:p>
+          <a:p>
+            <a:pPr marL="457200" lvl="1" indent="0">
+              <a:buNone/>
+            </a:pPr>
+            <a:endParaRPr lang="en-US" dirty="0"/>
+          </a:p>
+          <a:p>
+            <a:pPr marL="971550" lvl="1" indent="-514350">
+              <a:buFont typeface="+mj-lt"/>
+              <a:buAutoNum type="arabicPeriod"/>
+            </a:pPr>
+            <a:r>
+              <a:rPr lang="en-US" dirty="0"/>
+              <a:t>Template </a:t>
+            </a:r>
+            <a:r>
+              <a:rPr lang="en-US" dirty="0" smtClean="0"/>
+              <a:t>literals</a:t>
+            </a:r>
+          </a:p>
+          <a:p>
+            <a:pPr marL="1200150" lvl="2" indent="-342900"/>
+            <a:r>
+              <a:rPr lang="en-US" sz="2000" dirty="0"/>
+              <a:t>String </a:t>
+            </a:r>
+            <a:r>
+              <a:rPr lang="en-US" sz="2000" dirty="0" smtClean="0"/>
+              <a:t>interpolation –</a:t>
+            </a:r>
+          </a:p>
+          <a:p>
+            <a:pPr marL="1314450" lvl="3" indent="0">
+              <a:buNone/>
+            </a:pPr>
+            <a:r>
+              <a:rPr lang="en-US" sz="1800" dirty="0" smtClean="0"/>
+              <a:t>Ex. </a:t>
+            </a:r>
+          </a:p>
+          <a:p>
+            <a:pPr marL="1314450" lvl="3" indent="0">
+              <a:buNone/>
+            </a:pPr>
+            <a:r>
+              <a:rPr lang="en-US" sz="1800" dirty="0"/>
+              <a:t>function </a:t>
+            </a:r>
+            <a:r>
+              <a:rPr lang="en-US" sz="1800" dirty="0" err="1"/>
+              <a:t>printCoord</a:t>
+            </a:r>
+            <a:r>
+              <a:rPr lang="en-US" sz="1800" dirty="0"/>
+              <a:t>(x, y) {</a:t>
+            </a:r>
+          </a:p>
+          <a:p>
+            <a:pPr marL="1314450" lvl="3" indent="0">
+              <a:buNone/>
+            </a:pPr>
+            <a:r>
+              <a:rPr lang="en-US" sz="1800" dirty="0"/>
+              <a:t>    console.log('('+x+', '+y+')');</a:t>
+            </a:r>
+          </a:p>
+          <a:p>
+            <a:pPr marL="1314450" lvl="3" indent="0">
+              <a:buNone/>
+            </a:pPr>
+            <a:r>
+              <a:rPr lang="en-US" sz="1800" dirty="0" smtClean="0"/>
+              <a:t>}</a:t>
+            </a:r>
+          </a:p>
+          <a:p>
+            <a:pPr marL="1314450" lvl="3" indent="0">
+              <a:buNone/>
+            </a:pPr>
+            <a:r>
+              <a:rPr lang="en-US" sz="1800" dirty="0" smtClean="0"/>
+              <a:t>ES6 – </a:t>
+            </a:r>
+          </a:p>
+          <a:p>
+            <a:pPr marL="1314450" lvl="3" indent="0">
+              <a:buNone/>
+            </a:pPr>
+            <a:r>
+              <a:rPr lang="en-US" sz="1800" dirty="0"/>
+              <a:t>function </a:t>
+            </a:r>
+            <a:r>
+              <a:rPr lang="en-US" sz="1800" dirty="0" err="1"/>
+              <a:t>printCoord</a:t>
+            </a:r>
+            <a:r>
+              <a:rPr lang="en-US" sz="1800" dirty="0"/>
+              <a:t>(x, y) {</a:t>
+            </a:r>
+          </a:p>
+          <a:p>
+            <a:pPr marL="1314450" lvl="3" indent="0">
+              <a:buNone/>
+            </a:pPr>
+            <a:r>
+              <a:rPr lang="en-US" sz="1800" dirty="0"/>
+              <a:t>    console.log(`(${x}, ${y})`);</a:t>
+            </a:r>
+          </a:p>
+          <a:p>
+            <a:pPr marL="1314450" lvl="3" indent="0">
+              <a:buNone/>
+            </a:pPr>
+            <a:r>
+              <a:rPr lang="en-US" sz="1800" dirty="0"/>
+              <a:t>}</a:t>
+            </a:r>
+            <a:endParaRPr lang="en-US" sz="1800" dirty="0"/>
+          </a:p>
+          <a:p>
+            <a:pPr marL="457200" lvl="1" indent="0">
+              <a:buNone/>
+            </a:pPr>
+            <a:endParaRPr lang="en-US" dirty="0"/>
+          </a:p>
+          <a:p>
+            <a:pPr marL="457200" lvl="1" indent="0">
+              <a:buNone/>
+            </a:pPr>
+            <a:endParaRPr lang="en-US" dirty="0"/>
+          </a:p>
+        </p:txBody>
+      </p:sp>
+    </p:spTree>
+    <p:extLst>
+      <p:ext uri="{BB962C8B-B14F-4D97-AF65-F5344CB8AC3E}">
+        <p14:creationId xmlns:p14="http://schemas.microsoft.com/office/powerpoint/2010/main" val="90264613"/>
+      </p:ext>
+    </p:extLst>
+  </p:cSld>
+  <p:clrMapOvr>
+    <a:masterClrMapping/>
+  </p:clrMapOvr>
 </p:sld>
 </file>
 
@@ -5328,6 +5472,1794 @@
       </p:par>
     </p:tnLst>
   </p:timing>
+</p:sld>
+</file>
+
+<file path=ppt/slides/slide20.xml><?xml version="1.0" encoding="utf-8"?>
+<p:sld xmlns:a="http://schemas.openxmlformats.org/drawingml/2006/main" xmlns:r="http://schemas.openxmlformats.org/officeDocument/2006/relationships" xmlns:p="http://schemas.openxmlformats.org/presentationml/2006/main">
+  <p:cSld>
+    <p:spTree>
+      <p:nvGrpSpPr>
+        <p:cNvPr id="1" name=""/>
+        <p:cNvGrpSpPr/>
+        <p:nvPr/>
+      </p:nvGrpSpPr>
+      <p:grpSpPr>
+        <a:xfrm>
+          <a:off x="0" y="0"/>
+          <a:ext cx="0" cy="0"/>
+          <a:chOff x="0" y="0"/>
+          <a:chExt cx="0" cy="0"/>
+        </a:xfrm>
+      </p:grpSpPr>
+      <p:sp>
+        <p:nvSpPr>
+          <p:cNvPr id="9" name="Title 8"/>
+          <p:cNvSpPr>
+            <a:spLocks noGrp="1"/>
+          </p:cNvSpPr>
+          <p:nvPr>
+            <p:ph type="title"/>
+          </p:nvPr>
+        </p:nvSpPr>
+        <p:spPr>
+          <a:xfrm>
+            <a:off x="457200" y="274638"/>
+            <a:ext cx="8229600" cy="411162"/>
+          </a:xfrm>
+        </p:spPr>
+        <p:txBody>
+          <a:bodyPr>
+            <a:normAutofit fontScale="90000"/>
+          </a:bodyPr>
+          <a:lstStyle/>
+          <a:p>
+            <a:pPr algn="l"/>
+            <a:r>
+              <a:rPr lang="en-US" sz="2400" dirty="0"/>
+              <a:t>Multi-line strings</a:t>
+            </a:r>
+          </a:p>
+        </p:txBody>
+      </p:sp>
+      <p:sp>
+        <p:nvSpPr>
+          <p:cNvPr id="3" name="Content Placeholder 2"/>
+          <p:cNvSpPr>
+            <a:spLocks noGrp="1"/>
+          </p:cNvSpPr>
+          <p:nvPr>
+            <p:ph sz="half" idx="1"/>
+          </p:nvPr>
+        </p:nvSpPr>
+        <p:spPr/>
+        <p:txBody>
+          <a:bodyPr>
+            <a:normAutofit/>
+          </a:bodyPr>
+          <a:lstStyle/>
+          <a:p>
+            <a:r>
+              <a:rPr lang="en-US" sz="2400" dirty="0" smtClean="0"/>
+              <a:t>ES5 -</a:t>
+            </a:r>
+            <a:endParaRPr lang="en-US" sz="2400" dirty="0"/>
+          </a:p>
+          <a:p>
+            <a:pPr marL="0" indent="0">
+              <a:buNone/>
+            </a:pPr>
+            <a:r>
+              <a:rPr lang="en-US" sz="2000" dirty="0" err="1" smtClean="0"/>
+              <a:t>var</a:t>
+            </a:r>
+            <a:r>
+              <a:rPr lang="en-US" sz="2000" dirty="0" smtClean="0"/>
+              <a:t> </a:t>
+            </a:r>
+            <a:r>
+              <a:rPr lang="en-US" sz="2000" dirty="0"/>
+              <a:t>HTML5_SKELETON =</a:t>
+            </a:r>
+          </a:p>
+          <a:p>
+            <a:pPr marL="800100" lvl="2" indent="0">
+              <a:buNone/>
+            </a:pPr>
+            <a:r>
+              <a:rPr lang="en-US" dirty="0"/>
+              <a:t>    '&lt;!</a:t>
+            </a:r>
+            <a:r>
+              <a:rPr lang="en-US" dirty="0" err="1"/>
+              <a:t>doctype</a:t>
+            </a:r>
+            <a:r>
+              <a:rPr lang="en-US" dirty="0"/>
+              <a:t> html&gt;\n' +</a:t>
+            </a:r>
+          </a:p>
+          <a:p>
+            <a:pPr marL="800100" lvl="2" indent="0">
+              <a:buNone/>
+            </a:pPr>
+            <a:r>
+              <a:rPr lang="en-US" dirty="0"/>
+              <a:t>    '&lt;html&gt;\n' +</a:t>
+            </a:r>
+          </a:p>
+          <a:p>
+            <a:pPr marL="800100" lvl="2" indent="0">
+              <a:buNone/>
+            </a:pPr>
+            <a:r>
+              <a:rPr lang="en-US" dirty="0"/>
+              <a:t>    '&lt;head&gt;\n' +</a:t>
+            </a:r>
+          </a:p>
+          <a:p>
+            <a:pPr marL="800100" lvl="2" indent="0">
+              <a:buNone/>
+            </a:pPr>
+            <a:r>
+              <a:rPr lang="en-US" dirty="0"/>
+              <a:t>    '    &lt;meta charset="UTF-8"&gt;\n' +</a:t>
+            </a:r>
+          </a:p>
+          <a:p>
+            <a:pPr marL="800100" lvl="2" indent="0">
+              <a:buNone/>
+            </a:pPr>
+            <a:r>
+              <a:rPr lang="en-US" dirty="0"/>
+              <a:t>    '    &lt;title&gt;&lt;/title&gt;\n' +</a:t>
+            </a:r>
+          </a:p>
+          <a:p>
+            <a:pPr marL="800100" lvl="2" indent="0">
+              <a:buNone/>
+            </a:pPr>
+            <a:r>
+              <a:rPr lang="en-US" dirty="0"/>
+              <a:t>    '&lt;/head&gt;\n' +</a:t>
+            </a:r>
+          </a:p>
+          <a:p>
+            <a:pPr marL="800100" lvl="2" indent="0">
+              <a:buNone/>
+            </a:pPr>
+            <a:r>
+              <a:rPr lang="en-US" dirty="0"/>
+              <a:t>    '&lt;body&gt;\n' +</a:t>
+            </a:r>
+          </a:p>
+          <a:p>
+            <a:pPr marL="800100" lvl="2" indent="0">
+              <a:buNone/>
+            </a:pPr>
+            <a:r>
+              <a:rPr lang="en-US" dirty="0"/>
+              <a:t>    '&lt;/body&gt;\n' +</a:t>
+            </a:r>
+          </a:p>
+          <a:p>
+            <a:pPr marL="800100" lvl="2" indent="0">
+              <a:buNone/>
+            </a:pPr>
+            <a:r>
+              <a:rPr lang="en-US" dirty="0"/>
+              <a:t>    '&lt;/html&gt;\n';</a:t>
+            </a:r>
+          </a:p>
+          <a:p>
+            <a:pPr marL="0" indent="0">
+              <a:buNone/>
+            </a:pPr>
+            <a:endParaRPr lang="en-US" sz="2400" dirty="0"/>
+          </a:p>
+        </p:txBody>
+      </p:sp>
+      <p:sp>
+        <p:nvSpPr>
+          <p:cNvPr id="10" name="Content Placeholder 9"/>
+          <p:cNvSpPr>
+            <a:spLocks noGrp="1"/>
+          </p:cNvSpPr>
+          <p:nvPr>
+            <p:ph sz="half" idx="2"/>
+          </p:nvPr>
+        </p:nvSpPr>
+        <p:spPr/>
+        <p:txBody>
+          <a:bodyPr>
+            <a:normAutofit/>
+          </a:bodyPr>
+          <a:lstStyle/>
+          <a:p>
+            <a:r>
+              <a:rPr lang="en-US" dirty="0" smtClean="0"/>
+              <a:t>ES6 -</a:t>
+            </a:r>
+          </a:p>
+          <a:p>
+            <a:pPr marL="0" indent="0">
+              <a:buNone/>
+            </a:pPr>
+            <a:r>
+              <a:rPr lang="en-US" sz="2000" dirty="0" err="1" smtClean="0"/>
+              <a:t>const</a:t>
+            </a:r>
+            <a:r>
+              <a:rPr lang="en-US" sz="2000" dirty="0" smtClean="0"/>
+              <a:t> </a:t>
+            </a:r>
+            <a:r>
+              <a:rPr lang="en-US" sz="2000" dirty="0"/>
+              <a:t>HTML5_SKELETON = `</a:t>
+            </a:r>
+          </a:p>
+          <a:p>
+            <a:pPr marL="0" indent="0">
+              <a:buNone/>
+            </a:pPr>
+            <a:r>
+              <a:rPr lang="en-US" sz="2000" dirty="0"/>
+              <a:t>    &lt;!</a:t>
+            </a:r>
+            <a:r>
+              <a:rPr lang="en-US" sz="2000" dirty="0" err="1"/>
+              <a:t>doctype</a:t>
+            </a:r>
+            <a:r>
+              <a:rPr lang="en-US" sz="2000" dirty="0"/>
+              <a:t> html&gt;</a:t>
+            </a:r>
+          </a:p>
+          <a:p>
+            <a:pPr marL="0" indent="0">
+              <a:buNone/>
+            </a:pPr>
+            <a:r>
+              <a:rPr lang="en-US" sz="2000" dirty="0"/>
+              <a:t>    &lt;html&gt;</a:t>
+            </a:r>
+          </a:p>
+          <a:p>
+            <a:pPr marL="0" indent="0">
+              <a:buNone/>
+            </a:pPr>
+            <a:r>
+              <a:rPr lang="en-US" sz="2000" dirty="0"/>
+              <a:t>    &lt;head&gt;</a:t>
+            </a:r>
+          </a:p>
+          <a:p>
+            <a:pPr marL="0" indent="0">
+              <a:buNone/>
+            </a:pPr>
+            <a:r>
+              <a:rPr lang="en-US" sz="2000" dirty="0"/>
+              <a:t>        &lt;meta charset="UTF-8"&gt;</a:t>
+            </a:r>
+          </a:p>
+          <a:p>
+            <a:pPr marL="0" indent="0">
+              <a:buNone/>
+            </a:pPr>
+            <a:r>
+              <a:rPr lang="en-US" sz="2000" dirty="0"/>
+              <a:t>        &lt;title&gt;&lt;/title&gt;</a:t>
+            </a:r>
+          </a:p>
+          <a:p>
+            <a:pPr marL="0" indent="0">
+              <a:buNone/>
+            </a:pPr>
+            <a:r>
+              <a:rPr lang="en-US" sz="2000" dirty="0"/>
+              <a:t>    &lt;/head&gt;</a:t>
+            </a:r>
+          </a:p>
+          <a:p>
+            <a:pPr marL="0" indent="0">
+              <a:buNone/>
+            </a:pPr>
+            <a:r>
+              <a:rPr lang="en-US" sz="2000" dirty="0"/>
+              <a:t>    &lt;body&gt;</a:t>
+            </a:r>
+          </a:p>
+          <a:p>
+            <a:pPr marL="0" indent="0">
+              <a:buNone/>
+            </a:pPr>
+            <a:r>
+              <a:rPr lang="en-US" sz="2000" dirty="0"/>
+              <a:t>    &lt;/body&gt;</a:t>
+            </a:r>
+          </a:p>
+          <a:p>
+            <a:pPr marL="0" indent="0">
+              <a:buNone/>
+            </a:pPr>
+            <a:r>
+              <a:rPr lang="en-US" sz="2000" dirty="0"/>
+              <a:t>    &lt;/html&gt;`;</a:t>
+            </a:r>
+          </a:p>
+        </p:txBody>
+      </p:sp>
+    </p:spTree>
+    <p:extLst>
+      <p:ext uri="{BB962C8B-B14F-4D97-AF65-F5344CB8AC3E}">
+        <p14:creationId xmlns:p14="http://schemas.microsoft.com/office/powerpoint/2010/main" val="3404481482"/>
+      </p:ext>
+    </p:extLst>
+  </p:cSld>
+  <p:clrMapOvr>
+    <a:masterClrMapping/>
+  </p:clrMapOvr>
+</p:sld>
+</file>
+
+<file path=ppt/slides/slide21.xml><?xml version="1.0" encoding="utf-8"?>
+<p:sld xmlns:a="http://schemas.openxmlformats.org/drawingml/2006/main" xmlns:r="http://schemas.openxmlformats.org/officeDocument/2006/relationships" xmlns:p="http://schemas.openxmlformats.org/presentationml/2006/main">
+  <p:cSld>
+    <p:spTree>
+      <p:nvGrpSpPr>
+        <p:cNvPr id="1" name=""/>
+        <p:cNvGrpSpPr/>
+        <p:nvPr/>
+      </p:nvGrpSpPr>
+      <p:grpSpPr>
+        <a:xfrm>
+          <a:off x="0" y="0"/>
+          <a:ext cx="0" cy="0"/>
+          <a:chOff x="0" y="0"/>
+          <a:chExt cx="0" cy="0"/>
+        </a:xfrm>
+      </p:grpSpPr>
+      <p:sp>
+        <p:nvSpPr>
+          <p:cNvPr id="5" name="Title 4"/>
+          <p:cNvSpPr>
+            <a:spLocks noGrp="1"/>
+          </p:cNvSpPr>
+          <p:nvPr>
+            <p:ph type="title"/>
+          </p:nvPr>
+        </p:nvSpPr>
+        <p:spPr>
+          <a:xfrm>
+            <a:off x="442415" y="152400"/>
+            <a:ext cx="8229600" cy="639762"/>
+          </a:xfrm>
+        </p:spPr>
+        <p:txBody>
+          <a:bodyPr>
+            <a:normAutofit/>
+          </a:bodyPr>
+          <a:lstStyle/>
+          <a:p>
+            <a:r>
+              <a:rPr lang="en-US" sz="3200" b="1" dirty="0"/>
+              <a:t>Tagged template </a:t>
+            </a:r>
+            <a:r>
+              <a:rPr lang="en-US" sz="3200" b="1" dirty="0" smtClean="0"/>
+              <a:t>literals</a:t>
+            </a:r>
+            <a:endParaRPr lang="en-US" sz="3200" dirty="0"/>
+          </a:p>
+        </p:txBody>
+      </p:sp>
+      <p:sp>
+        <p:nvSpPr>
+          <p:cNvPr id="6" name="Content Placeholder 5"/>
+          <p:cNvSpPr>
+            <a:spLocks noGrp="1"/>
+          </p:cNvSpPr>
+          <p:nvPr>
+            <p:ph idx="1"/>
+          </p:nvPr>
+        </p:nvSpPr>
+        <p:spPr>
+          <a:xfrm>
+            <a:off x="457200" y="1143000"/>
+            <a:ext cx="8229600" cy="5562600"/>
+          </a:xfrm>
+        </p:spPr>
+        <p:txBody>
+          <a:bodyPr>
+            <a:normAutofit/>
+          </a:bodyPr>
+          <a:lstStyle/>
+          <a:p>
+            <a:r>
+              <a:rPr lang="en-US" sz="2400" i="1" dirty="0"/>
+              <a:t>Tagged template literals</a:t>
+            </a:r>
+            <a:r>
+              <a:rPr lang="en-US" sz="2400" dirty="0"/>
+              <a:t> (short: </a:t>
+            </a:r>
+            <a:r>
+              <a:rPr lang="en-US" sz="2400" i="1" dirty="0"/>
+              <a:t>tagged templates</a:t>
+            </a:r>
+            <a:r>
+              <a:rPr lang="en-US" sz="2400" dirty="0"/>
+              <a:t>): are function calls whose parameters are provided via template literals.</a:t>
+            </a:r>
+          </a:p>
+          <a:p>
+            <a:r>
+              <a:rPr lang="en-US" sz="2400" dirty="0"/>
+              <a:t>Putting a template literal after an expression triggers a function </a:t>
+            </a:r>
+            <a:r>
+              <a:rPr lang="en-US" sz="2400" dirty="0" smtClean="0"/>
+              <a:t>call</a:t>
+            </a:r>
+          </a:p>
+          <a:p>
+            <a:pPr marL="0" indent="0">
+              <a:buNone/>
+            </a:pPr>
+            <a:endParaRPr lang="en-US" sz="2400" dirty="0"/>
+          </a:p>
+          <a:p>
+            <a:pPr marL="0" indent="0">
+              <a:buNone/>
+            </a:pPr>
+            <a:r>
+              <a:rPr lang="en-US" sz="2400" dirty="0" smtClean="0"/>
+              <a:t>Ex.</a:t>
+            </a:r>
+          </a:p>
+          <a:p>
+            <a:pPr marL="0" indent="0">
+              <a:buNone/>
+            </a:pPr>
+            <a:r>
+              <a:rPr lang="en-US" sz="2400" dirty="0"/>
+              <a:t>	 </a:t>
+            </a:r>
+            <a:r>
+              <a:rPr lang="en-US" sz="2400" dirty="0" err="1"/>
+              <a:t>tagFunction`Hello</a:t>
+            </a:r>
+            <a:r>
+              <a:rPr lang="en-US" sz="2400" dirty="0"/>
+              <a:t> ${</a:t>
+            </a:r>
+            <a:r>
+              <a:rPr lang="en-US" sz="2400" dirty="0" err="1"/>
+              <a:t>firstName</a:t>
+            </a:r>
+            <a:r>
+              <a:rPr lang="en-US" sz="2400" dirty="0"/>
+              <a:t>} ${</a:t>
+            </a:r>
+            <a:r>
+              <a:rPr lang="en-US" sz="2400" dirty="0" err="1"/>
+              <a:t>lastName</a:t>
+            </a:r>
+            <a:r>
+              <a:rPr lang="en-US" sz="2400" dirty="0" smtClean="0"/>
+              <a:t>}!`</a:t>
+            </a:r>
+          </a:p>
+          <a:p>
+            <a:pPr marL="0" indent="0">
+              <a:buNone/>
+            </a:pPr>
+            <a:r>
+              <a:rPr lang="en-US" sz="2400" dirty="0" smtClean="0"/>
+              <a:t>This is same as</a:t>
+            </a:r>
+          </a:p>
+          <a:p>
+            <a:pPr marL="0" indent="0">
+              <a:buNone/>
+            </a:pPr>
+            <a:r>
+              <a:rPr lang="en-US" sz="2400" dirty="0"/>
+              <a:t>	 </a:t>
+            </a:r>
+            <a:r>
+              <a:rPr lang="en-US" sz="2400" dirty="0" err="1"/>
+              <a:t>tagFunction</a:t>
+            </a:r>
+            <a:r>
+              <a:rPr lang="en-US" sz="2400" dirty="0"/>
+              <a:t>(['Hello ', ' ', '!'], </a:t>
+            </a:r>
+            <a:r>
+              <a:rPr lang="en-US" sz="2400" dirty="0" err="1"/>
+              <a:t>firstName</a:t>
+            </a:r>
+            <a:r>
+              <a:rPr lang="en-US" sz="2400" dirty="0"/>
+              <a:t>, </a:t>
+            </a:r>
+            <a:r>
+              <a:rPr lang="en-US" sz="2400" dirty="0" err="1"/>
+              <a:t>lastName</a:t>
+            </a:r>
+            <a:r>
+              <a:rPr lang="en-US" sz="2400" dirty="0"/>
+              <a:t>)</a:t>
+            </a:r>
+          </a:p>
+        </p:txBody>
+      </p:sp>
+    </p:spTree>
+    <p:extLst>
+      <p:ext uri="{BB962C8B-B14F-4D97-AF65-F5344CB8AC3E}">
+        <p14:creationId xmlns:p14="http://schemas.microsoft.com/office/powerpoint/2010/main" val="891524325"/>
+      </p:ext>
+    </p:extLst>
+  </p:cSld>
+  <p:clrMapOvr>
+    <a:masterClrMapping/>
+  </p:clrMapOvr>
+</p:sld>
+</file>
+
+<file path=ppt/slides/slide22.xml><?xml version="1.0" encoding="utf-8"?>
+<p:sld xmlns:a="http://schemas.openxmlformats.org/drawingml/2006/main" xmlns:r="http://schemas.openxmlformats.org/officeDocument/2006/relationships" xmlns:p="http://schemas.openxmlformats.org/presentationml/2006/main">
+  <p:cSld>
+    <p:spTree>
+      <p:nvGrpSpPr>
+        <p:cNvPr id="1" name=""/>
+        <p:cNvGrpSpPr/>
+        <p:nvPr/>
+      </p:nvGrpSpPr>
+      <p:grpSpPr>
+        <a:xfrm>
+          <a:off x="0" y="0"/>
+          <a:ext cx="0" cy="0"/>
+          <a:chOff x="0" y="0"/>
+          <a:chExt cx="0" cy="0"/>
+        </a:xfrm>
+      </p:grpSpPr>
+      <p:sp>
+        <p:nvSpPr>
+          <p:cNvPr id="4" name="Title 3"/>
+          <p:cNvSpPr>
+            <a:spLocks noGrp="1"/>
+          </p:cNvSpPr>
+          <p:nvPr>
+            <p:ph type="title"/>
+          </p:nvPr>
+        </p:nvSpPr>
+        <p:spPr>
+          <a:xfrm>
+            <a:off x="457200" y="18197"/>
+            <a:ext cx="8229600" cy="563562"/>
+          </a:xfrm>
+        </p:spPr>
+        <p:txBody>
+          <a:bodyPr>
+            <a:normAutofit fontScale="90000"/>
+          </a:bodyPr>
+          <a:lstStyle/>
+          <a:p>
+            <a:r>
+              <a:rPr lang="en-US" sz="3200" b="1" dirty="0"/>
+              <a:t>New features of object </a:t>
+            </a:r>
+            <a:r>
+              <a:rPr lang="en-US" sz="3200" b="1" dirty="0" smtClean="0"/>
+              <a:t>literals</a:t>
+            </a:r>
+            <a:endParaRPr lang="en-US" sz="3200" dirty="0"/>
+          </a:p>
+        </p:txBody>
+      </p:sp>
+      <p:sp>
+        <p:nvSpPr>
+          <p:cNvPr id="5" name="Content Placeholder 4"/>
+          <p:cNvSpPr>
+            <a:spLocks noGrp="1"/>
+          </p:cNvSpPr>
+          <p:nvPr>
+            <p:ph sz="half" idx="1"/>
+          </p:nvPr>
+        </p:nvSpPr>
+        <p:spPr>
+          <a:xfrm>
+            <a:off x="457200" y="990600"/>
+            <a:ext cx="4038600" cy="5135563"/>
+          </a:xfrm>
+        </p:spPr>
+        <p:txBody>
+          <a:bodyPr>
+            <a:normAutofit/>
+          </a:bodyPr>
+          <a:lstStyle/>
+          <a:p>
+            <a:r>
+              <a:rPr lang="en-US" sz="2400" dirty="0"/>
+              <a:t> Method definitions</a:t>
+            </a:r>
+          </a:p>
+          <a:p>
+            <a:pPr marL="0" indent="0">
+              <a:buNone/>
+            </a:pPr>
+            <a:r>
+              <a:rPr lang="en-US" sz="2400" dirty="0" smtClean="0"/>
+              <a:t>ES5 –</a:t>
+            </a:r>
+          </a:p>
+          <a:p>
+            <a:pPr marL="0" indent="0">
+              <a:buNone/>
+            </a:pPr>
+            <a:r>
+              <a:rPr lang="en-US" sz="2400" dirty="0"/>
+              <a:t>methods are properties whose values are </a:t>
+            </a:r>
+            <a:r>
+              <a:rPr lang="en-US" sz="2400" dirty="0" smtClean="0"/>
+              <a:t>functions</a:t>
+            </a:r>
+          </a:p>
+          <a:p>
+            <a:pPr marL="0" indent="0">
+              <a:buNone/>
+            </a:pPr>
+            <a:endParaRPr lang="en-US" sz="2400" dirty="0"/>
+          </a:p>
+          <a:p>
+            <a:pPr marL="0" indent="0">
+              <a:buNone/>
+            </a:pPr>
+            <a:r>
+              <a:rPr lang="en-US" sz="2400" dirty="0" smtClean="0"/>
+              <a:t>Ex.</a:t>
+            </a:r>
+          </a:p>
+          <a:p>
+            <a:pPr marL="0" indent="0">
+              <a:buNone/>
+            </a:pPr>
+            <a:r>
+              <a:rPr lang="en-US" sz="2000" dirty="0" err="1"/>
+              <a:t>var</a:t>
+            </a:r>
+            <a:r>
+              <a:rPr lang="en-US" sz="2000" dirty="0"/>
+              <a:t> </a:t>
+            </a:r>
+            <a:r>
+              <a:rPr lang="en-US" sz="2000" dirty="0" err="1"/>
+              <a:t>obj</a:t>
+            </a:r>
+            <a:r>
+              <a:rPr lang="en-US" sz="2000" dirty="0"/>
+              <a:t> = {</a:t>
+            </a:r>
+          </a:p>
+          <a:p>
+            <a:pPr marL="400050" lvl="1" indent="0">
+              <a:buNone/>
+            </a:pPr>
+            <a:r>
+              <a:rPr lang="en-US" sz="2000" dirty="0"/>
+              <a:t>        </a:t>
+            </a:r>
+            <a:r>
+              <a:rPr lang="en-US" sz="2000" dirty="0" err="1"/>
+              <a:t>myMethod</a:t>
+            </a:r>
+            <a:r>
+              <a:rPr lang="en-US" sz="2000" dirty="0"/>
+              <a:t>: function (x, y) {</a:t>
+            </a:r>
+          </a:p>
+          <a:p>
+            <a:pPr marL="400050" lvl="1" indent="0">
+              <a:buNone/>
+            </a:pPr>
+            <a:r>
+              <a:rPr lang="en-US" sz="2000" dirty="0"/>
+              <a:t>            ···</a:t>
+            </a:r>
+          </a:p>
+          <a:p>
+            <a:pPr marL="400050" lvl="1" indent="0">
+              <a:buNone/>
+            </a:pPr>
+            <a:r>
+              <a:rPr lang="en-US" sz="2000" dirty="0"/>
+              <a:t>        }</a:t>
+            </a:r>
+          </a:p>
+          <a:p>
+            <a:pPr marL="400050" lvl="1" indent="0">
+              <a:buNone/>
+            </a:pPr>
+            <a:r>
+              <a:rPr lang="en-US" sz="2000" dirty="0"/>
+              <a:t>    };</a:t>
+            </a:r>
+          </a:p>
+        </p:txBody>
+      </p:sp>
+      <p:sp>
+        <p:nvSpPr>
+          <p:cNvPr id="6" name="Content Placeholder 5"/>
+          <p:cNvSpPr>
+            <a:spLocks noGrp="1"/>
+          </p:cNvSpPr>
+          <p:nvPr>
+            <p:ph sz="half" idx="2"/>
+          </p:nvPr>
+        </p:nvSpPr>
+        <p:spPr>
+          <a:xfrm>
+            <a:off x="4648200" y="990600"/>
+            <a:ext cx="4038600" cy="5135563"/>
+          </a:xfrm>
+        </p:spPr>
+        <p:txBody>
+          <a:bodyPr>
+            <a:normAutofit/>
+          </a:bodyPr>
+          <a:lstStyle/>
+          <a:p>
+            <a:r>
+              <a:rPr lang="en-US" sz="2400" dirty="0"/>
+              <a:t> </a:t>
+            </a:r>
+            <a:r>
+              <a:rPr lang="en-US" sz="2400" dirty="0" smtClean="0"/>
+              <a:t>Method definitions</a:t>
+            </a:r>
+          </a:p>
+          <a:p>
+            <a:pPr marL="0" indent="0">
+              <a:buNone/>
+            </a:pPr>
+            <a:r>
+              <a:rPr lang="en-US" sz="2400" dirty="0" smtClean="0"/>
+              <a:t>ES6 – </a:t>
+            </a:r>
+          </a:p>
+          <a:p>
+            <a:pPr marL="0" indent="0">
+              <a:buNone/>
+            </a:pPr>
+            <a:r>
+              <a:rPr lang="en-US" sz="2400" dirty="0"/>
+              <a:t>methods are still function-valued </a:t>
+            </a:r>
+            <a:r>
+              <a:rPr lang="en-US" sz="2400" dirty="0" smtClean="0"/>
+              <a:t>properties</a:t>
+            </a:r>
+          </a:p>
+          <a:p>
+            <a:pPr marL="0" indent="0">
+              <a:buNone/>
+            </a:pPr>
+            <a:endParaRPr lang="en-US" sz="2400" dirty="0"/>
+          </a:p>
+          <a:p>
+            <a:pPr marL="0" indent="0">
+              <a:buNone/>
+            </a:pPr>
+            <a:r>
+              <a:rPr lang="en-US" sz="2400" dirty="0" smtClean="0"/>
+              <a:t>Ex.</a:t>
+            </a:r>
+          </a:p>
+          <a:p>
+            <a:pPr marL="0" indent="0">
+              <a:buNone/>
+            </a:pPr>
+            <a:r>
+              <a:rPr lang="en-US" sz="2000" dirty="0" err="1"/>
+              <a:t>const</a:t>
+            </a:r>
+            <a:r>
+              <a:rPr lang="en-US" sz="2000" dirty="0"/>
+              <a:t> </a:t>
+            </a:r>
+            <a:r>
+              <a:rPr lang="en-US" sz="2000" dirty="0" err="1"/>
+              <a:t>obj</a:t>
+            </a:r>
+            <a:r>
+              <a:rPr lang="en-US" sz="2000" dirty="0"/>
+              <a:t> = {</a:t>
+            </a:r>
+          </a:p>
+          <a:p>
+            <a:pPr marL="0" indent="0">
+              <a:buNone/>
+            </a:pPr>
+            <a:r>
+              <a:rPr lang="en-US" sz="2000" dirty="0"/>
+              <a:t>        </a:t>
+            </a:r>
+            <a:r>
+              <a:rPr lang="en-US" sz="2000" dirty="0" err="1"/>
+              <a:t>myMethod</a:t>
+            </a:r>
+            <a:r>
+              <a:rPr lang="en-US" sz="2000" dirty="0"/>
+              <a:t>(x, y) {</a:t>
+            </a:r>
+          </a:p>
+          <a:p>
+            <a:pPr marL="0" indent="0">
+              <a:buNone/>
+            </a:pPr>
+            <a:r>
+              <a:rPr lang="en-US" sz="2000" dirty="0"/>
+              <a:t>            ···</a:t>
+            </a:r>
+          </a:p>
+          <a:p>
+            <a:pPr marL="0" indent="0">
+              <a:buNone/>
+            </a:pPr>
+            <a:r>
+              <a:rPr lang="en-US" sz="2000" dirty="0"/>
+              <a:t>        }</a:t>
+            </a:r>
+          </a:p>
+          <a:p>
+            <a:pPr marL="0" indent="0">
+              <a:buNone/>
+            </a:pPr>
+            <a:r>
+              <a:rPr lang="en-US" sz="2000" dirty="0"/>
+              <a:t>    };</a:t>
+            </a:r>
+            <a:endParaRPr lang="en-US" sz="2000" dirty="0"/>
+          </a:p>
+        </p:txBody>
+      </p:sp>
+    </p:spTree>
+    <p:extLst>
+      <p:ext uri="{BB962C8B-B14F-4D97-AF65-F5344CB8AC3E}">
+        <p14:creationId xmlns:p14="http://schemas.microsoft.com/office/powerpoint/2010/main" val="98027967"/>
+      </p:ext>
+    </p:extLst>
+  </p:cSld>
+  <p:clrMapOvr>
+    <a:masterClrMapping/>
+  </p:clrMapOvr>
+</p:sld>
+</file>
+
+<file path=ppt/slides/slide23.xml><?xml version="1.0" encoding="utf-8"?>
+<p:sld xmlns:a="http://schemas.openxmlformats.org/drawingml/2006/main" xmlns:r="http://schemas.openxmlformats.org/officeDocument/2006/relationships" xmlns:p="http://schemas.openxmlformats.org/presentationml/2006/main">
+  <p:cSld>
+    <p:spTree>
+      <p:nvGrpSpPr>
+        <p:cNvPr id="1" name=""/>
+        <p:cNvGrpSpPr/>
+        <p:nvPr/>
+      </p:nvGrpSpPr>
+      <p:grpSpPr>
+        <a:xfrm>
+          <a:off x="0" y="0"/>
+          <a:ext cx="0" cy="0"/>
+          <a:chOff x="0" y="0"/>
+          <a:chExt cx="0" cy="0"/>
+        </a:xfrm>
+      </p:grpSpPr>
+      <p:sp>
+        <p:nvSpPr>
+          <p:cNvPr id="2" name="Title 1"/>
+          <p:cNvSpPr>
+            <a:spLocks noGrp="1"/>
+          </p:cNvSpPr>
+          <p:nvPr>
+            <p:ph type="title"/>
+          </p:nvPr>
+        </p:nvSpPr>
+        <p:spPr/>
+        <p:txBody>
+          <a:bodyPr>
+            <a:normAutofit/>
+          </a:bodyPr>
+          <a:lstStyle/>
+          <a:p>
+            <a:r>
+              <a:rPr lang="en-US" sz="3200" b="1" dirty="0"/>
+              <a:t>Property value </a:t>
+            </a:r>
+            <a:r>
+              <a:rPr lang="en-US" sz="3200" b="1" dirty="0" err="1" smtClean="0"/>
+              <a:t>shorthands</a:t>
+            </a:r>
+            <a:endParaRPr lang="en-US" sz="3200" dirty="0"/>
+          </a:p>
+        </p:txBody>
+      </p:sp>
+      <p:sp>
+        <p:nvSpPr>
+          <p:cNvPr id="3" name="Content Placeholder 2"/>
+          <p:cNvSpPr>
+            <a:spLocks noGrp="1"/>
+          </p:cNvSpPr>
+          <p:nvPr>
+            <p:ph idx="1"/>
+          </p:nvPr>
+        </p:nvSpPr>
+        <p:spPr/>
+        <p:txBody>
+          <a:bodyPr>
+            <a:normAutofit/>
+          </a:bodyPr>
+          <a:lstStyle/>
+          <a:p>
+            <a:r>
+              <a:rPr lang="en-US" sz="2400" dirty="0"/>
+              <a:t>If the name of the variable that specifies the property value is also the property key </a:t>
+            </a:r>
+            <a:r>
+              <a:rPr lang="en-US" sz="2400" dirty="0" smtClean="0"/>
+              <a:t>then </a:t>
+            </a:r>
+            <a:r>
+              <a:rPr lang="en-US" sz="2400" dirty="0"/>
+              <a:t>you can omit the </a:t>
+            </a:r>
+            <a:r>
+              <a:rPr lang="en-US" sz="2400" dirty="0" smtClean="0"/>
+              <a:t>key</a:t>
+            </a:r>
+          </a:p>
+          <a:p>
+            <a:pPr marL="0" indent="0">
+              <a:buNone/>
+            </a:pPr>
+            <a:endParaRPr lang="en-US" sz="2400" dirty="0"/>
+          </a:p>
+          <a:p>
+            <a:pPr marL="0" indent="0">
+              <a:buNone/>
+            </a:pPr>
+            <a:r>
+              <a:rPr lang="en-US" sz="2400" dirty="0"/>
+              <a:t> </a:t>
+            </a:r>
+            <a:r>
+              <a:rPr lang="en-US" sz="2400" dirty="0" smtClean="0"/>
+              <a:t>   </a:t>
+            </a:r>
+            <a:r>
+              <a:rPr lang="en-US" sz="2400" dirty="0" err="1" smtClean="0"/>
+              <a:t>const</a:t>
+            </a:r>
+            <a:r>
+              <a:rPr lang="en-US" sz="2400" dirty="0" smtClean="0"/>
+              <a:t> </a:t>
+            </a:r>
+            <a:r>
+              <a:rPr lang="en-US" sz="2400" dirty="0"/>
+              <a:t>x = 4;</a:t>
+            </a:r>
+          </a:p>
+          <a:p>
+            <a:pPr marL="0" indent="0">
+              <a:buNone/>
+            </a:pPr>
+            <a:r>
+              <a:rPr lang="en-US" sz="2400" dirty="0"/>
+              <a:t>    </a:t>
+            </a:r>
+            <a:r>
+              <a:rPr lang="en-US" sz="2400" dirty="0" err="1"/>
+              <a:t>const</a:t>
+            </a:r>
+            <a:r>
+              <a:rPr lang="en-US" sz="2400" dirty="0"/>
+              <a:t> y = 1;</a:t>
+            </a:r>
+          </a:p>
+          <a:p>
+            <a:pPr marL="0" indent="0">
+              <a:buNone/>
+            </a:pPr>
+            <a:r>
+              <a:rPr lang="en-US" sz="2400" dirty="0"/>
+              <a:t>    </a:t>
+            </a:r>
+            <a:r>
+              <a:rPr lang="en-US" sz="2400" dirty="0" err="1"/>
+              <a:t>const</a:t>
+            </a:r>
+            <a:r>
+              <a:rPr lang="en-US" sz="2400" dirty="0"/>
+              <a:t> </a:t>
+            </a:r>
+            <a:r>
+              <a:rPr lang="en-US" sz="2400" dirty="0" err="1"/>
+              <a:t>obj</a:t>
+            </a:r>
+            <a:r>
+              <a:rPr lang="en-US" sz="2400" dirty="0"/>
+              <a:t> = { x, y };</a:t>
+            </a:r>
+          </a:p>
+          <a:p>
+            <a:pPr marL="0" indent="0">
+              <a:buNone/>
+            </a:pPr>
+            <a:r>
+              <a:rPr lang="en-US" sz="2400" dirty="0" smtClean="0"/>
+              <a:t>   equivalent </a:t>
+            </a:r>
+            <a:r>
+              <a:rPr lang="en-US" sz="2400" dirty="0"/>
+              <a:t>to:</a:t>
+            </a:r>
+          </a:p>
+          <a:p>
+            <a:pPr marL="0" indent="0">
+              <a:buNone/>
+            </a:pPr>
+            <a:endParaRPr lang="en-US" sz="2400" dirty="0"/>
+          </a:p>
+          <a:p>
+            <a:pPr marL="0" indent="0">
+              <a:buNone/>
+            </a:pPr>
+            <a:r>
+              <a:rPr lang="en-US" sz="2400" dirty="0"/>
+              <a:t>    </a:t>
+            </a:r>
+            <a:r>
+              <a:rPr lang="en-US" sz="2400" dirty="0" err="1"/>
+              <a:t>const</a:t>
+            </a:r>
+            <a:r>
+              <a:rPr lang="en-US" sz="2400" dirty="0"/>
+              <a:t> </a:t>
+            </a:r>
+            <a:r>
+              <a:rPr lang="en-US" sz="2400" dirty="0" err="1"/>
+              <a:t>obj</a:t>
+            </a:r>
+            <a:r>
+              <a:rPr lang="en-US" sz="2400" dirty="0"/>
+              <a:t> = { x: x, y: y };</a:t>
+            </a:r>
+          </a:p>
+        </p:txBody>
+      </p:sp>
+    </p:spTree>
+    <p:extLst>
+      <p:ext uri="{BB962C8B-B14F-4D97-AF65-F5344CB8AC3E}">
+        <p14:creationId xmlns:p14="http://schemas.microsoft.com/office/powerpoint/2010/main" val="591891847"/>
+      </p:ext>
+    </p:extLst>
+  </p:cSld>
+  <p:clrMapOvr>
+    <a:masterClrMapping/>
+  </p:clrMapOvr>
+  <p:timing>
+    <p:tnLst>
+      <p:par>
+        <p:cTn id="1" dur="indefinite" restart="never" nodeType="tmRoot"/>
+      </p:par>
+    </p:tnLst>
+  </p:timing>
+</p:sld>
+</file>
+
+<file path=ppt/slides/slide24.xml><?xml version="1.0" encoding="utf-8"?>
+<p:sld xmlns:a="http://schemas.openxmlformats.org/drawingml/2006/main" xmlns:r="http://schemas.openxmlformats.org/officeDocument/2006/relationships" xmlns:p="http://schemas.openxmlformats.org/presentationml/2006/main">
+  <p:cSld>
+    <p:spTree>
+      <p:nvGrpSpPr>
+        <p:cNvPr id="1" name=""/>
+        <p:cNvGrpSpPr/>
+        <p:nvPr/>
+      </p:nvGrpSpPr>
+      <p:grpSpPr>
+        <a:xfrm>
+          <a:off x="0" y="0"/>
+          <a:ext cx="0" cy="0"/>
+          <a:chOff x="0" y="0"/>
+          <a:chExt cx="0" cy="0"/>
+        </a:xfrm>
+      </p:grpSpPr>
+      <p:sp>
+        <p:nvSpPr>
+          <p:cNvPr id="2" name="Title 1"/>
+          <p:cNvSpPr>
+            <a:spLocks noGrp="1"/>
+          </p:cNvSpPr>
+          <p:nvPr>
+            <p:ph type="title"/>
+          </p:nvPr>
+        </p:nvSpPr>
+        <p:spPr>
+          <a:xfrm>
+            <a:off x="457200" y="274638"/>
+            <a:ext cx="8229600" cy="487362"/>
+          </a:xfrm>
+        </p:spPr>
+        <p:txBody>
+          <a:bodyPr>
+            <a:normAutofit fontScale="90000"/>
+          </a:bodyPr>
+          <a:lstStyle/>
+          <a:p>
+            <a:r>
+              <a:rPr lang="en-US" sz="3200" dirty="0" smtClean="0"/>
+              <a:t>Modules</a:t>
+            </a:r>
+            <a:endParaRPr lang="en-US" sz="3200" dirty="0"/>
+          </a:p>
+        </p:txBody>
+      </p:sp>
+      <p:sp>
+        <p:nvSpPr>
+          <p:cNvPr id="3" name="Content Placeholder 2"/>
+          <p:cNvSpPr>
+            <a:spLocks noGrp="1"/>
+          </p:cNvSpPr>
+          <p:nvPr>
+            <p:ph idx="1"/>
+          </p:nvPr>
+        </p:nvSpPr>
+        <p:spPr>
+          <a:xfrm>
+            <a:off x="457200" y="990600"/>
+            <a:ext cx="8229600" cy="5715000"/>
+          </a:xfrm>
+        </p:spPr>
+        <p:txBody>
+          <a:bodyPr>
+            <a:normAutofit/>
+          </a:bodyPr>
+          <a:lstStyle/>
+          <a:p>
+            <a:r>
+              <a:rPr lang="en-US" sz="2800" dirty="0"/>
+              <a:t>ES6 modules are stored in files</a:t>
+            </a:r>
+            <a:r>
+              <a:rPr lang="en-US" sz="2800" dirty="0" smtClean="0"/>
+              <a:t>.</a:t>
+            </a:r>
+          </a:p>
+          <a:p>
+            <a:r>
+              <a:rPr lang="en-US" sz="2800" dirty="0"/>
+              <a:t>There is exactly one module per file and one file per module</a:t>
+            </a:r>
+            <a:r>
+              <a:rPr lang="en-US" sz="2800" dirty="0" smtClean="0"/>
+              <a:t>.</a:t>
+            </a:r>
+          </a:p>
+          <a:p>
+            <a:r>
+              <a:rPr lang="en-US" sz="2800" dirty="0" smtClean="0"/>
+              <a:t>We </a:t>
+            </a:r>
+            <a:r>
+              <a:rPr lang="en-US" sz="2800" dirty="0"/>
+              <a:t>have two ways of exporting things from a </a:t>
+            </a:r>
+            <a:r>
+              <a:rPr lang="en-US" sz="2800" dirty="0" smtClean="0"/>
+              <a:t>module</a:t>
+            </a:r>
+          </a:p>
+          <a:p>
+            <a:pPr marL="0" indent="0">
+              <a:buNone/>
+            </a:pPr>
+            <a:r>
+              <a:rPr lang="en-US" sz="2800" dirty="0"/>
+              <a:t>	</a:t>
+            </a:r>
+            <a:r>
+              <a:rPr lang="en-US" sz="2800" b="1" dirty="0"/>
+              <a:t> </a:t>
+            </a:r>
+            <a:r>
+              <a:rPr lang="en-US" sz="2800" dirty="0" smtClean="0"/>
+              <a:t>-</a:t>
+            </a:r>
+            <a:r>
+              <a:rPr lang="en-US" sz="2800" b="1" dirty="0"/>
+              <a:t> </a:t>
+            </a:r>
+            <a:r>
+              <a:rPr lang="en-US" sz="2400" dirty="0"/>
+              <a:t>Multiple named </a:t>
+            </a:r>
+            <a:r>
+              <a:rPr lang="en-US" sz="2400" dirty="0" smtClean="0"/>
+              <a:t>exports</a:t>
+            </a:r>
+          </a:p>
+          <a:p>
+            <a:pPr marL="0" indent="0">
+              <a:buNone/>
+            </a:pPr>
+            <a:r>
+              <a:rPr lang="en-US" sz="2400" dirty="0"/>
+              <a:t>	</a:t>
+            </a:r>
+            <a:r>
+              <a:rPr lang="en-US" sz="2400" dirty="0" smtClean="0"/>
+              <a:t> - </a:t>
+            </a:r>
+            <a:r>
+              <a:rPr lang="en-US" sz="2400" dirty="0"/>
+              <a:t>Single default </a:t>
+            </a:r>
+            <a:r>
+              <a:rPr lang="en-US" sz="2400" dirty="0" smtClean="0"/>
+              <a:t>export</a:t>
+            </a:r>
+          </a:p>
+          <a:p>
+            <a:pPr marL="0" indent="0">
+              <a:buNone/>
+            </a:pPr>
+            <a:endParaRPr lang="en-US" sz="2400" dirty="0" smtClean="0"/>
+          </a:p>
+          <a:p>
+            <a:pPr marL="0" indent="0">
+              <a:buNone/>
+            </a:pPr>
+            <a:endParaRPr lang="en-US" sz="2400" dirty="0"/>
+          </a:p>
+          <a:p>
+            <a:pPr marL="514350" indent="-514350">
+              <a:buFont typeface="+mj-lt"/>
+              <a:buAutoNum type="arabicPeriod"/>
+            </a:pPr>
+            <a:endParaRPr lang="en-US" sz="2800" dirty="0"/>
+          </a:p>
+        </p:txBody>
+      </p:sp>
+    </p:spTree>
+    <p:extLst>
+      <p:ext uri="{BB962C8B-B14F-4D97-AF65-F5344CB8AC3E}">
+        <p14:creationId xmlns:p14="http://schemas.microsoft.com/office/powerpoint/2010/main" val="2588392495"/>
+      </p:ext>
+    </p:extLst>
+  </p:cSld>
+  <p:clrMapOvr>
+    <a:masterClrMapping/>
+  </p:clrMapOvr>
+  <p:timing>
+    <p:tnLst>
+      <p:par>
+        <p:cTn id="1" dur="indefinite" restart="never" nodeType="tmRoot"/>
+      </p:par>
+    </p:tnLst>
+  </p:timing>
+</p:sld>
+</file>
+
+<file path=ppt/slides/slide25.xml><?xml version="1.0" encoding="utf-8"?>
+<p:sld xmlns:a="http://schemas.openxmlformats.org/drawingml/2006/main" xmlns:r="http://schemas.openxmlformats.org/officeDocument/2006/relationships" xmlns:p="http://schemas.openxmlformats.org/presentationml/2006/main">
+  <p:cSld>
+    <p:spTree>
+      <p:nvGrpSpPr>
+        <p:cNvPr id="1" name=""/>
+        <p:cNvGrpSpPr/>
+        <p:nvPr/>
+      </p:nvGrpSpPr>
+      <p:grpSpPr>
+        <a:xfrm>
+          <a:off x="0" y="0"/>
+          <a:ext cx="0" cy="0"/>
+          <a:chOff x="0" y="0"/>
+          <a:chExt cx="0" cy="0"/>
+        </a:xfrm>
+      </p:grpSpPr>
+      <p:sp>
+        <p:nvSpPr>
+          <p:cNvPr id="2" name="Title 1"/>
+          <p:cNvSpPr>
+            <a:spLocks noGrp="1"/>
+          </p:cNvSpPr>
+          <p:nvPr>
+            <p:ph type="title"/>
+          </p:nvPr>
+        </p:nvSpPr>
+        <p:spPr>
+          <a:xfrm>
+            <a:off x="457200" y="274638"/>
+            <a:ext cx="8229600" cy="563562"/>
+          </a:xfrm>
+        </p:spPr>
+        <p:txBody>
+          <a:bodyPr>
+            <a:normAutofit fontScale="90000"/>
+          </a:bodyPr>
+          <a:lstStyle/>
+          <a:p>
+            <a:r>
+              <a:rPr lang="en-US" sz="3200" dirty="0"/>
+              <a:t>Multiple named </a:t>
+            </a:r>
+            <a:r>
+              <a:rPr lang="en-US" sz="3200" dirty="0" smtClean="0"/>
+              <a:t>exports</a:t>
+            </a:r>
+            <a:endParaRPr lang="en-US" sz="3200" dirty="0"/>
+          </a:p>
+        </p:txBody>
+      </p:sp>
+      <p:sp>
+        <p:nvSpPr>
+          <p:cNvPr id="3" name="Content Placeholder 2"/>
+          <p:cNvSpPr>
+            <a:spLocks noGrp="1"/>
+          </p:cNvSpPr>
+          <p:nvPr>
+            <p:ph idx="1"/>
+          </p:nvPr>
+        </p:nvSpPr>
+        <p:spPr>
+          <a:xfrm>
+            <a:off x="457200" y="1066800"/>
+            <a:ext cx="8229600" cy="5562600"/>
+          </a:xfrm>
+        </p:spPr>
+        <p:txBody>
+          <a:bodyPr>
+            <a:normAutofit fontScale="92500" lnSpcReduction="10000"/>
+          </a:bodyPr>
+          <a:lstStyle/>
+          <a:p>
+            <a:pPr marL="0" indent="0">
+              <a:buNone/>
+            </a:pPr>
+            <a:r>
+              <a:rPr lang="en-US" sz="2400" dirty="0"/>
+              <a:t>//------ lib.js ------</a:t>
+            </a:r>
+          </a:p>
+          <a:p>
+            <a:pPr marL="0" indent="0">
+              <a:buNone/>
+            </a:pPr>
+            <a:r>
+              <a:rPr lang="en-US" sz="2400" dirty="0"/>
+              <a:t>export </a:t>
+            </a:r>
+            <a:r>
+              <a:rPr lang="en-US" sz="2400" dirty="0" err="1"/>
+              <a:t>const</a:t>
+            </a:r>
+            <a:r>
+              <a:rPr lang="en-US" sz="2400" dirty="0"/>
+              <a:t> </a:t>
+            </a:r>
+            <a:r>
+              <a:rPr lang="en-US" sz="2400" dirty="0" err="1"/>
+              <a:t>sqrt</a:t>
+            </a:r>
+            <a:r>
+              <a:rPr lang="en-US" sz="2400" dirty="0"/>
+              <a:t> = </a:t>
+            </a:r>
+            <a:r>
+              <a:rPr lang="en-US" sz="2400" dirty="0" err="1"/>
+              <a:t>Math.sqrt</a:t>
+            </a:r>
+            <a:r>
+              <a:rPr lang="en-US" sz="2400" dirty="0"/>
+              <a:t>;</a:t>
+            </a:r>
+          </a:p>
+          <a:p>
+            <a:pPr marL="0" indent="0">
+              <a:buNone/>
+            </a:pPr>
+            <a:r>
+              <a:rPr lang="en-US" sz="2400" dirty="0"/>
+              <a:t>export function square(x) {</a:t>
+            </a:r>
+          </a:p>
+          <a:p>
+            <a:pPr marL="0" indent="0">
+              <a:buNone/>
+            </a:pPr>
+            <a:r>
+              <a:rPr lang="en-US" sz="2400" dirty="0"/>
+              <a:t>    return x * x;</a:t>
+            </a:r>
+          </a:p>
+          <a:p>
+            <a:pPr marL="0" indent="0">
+              <a:buNone/>
+            </a:pPr>
+            <a:r>
+              <a:rPr lang="en-US" sz="2400" dirty="0"/>
+              <a:t>}</a:t>
+            </a:r>
+          </a:p>
+          <a:p>
+            <a:pPr marL="0" indent="0">
+              <a:buNone/>
+            </a:pPr>
+            <a:endParaRPr lang="en-US" sz="2400" dirty="0"/>
+          </a:p>
+          <a:p>
+            <a:pPr marL="0" indent="0">
+              <a:buNone/>
+            </a:pPr>
+            <a:r>
+              <a:rPr lang="en-US" sz="2400" dirty="0"/>
+              <a:t>//------ main.js ------</a:t>
+            </a:r>
+          </a:p>
+          <a:p>
+            <a:pPr marL="0" indent="0">
+              <a:buNone/>
+            </a:pPr>
+            <a:r>
+              <a:rPr lang="en-US" sz="2400" dirty="0"/>
+              <a:t>import { </a:t>
+            </a:r>
+            <a:r>
+              <a:rPr lang="en-US" sz="2400" dirty="0" smtClean="0"/>
+              <a:t>square } </a:t>
+            </a:r>
+            <a:r>
+              <a:rPr lang="en-US" sz="2400" dirty="0"/>
+              <a:t>from 'lib';</a:t>
+            </a:r>
+          </a:p>
+          <a:p>
+            <a:pPr marL="0" indent="0">
+              <a:buNone/>
+            </a:pPr>
+            <a:r>
+              <a:rPr lang="en-US" sz="2400" dirty="0"/>
+              <a:t>console.log(square(11)); // 121</a:t>
+            </a:r>
+          </a:p>
+          <a:p>
+            <a:pPr marL="0" indent="0">
+              <a:buNone/>
+            </a:pPr>
+            <a:endParaRPr lang="en-US" sz="2400" dirty="0"/>
+          </a:p>
+          <a:p>
+            <a:pPr marL="0" indent="0">
+              <a:buNone/>
+            </a:pPr>
+            <a:r>
+              <a:rPr lang="en-US" sz="2400" dirty="0"/>
+              <a:t>You can also import the complete module:</a:t>
+            </a:r>
+          </a:p>
+          <a:p>
+            <a:pPr marL="0" indent="0">
+              <a:buNone/>
+            </a:pPr>
+            <a:endParaRPr lang="en-US" sz="2400" dirty="0"/>
+          </a:p>
+          <a:p>
+            <a:pPr marL="0" indent="0">
+              <a:buNone/>
+            </a:pPr>
+            <a:r>
+              <a:rPr lang="en-US" sz="2400" dirty="0"/>
+              <a:t>//------ main.js ------</a:t>
+            </a:r>
+          </a:p>
+          <a:p>
+            <a:pPr marL="0" indent="0">
+              <a:buNone/>
+            </a:pPr>
+            <a:r>
+              <a:rPr lang="en-US" sz="2400" dirty="0"/>
+              <a:t>import * as lib from 'lib';</a:t>
+            </a:r>
+          </a:p>
+          <a:p>
+            <a:pPr marL="0" indent="0">
+              <a:buNone/>
+            </a:pPr>
+            <a:r>
+              <a:rPr lang="en-US" sz="2400" dirty="0"/>
+              <a:t>console.log(</a:t>
+            </a:r>
+            <a:r>
+              <a:rPr lang="en-US" sz="2400" dirty="0" err="1"/>
+              <a:t>lib.square</a:t>
+            </a:r>
+            <a:r>
+              <a:rPr lang="en-US" sz="2400" dirty="0"/>
+              <a:t>(11)); // 121</a:t>
+            </a:r>
+          </a:p>
+        </p:txBody>
+      </p:sp>
+    </p:spTree>
+    <p:extLst>
+      <p:ext uri="{BB962C8B-B14F-4D97-AF65-F5344CB8AC3E}">
+        <p14:creationId xmlns:p14="http://schemas.microsoft.com/office/powerpoint/2010/main" val="2312477403"/>
+      </p:ext>
+    </p:extLst>
+  </p:cSld>
+  <p:clrMapOvr>
+    <a:masterClrMapping/>
+  </p:clrMapOvr>
+</p:sld>
+</file>
+
+<file path=ppt/slides/slide26.xml><?xml version="1.0" encoding="utf-8"?>
+<p:sld xmlns:a="http://schemas.openxmlformats.org/drawingml/2006/main" xmlns:r="http://schemas.openxmlformats.org/officeDocument/2006/relationships" xmlns:p="http://schemas.openxmlformats.org/presentationml/2006/main">
+  <p:cSld>
+    <p:spTree>
+      <p:nvGrpSpPr>
+        <p:cNvPr id="1" name=""/>
+        <p:cNvGrpSpPr/>
+        <p:nvPr/>
+      </p:nvGrpSpPr>
+      <p:grpSpPr>
+        <a:xfrm>
+          <a:off x="0" y="0"/>
+          <a:ext cx="0" cy="0"/>
+          <a:chOff x="0" y="0"/>
+          <a:chExt cx="0" cy="0"/>
+        </a:xfrm>
+      </p:grpSpPr>
+      <p:sp>
+        <p:nvSpPr>
+          <p:cNvPr id="2" name="Title 1"/>
+          <p:cNvSpPr>
+            <a:spLocks noGrp="1"/>
+          </p:cNvSpPr>
+          <p:nvPr>
+            <p:ph type="title"/>
+          </p:nvPr>
+        </p:nvSpPr>
+        <p:spPr>
+          <a:xfrm>
+            <a:off x="457200" y="274638"/>
+            <a:ext cx="8229600" cy="487362"/>
+          </a:xfrm>
+        </p:spPr>
+        <p:txBody>
+          <a:bodyPr>
+            <a:normAutofit fontScale="90000"/>
+          </a:bodyPr>
+          <a:lstStyle/>
+          <a:p>
+            <a:r>
+              <a:rPr lang="en-US" sz="2800" b="1" dirty="0"/>
+              <a:t>Single default </a:t>
+            </a:r>
+            <a:r>
+              <a:rPr lang="en-US" sz="2800" b="1" dirty="0" smtClean="0"/>
+              <a:t>export</a:t>
+            </a:r>
+            <a:endParaRPr lang="en-US" sz="2800" dirty="0"/>
+          </a:p>
+        </p:txBody>
+      </p:sp>
+      <p:sp>
+        <p:nvSpPr>
+          <p:cNvPr id="3" name="Content Placeholder 2"/>
+          <p:cNvSpPr>
+            <a:spLocks noGrp="1"/>
+          </p:cNvSpPr>
+          <p:nvPr>
+            <p:ph idx="1"/>
+          </p:nvPr>
+        </p:nvSpPr>
+        <p:spPr>
+          <a:xfrm>
+            <a:off x="457200" y="914400"/>
+            <a:ext cx="8229600" cy="5791200"/>
+          </a:xfrm>
+        </p:spPr>
+        <p:txBody>
+          <a:bodyPr>
+            <a:normAutofit lnSpcReduction="10000"/>
+          </a:bodyPr>
+          <a:lstStyle/>
+          <a:p>
+            <a:pPr marL="0" indent="0">
+              <a:buNone/>
+            </a:pPr>
+            <a:r>
+              <a:rPr lang="en-US" sz="2400" dirty="0"/>
+              <a:t>//------ myFunc.js ------</a:t>
+            </a:r>
+          </a:p>
+          <a:p>
+            <a:pPr marL="0" indent="0">
+              <a:buNone/>
+            </a:pPr>
+            <a:r>
+              <a:rPr lang="en-US" sz="2400" dirty="0"/>
+              <a:t>export default function () { ··· } // no semicolon!</a:t>
+            </a:r>
+          </a:p>
+          <a:p>
+            <a:pPr marL="0" indent="0">
+              <a:buNone/>
+            </a:pPr>
+            <a:endParaRPr lang="en-US" sz="2400" dirty="0"/>
+          </a:p>
+          <a:p>
+            <a:pPr marL="0" indent="0">
+              <a:buNone/>
+            </a:pPr>
+            <a:r>
+              <a:rPr lang="en-US" sz="2400" dirty="0"/>
+              <a:t>//------ main1.js ------</a:t>
+            </a:r>
+          </a:p>
+          <a:p>
+            <a:pPr marL="0" indent="0">
+              <a:buNone/>
+            </a:pPr>
+            <a:r>
+              <a:rPr lang="en-US" sz="2400" dirty="0"/>
+              <a:t>import </a:t>
+            </a:r>
+            <a:r>
+              <a:rPr lang="en-US" sz="2400" dirty="0" err="1"/>
+              <a:t>myFunc</a:t>
+            </a:r>
+            <a:r>
+              <a:rPr lang="en-US" sz="2400" dirty="0"/>
+              <a:t> from '</a:t>
+            </a:r>
+            <a:r>
+              <a:rPr lang="en-US" sz="2400" dirty="0" err="1"/>
+              <a:t>myFunc</a:t>
+            </a:r>
+            <a:r>
+              <a:rPr lang="en-US" sz="2400" dirty="0"/>
+              <a:t>';</a:t>
+            </a:r>
+          </a:p>
+          <a:p>
+            <a:pPr marL="0" indent="0">
+              <a:buNone/>
+            </a:pPr>
+            <a:r>
+              <a:rPr lang="en-US" sz="2400" dirty="0" err="1"/>
+              <a:t>myFunc</a:t>
+            </a:r>
+            <a:r>
+              <a:rPr lang="en-US" sz="2400" dirty="0"/>
+              <a:t>();</a:t>
+            </a:r>
+          </a:p>
+          <a:p>
+            <a:pPr marL="0" indent="0">
+              <a:buNone/>
+            </a:pPr>
+            <a:r>
+              <a:rPr lang="en-US" sz="2400" dirty="0"/>
+              <a:t>Or a class:</a:t>
+            </a:r>
+          </a:p>
+          <a:p>
+            <a:pPr marL="0" indent="0">
+              <a:buNone/>
+            </a:pPr>
+            <a:endParaRPr lang="en-US" sz="2400" dirty="0"/>
+          </a:p>
+          <a:p>
+            <a:pPr marL="0" indent="0">
+              <a:buNone/>
+            </a:pPr>
+            <a:r>
+              <a:rPr lang="en-US" sz="2400" dirty="0"/>
+              <a:t>//------ MyClass.js ------</a:t>
+            </a:r>
+          </a:p>
+          <a:p>
+            <a:pPr marL="0" indent="0">
+              <a:buNone/>
+            </a:pPr>
+            <a:r>
+              <a:rPr lang="en-US" sz="2400" dirty="0"/>
+              <a:t>export default class { ··· } // no semicolon!</a:t>
+            </a:r>
+          </a:p>
+          <a:p>
+            <a:pPr marL="0" indent="0">
+              <a:buNone/>
+            </a:pPr>
+            <a:endParaRPr lang="en-US" sz="2400" dirty="0"/>
+          </a:p>
+          <a:p>
+            <a:pPr marL="0" indent="0">
+              <a:buNone/>
+            </a:pPr>
+            <a:r>
+              <a:rPr lang="en-US" sz="2400" dirty="0"/>
+              <a:t>//------ main2.js ------</a:t>
+            </a:r>
+          </a:p>
+          <a:p>
+            <a:pPr marL="0" indent="0">
+              <a:buNone/>
+            </a:pPr>
+            <a:r>
+              <a:rPr lang="en-US" sz="2400" dirty="0"/>
+              <a:t>import </a:t>
+            </a:r>
+            <a:r>
+              <a:rPr lang="en-US" sz="2400" dirty="0" err="1"/>
+              <a:t>MyClass</a:t>
+            </a:r>
+            <a:r>
+              <a:rPr lang="en-US" sz="2400" dirty="0"/>
+              <a:t> from '</a:t>
+            </a:r>
+            <a:r>
+              <a:rPr lang="en-US" sz="2400" dirty="0" err="1"/>
+              <a:t>MyClass</a:t>
+            </a:r>
+            <a:r>
+              <a:rPr lang="en-US" sz="2400" dirty="0"/>
+              <a:t>';</a:t>
+            </a:r>
+          </a:p>
+          <a:p>
+            <a:pPr marL="0" indent="0">
+              <a:buNone/>
+            </a:pPr>
+            <a:r>
+              <a:rPr lang="en-US" sz="2400" dirty="0" err="1"/>
+              <a:t>const</a:t>
+            </a:r>
+            <a:r>
+              <a:rPr lang="en-US" sz="2400" dirty="0"/>
+              <a:t> </a:t>
+            </a:r>
+            <a:r>
+              <a:rPr lang="en-US" sz="2400" dirty="0" err="1"/>
+              <a:t>inst</a:t>
+            </a:r>
+            <a:r>
+              <a:rPr lang="en-US" sz="2400" dirty="0"/>
+              <a:t> = new </a:t>
+            </a:r>
+            <a:r>
+              <a:rPr lang="en-US" sz="2400" dirty="0" err="1"/>
+              <a:t>MyClass</a:t>
+            </a:r>
+            <a:r>
+              <a:rPr lang="en-US" sz="2400" dirty="0"/>
+              <a:t>();</a:t>
+            </a:r>
+          </a:p>
+        </p:txBody>
+      </p:sp>
+    </p:spTree>
+    <p:extLst>
+      <p:ext uri="{BB962C8B-B14F-4D97-AF65-F5344CB8AC3E}">
+        <p14:creationId xmlns:p14="http://schemas.microsoft.com/office/powerpoint/2010/main" val="2895266825"/>
+      </p:ext>
+    </p:extLst>
+  </p:cSld>
+  <p:clrMapOvr>
+    <a:masterClrMapping/>
+  </p:clrMapOvr>
 </p:sld>
 </file>
 

--- a/es6/ES6.pptx
+++ b/es6/ES6.pptx
@@ -31,6 +31,11 @@
     <p:sldId id="279" r:id="rId25"/>
     <p:sldId id="280" r:id="rId26"/>
     <p:sldId id="281" r:id="rId27"/>
+    <p:sldId id="282" r:id="rId28"/>
+    <p:sldId id="283" r:id="rId29"/>
+    <p:sldId id="284" r:id="rId30"/>
+    <p:sldId id="285" r:id="rId31"/>
+    <p:sldId id="286" r:id="rId32"/>
   </p:sldIdLst>
   <p:sldSz cx="9144000" cy="6858000" type="screen4x3"/>
   <p:notesSz cx="6858000" cy="9144000"/>
@@ -330,7 +335,7 @@
             <a:fld id="{753D5844-1E3E-4A10-9E80-1C6CD138905E}" type="datetimeFigureOut">
               <a:rPr lang="en-US" smtClean="0"/>
               <a:pPr/>
-              <a:t>12/26/2016</a:t>
+              <a:t>12/27/2016</a:t>
             </a:fld>
             <a:endParaRPr lang="en-US"/>
           </a:p>
@@ -497,7 +502,7 @@
             <a:fld id="{753D5844-1E3E-4A10-9E80-1C6CD138905E}" type="datetimeFigureOut">
               <a:rPr lang="en-US" smtClean="0"/>
               <a:pPr/>
-              <a:t>12/26/2016</a:t>
+              <a:t>12/27/2016</a:t>
             </a:fld>
             <a:endParaRPr lang="en-US"/>
           </a:p>
@@ -674,7 +679,7 @@
             <a:fld id="{753D5844-1E3E-4A10-9E80-1C6CD138905E}" type="datetimeFigureOut">
               <a:rPr lang="en-US" smtClean="0"/>
               <a:pPr/>
-              <a:t>12/26/2016</a:t>
+              <a:t>12/27/2016</a:t>
             </a:fld>
             <a:endParaRPr lang="en-US"/>
           </a:p>
@@ -841,7 +846,7 @@
             <a:fld id="{753D5844-1E3E-4A10-9E80-1C6CD138905E}" type="datetimeFigureOut">
               <a:rPr lang="en-US" smtClean="0"/>
               <a:pPr/>
-              <a:t>12/26/2016</a:t>
+              <a:t>12/27/2016</a:t>
             </a:fld>
             <a:endParaRPr lang="en-US"/>
           </a:p>
@@ -1084,7 +1089,7 @@
             <a:fld id="{753D5844-1E3E-4A10-9E80-1C6CD138905E}" type="datetimeFigureOut">
               <a:rPr lang="en-US" smtClean="0"/>
               <a:pPr/>
-              <a:t>12/26/2016</a:t>
+              <a:t>12/27/2016</a:t>
             </a:fld>
             <a:endParaRPr lang="en-US"/>
           </a:p>
@@ -1369,7 +1374,7 @@
             <a:fld id="{753D5844-1E3E-4A10-9E80-1C6CD138905E}" type="datetimeFigureOut">
               <a:rPr lang="en-US" smtClean="0"/>
               <a:pPr/>
-              <a:t>12/26/2016</a:t>
+              <a:t>12/27/2016</a:t>
             </a:fld>
             <a:endParaRPr lang="en-US"/>
           </a:p>
@@ -1788,7 +1793,7 @@
             <a:fld id="{753D5844-1E3E-4A10-9E80-1C6CD138905E}" type="datetimeFigureOut">
               <a:rPr lang="en-US" smtClean="0"/>
               <a:pPr/>
-              <a:t>12/26/2016</a:t>
+              <a:t>12/27/2016</a:t>
             </a:fld>
             <a:endParaRPr lang="en-US"/>
           </a:p>
@@ -1903,7 +1908,7 @@
             <a:fld id="{753D5844-1E3E-4A10-9E80-1C6CD138905E}" type="datetimeFigureOut">
               <a:rPr lang="en-US" smtClean="0"/>
               <a:pPr/>
-              <a:t>12/26/2016</a:t>
+              <a:t>12/27/2016</a:t>
             </a:fld>
             <a:endParaRPr lang="en-US"/>
           </a:p>
@@ -1995,7 +2000,7 @@
             <a:fld id="{753D5844-1E3E-4A10-9E80-1C6CD138905E}" type="datetimeFigureOut">
               <a:rPr lang="en-US" smtClean="0"/>
               <a:pPr/>
-              <a:t>12/26/2016</a:t>
+              <a:t>12/27/2016</a:t>
             </a:fld>
             <a:endParaRPr lang="en-US"/>
           </a:p>
@@ -2269,7 +2274,7 @@
             <a:fld id="{753D5844-1E3E-4A10-9E80-1C6CD138905E}" type="datetimeFigureOut">
               <a:rPr lang="en-US" smtClean="0"/>
               <a:pPr/>
-              <a:t>12/26/2016</a:t>
+              <a:t>12/27/2016</a:t>
             </a:fld>
             <a:endParaRPr lang="en-US"/>
           </a:p>
@@ -2519,7 +2524,7 @@
             <a:fld id="{753D5844-1E3E-4A10-9E80-1C6CD138905E}" type="datetimeFigureOut">
               <a:rPr lang="en-US" smtClean="0"/>
               <a:pPr/>
-              <a:t>12/26/2016</a:t>
+              <a:t>12/27/2016</a:t>
             </a:fld>
             <a:endParaRPr lang="en-US"/>
           </a:p>
@@ -2729,7 +2734,7 @@
             <a:fld id="{753D5844-1E3E-4A10-9E80-1C6CD138905E}" type="datetimeFigureOut">
               <a:rPr lang="en-US" smtClean="0"/>
               <a:pPr/>
-              <a:t>12/26/2016</a:t>
+              <a:t>12/27/2016</a:t>
             </a:fld>
             <a:endParaRPr lang="en-US"/>
           </a:p>
@@ -5337,7 +5342,6 @@
               <a:rPr lang="en-US" sz="1800" dirty="0"/>
               <a:t>}</a:t>
             </a:r>
-            <a:endParaRPr lang="en-US" sz="1800" dirty="0"/>
           </a:p>
           <a:p>
             <a:pPr marL="457200" lvl="1" indent="0">
@@ -6321,7 +6325,6 @@
               <a:rPr lang="en-US" sz="2000" dirty="0"/>
               <a:t>    };</a:t>
             </a:r>
-            <a:endParaRPr lang="en-US" sz="2000" dirty="0"/>
           </a:p>
         </p:txBody>
       </p:sp>
@@ -7263,6 +7266,739 @@
 </p:sld>
 </file>
 
+<file path=ppt/slides/slide27.xml><?xml version="1.0" encoding="utf-8"?>
+<p:sld xmlns:a="http://schemas.openxmlformats.org/drawingml/2006/main" xmlns:r="http://schemas.openxmlformats.org/officeDocument/2006/relationships" xmlns:p="http://schemas.openxmlformats.org/presentationml/2006/main">
+  <p:cSld>
+    <p:spTree>
+      <p:nvGrpSpPr>
+        <p:cNvPr id="1" name=""/>
+        <p:cNvGrpSpPr/>
+        <p:nvPr/>
+      </p:nvGrpSpPr>
+      <p:grpSpPr>
+        <a:xfrm>
+          <a:off x="0" y="0"/>
+          <a:ext cx="0" cy="0"/>
+          <a:chOff x="0" y="0"/>
+          <a:chExt cx="0" cy="0"/>
+        </a:xfrm>
+      </p:grpSpPr>
+      <p:sp>
+        <p:nvSpPr>
+          <p:cNvPr id="4" name="Title 3"/>
+          <p:cNvSpPr>
+            <a:spLocks noGrp="1"/>
+          </p:cNvSpPr>
+          <p:nvPr>
+            <p:ph type="title"/>
+          </p:nvPr>
+        </p:nvSpPr>
+        <p:spPr>
+          <a:xfrm>
+            <a:off x="457200" y="274638"/>
+            <a:ext cx="8229600" cy="563562"/>
+          </a:xfrm>
+        </p:spPr>
+        <p:txBody>
+          <a:bodyPr>
+            <a:normAutofit fontScale="90000"/>
+          </a:bodyPr>
+          <a:lstStyle/>
+          <a:p>
+            <a:r>
+              <a:rPr lang="en-US" sz="3600" dirty="0" smtClean="0"/>
+              <a:t>Class</a:t>
+            </a:r>
+            <a:endParaRPr lang="en-US" sz="3600" dirty="0"/>
+          </a:p>
+        </p:txBody>
+      </p:sp>
+      <p:sp>
+        <p:nvSpPr>
+          <p:cNvPr id="7" name="Content Placeholder 6"/>
+          <p:cNvSpPr>
+            <a:spLocks noGrp="1"/>
+          </p:cNvSpPr>
+          <p:nvPr>
+            <p:ph idx="1"/>
+          </p:nvPr>
+        </p:nvSpPr>
+        <p:spPr>
+          <a:xfrm>
+            <a:off x="457200" y="1066800"/>
+            <a:ext cx="8229600" cy="5791200"/>
+          </a:xfrm>
+        </p:spPr>
+        <p:txBody>
+          <a:bodyPr>
+            <a:normAutofit fontScale="70000" lnSpcReduction="20000"/>
+          </a:bodyPr>
+          <a:lstStyle/>
+          <a:p>
+            <a:r>
+              <a:rPr lang="en-US" sz="3100" dirty="0"/>
+              <a:t>ES6 classes are mostly just more convenient syntax for constructor </a:t>
+            </a:r>
+            <a:r>
+              <a:rPr lang="en-US" sz="3100" dirty="0" smtClean="0"/>
+              <a:t>functions</a:t>
+            </a:r>
+          </a:p>
+          <a:p>
+            <a:pPr marL="0" indent="0">
+              <a:buNone/>
+            </a:pPr>
+            <a:endParaRPr lang="en-US" sz="3100" dirty="0"/>
+          </a:p>
+          <a:p>
+            <a:pPr marL="0" indent="0">
+              <a:buNone/>
+            </a:pPr>
+            <a:r>
+              <a:rPr lang="en-US" sz="2600" dirty="0" smtClean="0"/>
+              <a:t>ES5 -</a:t>
+            </a:r>
+          </a:p>
+          <a:p>
+            <a:pPr marL="0" indent="0">
+              <a:buNone/>
+            </a:pPr>
+            <a:r>
+              <a:rPr lang="en-US" sz="2600" dirty="0"/>
+              <a:t>function Person(name) {</a:t>
+            </a:r>
+          </a:p>
+          <a:p>
+            <a:pPr marL="0" indent="0">
+              <a:buNone/>
+            </a:pPr>
+            <a:r>
+              <a:rPr lang="en-US" sz="2600" dirty="0"/>
+              <a:t>    this.name = name;</a:t>
+            </a:r>
+          </a:p>
+          <a:p>
+            <a:pPr marL="0" indent="0">
+              <a:buNone/>
+            </a:pPr>
+            <a:r>
+              <a:rPr lang="en-US" sz="2600" dirty="0"/>
+              <a:t>}</a:t>
+            </a:r>
+          </a:p>
+          <a:p>
+            <a:pPr marL="0" indent="0">
+              <a:buNone/>
+            </a:pPr>
+            <a:r>
+              <a:rPr lang="en-US" sz="2600" dirty="0" err="1"/>
+              <a:t>Person.prototype.describe</a:t>
+            </a:r>
+            <a:r>
+              <a:rPr lang="en-US" sz="2600" dirty="0"/>
+              <a:t> = function () {</a:t>
+            </a:r>
+          </a:p>
+          <a:p>
+            <a:pPr marL="0" indent="0">
+              <a:buNone/>
+            </a:pPr>
+            <a:r>
+              <a:rPr lang="en-US" sz="2600" dirty="0"/>
+              <a:t>    return 'Person called '+this.name;</a:t>
+            </a:r>
+          </a:p>
+          <a:p>
+            <a:pPr marL="0" indent="0">
+              <a:buNone/>
+            </a:pPr>
+            <a:r>
+              <a:rPr lang="en-US" sz="2600" dirty="0" smtClean="0"/>
+              <a:t>};</a:t>
+            </a:r>
+          </a:p>
+          <a:p>
+            <a:pPr marL="0" indent="0">
+              <a:buNone/>
+            </a:pPr>
+            <a:endParaRPr lang="en-US" sz="2600" dirty="0" smtClean="0"/>
+          </a:p>
+          <a:p>
+            <a:pPr marL="0" indent="0">
+              <a:buNone/>
+            </a:pPr>
+            <a:r>
+              <a:rPr lang="en-US" sz="2600" dirty="0" smtClean="0"/>
+              <a:t>ES6 -</a:t>
+            </a:r>
+          </a:p>
+          <a:p>
+            <a:pPr marL="0" indent="0">
+              <a:buNone/>
+            </a:pPr>
+            <a:r>
+              <a:rPr lang="en-US" sz="2600" dirty="0"/>
+              <a:t>class Person {</a:t>
+            </a:r>
+          </a:p>
+          <a:p>
+            <a:pPr marL="0" indent="0">
+              <a:buNone/>
+            </a:pPr>
+            <a:r>
+              <a:rPr lang="en-US" sz="2600" dirty="0"/>
+              <a:t>    constructor(name) {</a:t>
+            </a:r>
+          </a:p>
+          <a:p>
+            <a:pPr marL="0" indent="0">
+              <a:buNone/>
+            </a:pPr>
+            <a:r>
+              <a:rPr lang="en-US" sz="2600" dirty="0"/>
+              <a:t>        this.name = name;</a:t>
+            </a:r>
+          </a:p>
+          <a:p>
+            <a:pPr marL="0" indent="0">
+              <a:buNone/>
+            </a:pPr>
+            <a:r>
+              <a:rPr lang="en-US" sz="2600" dirty="0"/>
+              <a:t>    }</a:t>
+            </a:r>
+          </a:p>
+          <a:p>
+            <a:pPr marL="0" indent="0">
+              <a:buNone/>
+            </a:pPr>
+            <a:r>
+              <a:rPr lang="en-US" sz="2600" dirty="0"/>
+              <a:t>    describe() {</a:t>
+            </a:r>
+          </a:p>
+          <a:p>
+            <a:pPr marL="0" indent="0">
+              <a:buNone/>
+            </a:pPr>
+            <a:r>
+              <a:rPr lang="en-US" sz="2600" dirty="0"/>
+              <a:t>        return 'Person called '+this.name;</a:t>
+            </a:r>
+          </a:p>
+          <a:p>
+            <a:pPr marL="0" indent="0">
+              <a:buNone/>
+            </a:pPr>
+            <a:r>
+              <a:rPr lang="en-US" sz="2600" dirty="0"/>
+              <a:t>    }</a:t>
+            </a:r>
+          </a:p>
+          <a:p>
+            <a:pPr marL="0" indent="0">
+              <a:buNone/>
+            </a:pPr>
+            <a:r>
+              <a:rPr lang="en-US" sz="2600" dirty="0"/>
+              <a:t>}</a:t>
+            </a:r>
+          </a:p>
+        </p:txBody>
+      </p:sp>
+    </p:spTree>
+    <p:extLst>
+      <p:ext uri="{BB962C8B-B14F-4D97-AF65-F5344CB8AC3E}">
+        <p14:creationId xmlns:p14="http://schemas.microsoft.com/office/powerpoint/2010/main" val="4221647632"/>
+      </p:ext>
+    </p:extLst>
+  </p:cSld>
+  <p:clrMapOvr>
+    <a:masterClrMapping/>
+  </p:clrMapOvr>
+  <p:timing>
+    <p:tnLst>
+      <p:par>
+        <p:cTn id="1" dur="indefinite" restart="never" nodeType="tmRoot"/>
+      </p:par>
+    </p:tnLst>
+  </p:timing>
+</p:sld>
+</file>
+
+<file path=ppt/slides/slide28.xml><?xml version="1.0" encoding="utf-8"?>
+<p:sld xmlns:a="http://schemas.openxmlformats.org/drawingml/2006/main" xmlns:r="http://schemas.openxmlformats.org/officeDocument/2006/relationships" xmlns:p="http://schemas.openxmlformats.org/presentationml/2006/main">
+  <p:cSld>
+    <p:spTree>
+      <p:nvGrpSpPr>
+        <p:cNvPr id="1" name=""/>
+        <p:cNvGrpSpPr/>
+        <p:nvPr/>
+      </p:nvGrpSpPr>
+      <p:grpSpPr>
+        <a:xfrm>
+          <a:off x="0" y="0"/>
+          <a:ext cx="0" cy="0"/>
+          <a:chOff x="0" y="0"/>
+          <a:chExt cx="0" cy="0"/>
+        </a:xfrm>
+      </p:grpSpPr>
+      <p:sp>
+        <p:nvSpPr>
+          <p:cNvPr id="2" name="Title 1"/>
+          <p:cNvSpPr>
+            <a:spLocks noGrp="1"/>
+          </p:cNvSpPr>
+          <p:nvPr>
+            <p:ph type="title"/>
+          </p:nvPr>
+        </p:nvSpPr>
+        <p:spPr>
+          <a:xfrm>
+            <a:off x="457200" y="274638"/>
+            <a:ext cx="8229600" cy="487362"/>
+          </a:xfrm>
+        </p:spPr>
+        <p:txBody>
+          <a:bodyPr>
+            <a:normAutofit fontScale="90000"/>
+          </a:bodyPr>
+          <a:lstStyle/>
+          <a:p>
+            <a:r>
+              <a:rPr lang="en-US" sz="3200" dirty="0" smtClean="0"/>
+              <a:t>Food For Thought</a:t>
+            </a:r>
+            <a:endParaRPr lang="en-US" sz="3200" dirty="0"/>
+          </a:p>
+        </p:txBody>
+      </p:sp>
+      <p:sp>
+        <p:nvSpPr>
+          <p:cNvPr id="3" name="Content Placeholder 2"/>
+          <p:cNvSpPr>
+            <a:spLocks noGrp="1"/>
+          </p:cNvSpPr>
+          <p:nvPr>
+            <p:ph idx="1"/>
+          </p:nvPr>
+        </p:nvSpPr>
+        <p:spPr>
+          <a:xfrm>
+            <a:off x="457200" y="1447800"/>
+            <a:ext cx="8229600" cy="5181600"/>
+          </a:xfrm>
+        </p:spPr>
+        <p:txBody>
+          <a:bodyPr>
+            <a:normAutofit/>
+          </a:bodyPr>
+          <a:lstStyle/>
+          <a:p>
+            <a:r>
+              <a:rPr lang="en-US" sz="2400" dirty="0"/>
+              <a:t>No separators between members of class definitions</a:t>
+            </a:r>
+          </a:p>
+          <a:p>
+            <a:r>
+              <a:rPr lang="en-US" sz="2400" dirty="0"/>
+              <a:t>Class declarations are not </a:t>
+            </a:r>
+            <a:r>
+              <a:rPr lang="en-US" sz="2400" dirty="0" smtClean="0"/>
+              <a:t>hoisted</a:t>
+            </a:r>
+          </a:p>
+          <a:p>
+            <a:r>
+              <a:rPr lang="en-US" sz="2400" dirty="0" smtClean="0"/>
+              <a:t>Similarly </a:t>
+            </a:r>
+            <a:r>
+              <a:rPr lang="en-US" sz="2400" dirty="0"/>
+              <a:t>to functions, there are two kinds of </a:t>
+            </a:r>
+            <a:r>
+              <a:rPr lang="en-US" sz="2400" i="1" dirty="0"/>
+              <a:t>class definitions</a:t>
+            </a:r>
+            <a:r>
+              <a:rPr lang="en-US" sz="2400" dirty="0"/>
+              <a:t>, two ways to define a class: </a:t>
+            </a:r>
+            <a:r>
+              <a:rPr lang="en-US" sz="2400" i="1" dirty="0"/>
+              <a:t>class declarations</a:t>
+            </a:r>
+            <a:r>
+              <a:rPr lang="en-US" sz="2400" dirty="0"/>
+              <a:t> and </a:t>
+            </a:r>
+            <a:r>
+              <a:rPr lang="en-US" sz="2400" i="1" dirty="0"/>
+              <a:t>class expressions</a:t>
+            </a:r>
+            <a:r>
+              <a:rPr lang="en-US" sz="2400" dirty="0" smtClean="0"/>
+              <a:t>.</a:t>
+            </a:r>
+            <a:endParaRPr lang="en-US" sz="2400" dirty="0"/>
+          </a:p>
+          <a:p>
+            <a:pPr marL="400050" lvl="1" indent="0">
+              <a:buNone/>
+            </a:pPr>
+            <a:r>
+              <a:rPr lang="en-US" sz="2000" dirty="0" err="1"/>
+              <a:t>const</a:t>
+            </a:r>
+            <a:r>
+              <a:rPr lang="en-US" sz="2000" dirty="0"/>
+              <a:t> </a:t>
+            </a:r>
+            <a:r>
+              <a:rPr lang="en-US" sz="2000" dirty="0" err="1"/>
+              <a:t>MyClass</a:t>
+            </a:r>
+            <a:r>
+              <a:rPr lang="en-US" sz="2000" dirty="0"/>
+              <a:t> = class {</a:t>
+            </a:r>
+          </a:p>
+          <a:p>
+            <a:pPr marL="400050" lvl="1" indent="0">
+              <a:buNone/>
+            </a:pPr>
+            <a:r>
+              <a:rPr lang="en-US" sz="2000" dirty="0"/>
+              <a:t>    ···</a:t>
+            </a:r>
+          </a:p>
+          <a:p>
+            <a:pPr marL="400050" lvl="1" indent="0">
+              <a:buNone/>
+            </a:pPr>
+            <a:r>
+              <a:rPr lang="en-US" sz="2000" dirty="0"/>
+              <a:t>};</a:t>
+            </a:r>
+          </a:p>
+          <a:p>
+            <a:pPr marL="400050" lvl="1" indent="0">
+              <a:buNone/>
+            </a:pPr>
+            <a:r>
+              <a:rPr lang="en-US" sz="2000" dirty="0" err="1"/>
+              <a:t>const</a:t>
+            </a:r>
+            <a:r>
+              <a:rPr lang="en-US" sz="2000" dirty="0"/>
+              <a:t> </a:t>
+            </a:r>
+            <a:r>
+              <a:rPr lang="en-US" sz="2000" dirty="0" err="1"/>
+              <a:t>inst</a:t>
+            </a:r>
+            <a:r>
+              <a:rPr lang="en-US" sz="2000" dirty="0"/>
+              <a:t> = new </a:t>
+            </a:r>
+            <a:r>
+              <a:rPr lang="en-US" sz="2000" dirty="0" err="1"/>
+              <a:t>MyClass</a:t>
+            </a:r>
+            <a:r>
+              <a:rPr lang="en-US" sz="2000" dirty="0" smtClean="0"/>
+              <a:t>();</a:t>
+            </a:r>
+          </a:p>
+          <a:p>
+            <a:pPr marL="400050" lvl="1" indent="0">
+              <a:buNone/>
+            </a:pPr>
+            <a:endParaRPr lang="en-US" sz="2000" dirty="0"/>
+          </a:p>
+          <a:p>
+            <a:endParaRPr lang="en-US" sz="2400" dirty="0"/>
+          </a:p>
+        </p:txBody>
+      </p:sp>
+    </p:spTree>
+    <p:extLst>
+      <p:ext uri="{BB962C8B-B14F-4D97-AF65-F5344CB8AC3E}">
+        <p14:creationId xmlns:p14="http://schemas.microsoft.com/office/powerpoint/2010/main" val="2549788422"/>
+      </p:ext>
+    </p:extLst>
+  </p:cSld>
+  <p:clrMapOvr>
+    <a:masterClrMapping/>
+  </p:clrMapOvr>
+  <p:timing>
+    <p:tnLst>
+      <p:par>
+        <p:cTn id="1" dur="indefinite" restart="never" nodeType="tmRoot"/>
+      </p:par>
+    </p:tnLst>
+  </p:timing>
+</p:sld>
+</file>
+
+<file path=ppt/slides/slide29.xml><?xml version="1.0" encoding="utf-8"?>
+<p:sld xmlns:a="http://schemas.openxmlformats.org/drawingml/2006/main" xmlns:r="http://schemas.openxmlformats.org/officeDocument/2006/relationships" xmlns:p="http://schemas.openxmlformats.org/presentationml/2006/main">
+  <p:cSld>
+    <p:spTree>
+      <p:nvGrpSpPr>
+        <p:cNvPr id="1" name=""/>
+        <p:cNvGrpSpPr/>
+        <p:nvPr/>
+      </p:nvGrpSpPr>
+      <p:grpSpPr>
+        <a:xfrm>
+          <a:off x="0" y="0"/>
+          <a:ext cx="0" cy="0"/>
+          <a:chOff x="0" y="0"/>
+          <a:chExt cx="0" cy="0"/>
+        </a:xfrm>
+      </p:grpSpPr>
+      <p:sp>
+        <p:nvSpPr>
+          <p:cNvPr id="3" name="Content Placeholder 2"/>
+          <p:cNvSpPr>
+            <a:spLocks noGrp="1"/>
+          </p:cNvSpPr>
+          <p:nvPr>
+            <p:ph idx="1"/>
+          </p:nvPr>
+        </p:nvSpPr>
+        <p:spPr>
+          <a:xfrm>
+            <a:off x="457200" y="76200"/>
+            <a:ext cx="8229600" cy="6629400"/>
+          </a:xfrm>
+        </p:spPr>
+        <p:txBody>
+          <a:bodyPr>
+            <a:normAutofit fontScale="92500" lnSpcReduction="10000"/>
+          </a:bodyPr>
+          <a:lstStyle/>
+          <a:p>
+            <a:r>
+              <a:rPr lang="en-US" sz="2400" b="1" dirty="0"/>
+              <a:t> </a:t>
+            </a:r>
+            <a:r>
+              <a:rPr lang="en-US" sz="2400" dirty="0"/>
+              <a:t>Inside the body of a class definition</a:t>
+            </a:r>
+          </a:p>
+          <a:p>
+            <a:pPr marL="0" indent="0">
+              <a:buNone/>
+            </a:pPr>
+            <a:r>
+              <a:rPr lang="en-US" sz="2400" dirty="0"/>
+              <a:t>	</a:t>
+            </a:r>
+            <a:r>
+              <a:rPr lang="en-US" sz="2400" dirty="0" smtClean="0"/>
+              <a:t>- </a:t>
+            </a:r>
+            <a:r>
+              <a:rPr lang="en-US" sz="2400" dirty="0"/>
+              <a:t>A class body can only contain methods, but not data </a:t>
+            </a:r>
+            <a:r>
+              <a:rPr lang="en-US" sz="2400" dirty="0" smtClean="0"/>
+              <a:t>	properties</a:t>
+            </a:r>
+            <a:r>
+              <a:rPr lang="en-US" sz="2400" dirty="0"/>
+              <a:t>. </a:t>
+            </a:r>
+            <a:endParaRPr lang="en-US" sz="2400" dirty="0" smtClean="0"/>
+          </a:p>
+          <a:p>
+            <a:r>
+              <a:rPr lang="en-US" sz="2400" dirty="0" smtClean="0"/>
+              <a:t>Class </a:t>
+            </a:r>
+            <a:r>
+              <a:rPr lang="en-US" sz="2400" dirty="0"/>
+              <a:t>contains constructor, static methods, prototype </a:t>
+            </a:r>
+            <a:r>
+              <a:rPr lang="en-US" sz="2400" dirty="0" smtClean="0"/>
+              <a:t>methods</a:t>
+            </a:r>
+          </a:p>
+          <a:p>
+            <a:pPr marL="0" indent="0">
+              <a:buNone/>
+            </a:pPr>
+            <a:r>
+              <a:rPr lang="en-US" sz="2400" dirty="0" smtClean="0"/>
+              <a:t>Ex.</a:t>
+            </a:r>
+          </a:p>
+          <a:p>
+            <a:pPr marL="0" indent="0">
+              <a:buNone/>
+            </a:pPr>
+            <a:r>
+              <a:rPr lang="en-US" sz="2400" dirty="0"/>
+              <a:t>class Foo {</a:t>
+            </a:r>
+          </a:p>
+          <a:p>
+            <a:pPr marL="0" indent="0">
+              <a:buNone/>
+            </a:pPr>
+            <a:r>
+              <a:rPr lang="en-US" sz="2400" dirty="0"/>
+              <a:t>    constructor(prop) {</a:t>
+            </a:r>
+          </a:p>
+          <a:p>
+            <a:pPr marL="0" indent="0">
+              <a:buNone/>
+            </a:pPr>
+            <a:r>
+              <a:rPr lang="en-US" sz="2400" dirty="0"/>
+              <a:t>        </a:t>
+            </a:r>
+            <a:r>
+              <a:rPr lang="en-US" sz="2400" dirty="0" err="1"/>
+              <a:t>this.prop</a:t>
+            </a:r>
+            <a:r>
+              <a:rPr lang="en-US" sz="2400" dirty="0"/>
+              <a:t> = prop;</a:t>
+            </a:r>
+          </a:p>
+          <a:p>
+            <a:pPr marL="0" indent="0">
+              <a:buNone/>
+            </a:pPr>
+            <a:r>
+              <a:rPr lang="en-US" sz="2400" dirty="0"/>
+              <a:t>    }</a:t>
+            </a:r>
+          </a:p>
+          <a:p>
+            <a:pPr marL="0" indent="0">
+              <a:buNone/>
+            </a:pPr>
+            <a:r>
+              <a:rPr lang="en-US" sz="2400" dirty="0"/>
+              <a:t>    static </a:t>
+            </a:r>
+            <a:r>
+              <a:rPr lang="en-US" sz="2400" dirty="0" err="1"/>
+              <a:t>staticMethod</a:t>
+            </a:r>
+            <a:r>
+              <a:rPr lang="en-US" sz="2400" dirty="0"/>
+              <a:t>() {</a:t>
+            </a:r>
+          </a:p>
+          <a:p>
+            <a:pPr marL="0" indent="0">
+              <a:buNone/>
+            </a:pPr>
+            <a:r>
+              <a:rPr lang="en-US" sz="2400" dirty="0"/>
+              <a:t>        return 'classy';</a:t>
+            </a:r>
+          </a:p>
+          <a:p>
+            <a:pPr marL="0" indent="0">
+              <a:buNone/>
+            </a:pPr>
+            <a:r>
+              <a:rPr lang="en-US" sz="2400" dirty="0"/>
+              <a:t>    }</a:t>
+            </a:r>
+          </a:p>
+          <a:p>
+            <a:pPr marL="0" indent="0">
+              <a:buNone/>
+            </a:pPr>
+            <a:r>
+              <a:rPr lang="en-US" sz="2400" dirty="0"/>
+              <a:t>    </a:t>
+            </a:r>
+            <a:r>
+              <a:rPr lang="en-US" sz="2400" dirty="0" err="1"/>
+              <a:t>prototypeMethod</a:t>
+            </a:r>
+            <a:r>
+              <a:rPr lang="en-US" sz="2400" dirty="0"/>
+              <a:t>() {</a:t>
+            </a:r>
+          </a:p>
+          <a:p>
+            <a:pPr marL="0" indent="0">
+              <a:buNone/>
+            </a:pPr>
+            <a:r>
+              <a:rPr lang="en-US" sz="2400" dirty="0"/>
+              <a:t>        return 'prototypical';</a:t>
+            </a:r>
+          </a:p>
+          <a:p>
+            <a:pPr marL="0" indent="0">
+              <a:buNone/>
+            </a:pPr>
+            <a:r>
+              <a:rPr lang="en-US" sz="2400" dirty="0"/>
+              <a:t>    }</a:t>
+            </a:r>
+          </a:p>
+          <a:p>
+            <a:pPr marL="0" indent="0">
+              <a:buNone/>
+            </a:pPr>
+            <a:r>
+              <a:rPr lang="en-US" sz="2400" dirty="0"/>
+              <a:t>}</a:t>
+            </a:r>
+          </a:p>
+          <a:p>
+            <a:pPr marL="0" indent="0">
+              <a:buNone/>
+            </a:pPr>
+            <a:r>
+              <a:rPr lang="en-US" sz="2400" dirty="0" err="1"/>
+              <a:t>const</a:t>
+            </a:r>
+            <a:r>
+              <a:rPr lang="en-US" sz="2400" dirty="0"/>
+              <a:t> foo = new Foo(123);</a:t>
+            </a:r>
+          </a:p>
+        </p:txBody>
+      </p:sp>
+    </p:spTree>
+    <p:extLst>
+      <p:ext uri="{BB962C8B-B14F-4D97-AF65-F5344CB8AC3E}">
+        <p14:creationId xmlns:p14="http://schemas.microsoft.com/office/powerpoint/2010/main" val="6668652"/>
+      </p:ext>
+    </p:extLst>
+  </p:cSld>
+  <p:clrMapOvr>
+    <a:masterClrMapping/>
+  </p:clrMapOvr>
+  <p:timing>
+    <p:tnLst>
+      <p:par>
+        <p:cTn id="1" dur="indefinite" restart="never" nodeType="tmRoot"/>
+      </p:par>
+    </p:tnLst>
+  </p:timing>
+</p:sld>
+</file>
+
 <file path=ppt/slides/slide3.xml><?xml version="1.0" encoding="utf-8"?>
 <p:sld xmlns:a="http://schemas.openxmlformats.org/drawingml/2006/main" xmlns:r="http://schemas.openxmlformats.org/officeDocument/2006/relationships" xmlns:p="http://schemas.openxmlformats.org/presentationml/2006/main">
   <p:cSld>
@@ -7522,6 +8258,640 @@
       </p:par>
     </p:tnLst>
   </p:timing>
+</p:sld>
+</file>
+
+<file path=ppt/slides/slide30.xml><?xml version="1.0" encoding="utf-8"?>
+<p:sld xmlns:a="http://schemas.openxmlformats.org/drawingml/2006/main" xmlns:r="http://schemas.openxmlformats.org/officeDocument/2006/relationships" xmlns:p="http://schemas.openxmlformats.org/presentationml/2006/main">
+  <p:cSld>
+    <p:spTree>
+      <p:nvGrpSpPr>
+        <p:cNvPr id="1" name=""/>
+        <p:cNvGrpSpPr/>
+        <p:nvPr/>
+      </p:nvGrpSpPr>
+      <p:grpSpPr>
+        <a:xfrm>
+          <a:off x="0" y="0"/>
+          <a:ext cx="0" cy="0"/>
+          <a:chOff x="0" y="0"/>
+          <a:chExt cx="0" cy="0"/>
+        </a:xfrm>
+      </p:grpSpPr>
+      <p:sp>
+        <p:nvSpPr>
+          <p:cNvPr id="2" name="Title 1"/>
+          <p:cNvSpPr>
+            <a:spLocks noGrp="1"/>
+          </p:cNvSpPr>
+          <p:nvPr>
+            <p:ph type="title"/>
+          </p:nvPr>
+        </p:nvSpPr>
+        <p:spPr>
+          <a:xfrm>
+            <a:off x="457200" y="274638"/>
+            <a:ext cx="8229600" cy="487362"/>
+          </a:xfrm>
+        </p:spPr>
+        <p:txBody>
+          <a:bodyPr>
+            <a:normAutofit fontScale="90000"/>
+          </a:bodyPr>
+          <a:lstStyle/>
+          <a:p>
+            <a:r>
+              <a:rPr lang="en-US" sz="3200" b="1" dirty="0" err="1" smtClean="0"/>
+              <a:t>Subclassing</a:t>
+            </a:r>
+            <a:endParaRPr lang="en-US" sz="3200" dirty="0"/>
+          </a:p>
+        </p:txBody>
+      </p:sp>
+      <p:sp>
+        <p:nvSpPr>
+          <p:cNvPr id="3" name="Content Placeholder 2"/>
+          <p:cNvSpPr>
+            <a:spLocks noGrp="1"/>
+          </p:cNvSpPr>
+          <p:nvPr>
+            <p:ph idx="1"/>
+          </p:nvPr>
+        </p:nvSpPr>
+        <p:spPr>
+          <a:xfrm>
+            <a:off x="457200" y="990600"/>
+            <a:ext cx="8229600" cy="5638800"/>
+          </a:xfrm>
+        </p:spPr>
+        <p:txBody>
+          <a:bodyPr>
+            <a:normAutofit fontScale="70000" lnSpcReduction="20000"/>
+          </a:bodyPr>
+          <a:lstStyle/>
+          <a:p>
+            <a:r>
+              <a:rPr lang="en-US" sz="2900" dirty="0"/>
+              <a:t>The extends clause lets you create a subclass of an existing </a:t>
+            </a:r>
+            <a:r>
+              <a:rPr lang="en-US" sz="2900" dirty="0" smtClean="0"/>
+              <a:t>constructor</a:t>
+            </a:r>
+          </a:p>
+          <a:p>
+            <a:pPr marL="0" indent="0">
+              <a:buNone/>
+            </a:pPr>
+            <a:r>
+              <a:rPr lang="en-US" sz="2400" dirty="0" smtClean="0"/>
+              <a:t>Ex.</a:t>
+            </a:r>
+          </a:p>
+          <a:p>
+            <a:pPr marL="0" indent="0">
+              <a:buNone/>
+            </a:pPr>
+            <a:r>
+              <a:rPr lang="en-US" sz="2400" dirty="0" smtClean="0"/>
+              <a:t>class </a:t>
+            </a:r>
+            <a:r>
+              <a:rPr lang="en-US" sz="2400" dirty="0"/>
+              <a:t>Point {</a:t>
+            </a:r>
+          </a:p>
+          <a:p>
+            <a:pPr marL="0" indent="0">
+              <a:buNone/>
+            </a:pPr>
+            <a:r>
+              <a:rPr lang="en-US" sz="2400" dirty="0"/>
+              <a:t>    constructor(x, y) {</a:t>
+            </a:r>
+          </a:p>
+          <a:p>
+            <a:pPr marL="0" indent="0">
+              <a:buNone/>
+            </a:pPr>
+            <a:r>
+              <a:rPr lang="en-US" sz="2400" dirty="0"/>
+              <a:t>        </a:t>
+            </a:r>
+            <a:r>
+              <a:rPr lang="en-US" sz="2400" dirty="0" err="1"/>
+              <a:t>this.x</a:t>
+            </a:r>
+            <a:r>
+              <a:rPr lang="en-US" sz="2400" dirty="0"/>
+              <a:t> = x;</a:t>
+            </a:r>
+          </a:p>
+          <a:p>
+            <a:pPr marL="0" indent="0">
+              <a:buNone/>
+            </a:pPr>
+            <a:r>
+              <a:rPr lang="en-US" sz="2400" dirty="0"/>
+              <a:t>        </a:t>
+            </a:r>
+            <a:r>
+              <a:rPr lang="en-US" sz="2400" dirty="0" err="1"/>
+              <a:t>this.y</a:t>
+            </a:r>
+            <a:r>
+              <a:rPr lang="en-US" sz="2400" dirty="0"/>
+              <a:t> = y;</a:t>
+            </a:r>
+          </a:p>
+          <a:p>
+            <a:pPr marL="0" indent="0">
+              <a:buNone/>
+            </a:pPr>
+            <a:r>
+              <a:rPr lang="en-US" sz="2400" dirty="0"/>
+              <a:t>    }</a:t>
+            </a:r>
+          </a:p>
+          <a:p>
+            <a:pPr marL="0" indent="0">
+              <a:buNone/>
+            </a:pPr>
+            <a:r>
+              <a:rPr lang="en-US" sz="2400" dirty="0"/>
+              <a:t>    </a:t>
+            </a:r>
+            <a:r>
+              <a:rPr lang="en-US" sz="2400" dirty="0" err="1"/>
+              <a:t>toString</a:t>
+            </a:r>
+            <a:r>
+              <a:rPr lang="en-US" sz="2400" dirty="0"/>
+              <a:t>() {</a:t>
+            </a:r>
+          </a:p>
+          <a:p>
+            <a:pPr marL="0" indent="0">
+              <a:buNone/>
+            </a:pPr>
+            <a:r>
+              <a:rPr lang="en-US" sz="2400" dirty="0"/>
+              <a:t>        return `(${</a:t>
+            </a:r>
+            <a:r>
+              <a:rPr lang="en-US" sz="2400" dirty="0" err="1"/>
+              <a:t>this.x</a:t>
+            </a:r>
+            <a:r>
+              <a:rPr lang="en-US" sz="2400" dirty="0"/>
+              <a:t>}, ${</a:t>
+            </a:r>
+            <a:r>
+              <a:rPr lang="en-US" sz="2400" dirty="0" err="1"/>
+              <a:t>this.y</a:t>
+            </a:r>
+            <a:r>
+              <a:rPr lang="en-US" sz="2400" dirty="0"/>
+              <a:t>})`;</a:t>
+            </a:r>
+          </a:p>
+          <a:p>
+            <a:pPr marL="0" indent="0">
+              <a:buNone/>
+            </a:pPr>
+            <a:r>
+              <a:rPr lang="en-US" sz="2400" dirty="0"/>
+              <a:t>    }</a:t>
+            </a:r>
+          </a:p>
+          <a:p>
+            <a:pPr marL="0" indent="0">
+              <a:buNone/>
+            </a:pPr>
+            <a:r>
+              <a:rPr lang="en-US" sz="2400" dirty="0"/>
+              <a:t>}</a:t>
+            </a:r>
+          </a:p>
+          <a:p>
+            <a:pPr marL="0" indent="0">
+              <a:buNone/>
+            </a:pPr>
+            <a:endParaRPr lang="en-US" sz="2400" dirty="0"/>
+          </a:p>
+          <a:p>
+            <a:pPr marL="0" indent="0">
+              <a:buNone/>
+            </a:pPr>
+            <a:r>
+              <a:rPr lang="en-US" sz="2400" dirty="0"/>
+              <a:t>class </a:t>
+            </a:r>
+            <a:r>
+              <a:rPr lang="en-US" sz="2400" dirty="0" err="1"/>
+              <a:t>ColorPoint</a:t>
+            </a:r>
+            <a:r>
+              <a:rPr lang="en-US" sz="2400" dirty="0"/>
+              <a:t> </a:t>
+            </a:r>
+            <a:r>
+              <a:rPr lang="en-US" sz="2400" dirty="0">
+                <a:solidFill>
+                  <a:srgbClr val="FF0000"/>
+                </a:solidFill>
+              </a:rPr>
+              <a:t>extends</a:t>
+            </a:r>
+            <a:r>
+              <a:rPr lang="en-US" sz="2400" dirty="0"/>
+              <a:t> Point {</a:t>
+            </a:r>
+          </a:p>
+          <a:p>
+            <a:pPr marL="0" indent="0">
+              <a:buNone/>
+            </a:pPr>
+            <a:r>
+              <a:rPr lang="en-US" sz="2400" dirty="0"/>
+              <a:t>    constructor(x, y, color) {</a:t>
+            </a:r>
+          </a:p>
+          <a:p>
+            <a:pPr marL="0" indent="0">
+              <a:buNone/>
+            </a:pPr>
+            <a:r>
+              <a:rPr lang="en-US" sz="2400" dirty="0"/>
+              <a:t>        super(x, y); // (A)</a:t>
+            </a:r>
+          </a:p>
+          <a:p>
+            <a:pPr marL="0" indent="0">
+              <a:buNone/>
+            </a:pPr>
+            <a:r>
+              <a:rPr lang="en-US" sz="2400" dirty="0"/>
+              <a:t>        </a:t>
+            </a:r>
+            <a:r>
+              <a:rPr lang="en-US" sz="2400" dirty="0" err="1"/>
+              <a:t>this.color</a:t>
+            </a:r>
+            <a:r>
+              <a:rPr lang="en-US" sz="2400" dirty="0"/>
+              <a:t> = color;</a:t>
+            </a:r>
+          </a:p>
+          <a:p>
+            <a:pPr marL="0" indent="0">
+              <a:buNone/>
+            </a:pPr>
+            <a:r>
+              <a:rPr lang="en-US" sz="2400" dirty="0"/>
+              <a:t>    }</a:t>
+            </a:r>
+          </a:p>
+          <a:p>
+            <a:pPr marL="0" indent="0">
+              <a:buNone/>
+            </a:pPr>
+            <a:r>
+              <a:rPr lang="en-US" sz="2400" dirty="0"/>
+              <a:t>    </a:t>
+            </a:r>
+            <a:r>
+              <a:rPr lang="en-US" sz="2400" dirty="0" err="1"/>
+              <a:t>toString</a:t>
+            </a:r>
+            <a:r>
+              <a:rPr lang="en-US" sz="2400" dirty="0"/>
+              <a:t>() {</a:t>
+            </a:r>
+          </a:p>
+          <a:p>
+            <a:pPr marL="0" indent="0">
+              <a:buNone/>
+            </a:pPr>
+            <a:r>
+              <a:rPr lang="en-US" sz="2400" dirty="0"/>
+              <a:t>        return </a:t>
+            </a:r>
+            <a:r>
+              <a:rPr lang="en-US" sz="2400" dirty="0" err="1"/>
+              <a:t>super.toString</a:t>
+            </a:r>
+            <a:r>
+              <a:rPr lang="en-US" sz="2400" dirty="0"/>
+              <a:t>() + ' in ' + </a:t>
+            </a:r>
+            <a:r>
+              <a:rPr lang="en-US" sz="2400" dirty="0" err="1"/>
+              <a:t>this.color</a:t>
+            </a:r>
+            <a:r>
+              <a:rPr lang="en-US" sz="2400" dirty="0"/>
+              <a:t>; // (B)</a:t>
+            </a:r>
+          </a:p>
+          <a:p>
+            <a:pPr marL="0" indent="0">
+              <a:buNone/>
+            </a:pPr>
+            <a:r>
+              <a:rPr lang="en-US" sz="2400" dirty="0"/>
+              <a:t>    }</a:t>
+            </a:r>
+          </a:p>
+          <a:p>
+            <a:pPr marL="0" indent="0">
+              <a:buNone/>
+            </a:pPr>
+            <a:r>
+              <a:rPr lang="en-US" sz="2400" dirty="0"/>
+              <a:t>}</a:t>
+            </a:r>
+          </a:p>
+        </p:txBody>
+      </p:sp>
+    </p:spTree>
+    <p:extLst>
+      <p:ext uri="{BB962C8B-B14F-4D97-AF65-F5344CB8AC3E}">
+        <p14:creationId xmlns:p14="http://schemas.microsoft.com/office/powerpoint/2010/main" val="735066637"/>
+      </p:ext>
+    </p:extLst>
+  </p:cSld>
+  <p:clrMapOvr>
+    <a:masterClrMapping/>
+  </p:clrMapOvr>
+  <p:timing>
+    <p:tnLst>
+      <p:par>
+        <p:cTn id="1" dur="indefinite" restart="never" nodeType="tmRoot"/>
+      </p:par>
+    </p:tnLst>
+  </p:timing>
+</p:sld>
+</file>
+
+<file path=ppt/slides/slide31.xml><?xml version="1.0" encoding="utf-8"?>
+<p:sld xmlns:a="http://schemas.openxmlformats.org/drawingml/2006/main" xmlns:r="http://schemas.openxmlformats.org/officeDocument/2006/relationships" xmlns:p="http://schemas.openxmlformats.org/presentationml/2006/main">
+  <p:cSld>
+    <p:spTree>
+      <p:nvGrpSpPr>
+        <p:cNvPr id="1" name=""/>
+        <p:cNvGrpSpPr/>
+        <p:nvPr/>
+      </p:nvGrpSpPr>
+      <p:grpSpPr>
+        <a:xfrm>
+          <a:off x="0" y="0"/>
+          <a:ext cx="0" cy="0"/>
+          <a:chOff x="0" y="0"/>
+          <a:chExt cx="0" cy="0"/>
+        </a:xfrm>
+      </p:grpSpPr>
+      <p:sp>
+        <p:nvSpPr>
+          <p:cNvPr id="3" name="Content Placeholder 2"/>
+          <p:cNvSpPr>
+            <a:spLocks noGrp="1"/>
+          </p:cNvSpPr>
+          <p:nvPr>
+            <p:ph idx="1"/>
+          </p:nvPr>
+        </p:nvSpPr>
+        <p:spPr>
+          <a:xfrm>
+            <a:off x="457200" y="304800"/>
+            <a:ext cx="8229600" cy="5821363"/>
+          </a:xfrm>
+        </p:spPr>
+        <p:txBody>
+          <a:bodyPr>
+            <a:normAutofit fontScale="92500" lnSpcReduction="10000"/>
+          </a:bodyPr>
+          <a:lstStyle/>
+          <a:p>
+            <a:r>
+              <a:rPr lang="en-US" sz="2400" dirty="0" err="1"/>
+              <a:t>Superconstructor</a:t>
+            </a:r>
+            <a:r>
+              <a:rPr lang="en-US" sz="2400" dirty="0"/>
+              <a:t> </a:t>
+            </a:r>
+            <a:r>
+              <a:rPr lang="en-US" sz="2400" dirty="0" smtClean="0"/>
+              <a:t>calls </a:t>
+            </a:r>
+            <a:r>
+              <a:rPr lang="en-US" sz="2400" dirty="0"/>
+              <a:t>– In a derived class, you must call super() before you can use </a:t>
+            </a:r>
+            <a:r>
+              <a:rPr lang="en-US" sz="2400" dirty="0" smtClean="0"/>
+              <a:t>this</a:t>
+            </a:r>
+          </a:p>
+          <a:p>
+            <a:pPr marL="0" indent="0">
+              <a:buNone/>
+            </a:pPr>
+            <a:endParaRPr lang="en-US" sz="2400" dirty="0" smtClean="0"/>
+          </a:p>
+          <a:p>
+            <a:pPr marL="0" indent="0">
+              <a:buNone/>
+            </a:pPr>
+            <a:r>
+              <a:rPr lang="en-US" sz="2400" dirty="0" smtClean="0"/>
+              <a:t>Ex.</a:t>
+            </a:r>
+          </a:p>
+          <a:p>
+            <a:pPr marL="0" indent="0">
+              <a:buNone/>
+            </a:pPr>
+            <a:endParaRPr lang="en-US" sz="2400" dirty="0"/>
+          </a:p>
+          <a:p>
+            <a:pPr marL="0" indent="0">
+              <a:buNone/>
+            </a:pPr>
+            <a:r>
+              <a:rPr lang="en-US" sz="2400" dirty="0"/>
+              <a:t>class Foo {}</a:t>
+            </a:r>
+          </a:p>
+          <a:p>
+            <a:pPr marL="0" indent="0">
+              <a:buNone/>
+            </a:pPr>
+            <a:endParaRPr lang="en-US" sz="2400" dirty="0"/>
+          </a:p>
+          <a:p>
+            <a:pPr marL="0" indent="0">
+              <a:buNone/>
+            </a:pPr>
+            <a:r>
+              <a:rPr lang="en-US" sz="2400" dirty="0"/>
+              <a:t>class Bar extends Foo {</a:t>
+            </a:r>
+          </a:p>
+          <a:p>
+            <a:pPr marL="0" indent="0">
+              <a:buNone/>
+            </a:pPr>
+            <a:r>
+              <a:rPr lang="en-US" sz="2400" dirty="0"/>
+              <a:t>    constructor(</a:t>
+            </a:r>
+            <a:r>
+              <a:rPr lang="en-US" sz="2400" dirty="0" err="1"/>
+              <a:t>num</a:t>
+            </a:r>
+            <a:r>
+              <a:rPr lang="en-US" sz="2400" dirty="0"/>
+              <a:t>) {</a:t>
+            </a:r>
+          </a:p>
+          <a:p>
+            <a:pPr marL="0" indent="0">
+              <a:buNone/>
+            </a:pPr>
+            <a:r>
+              <a:rPr lang="en-US" sz="2400" dirty="0"/>
+              <a:t>        </a:t>
+            </a:r>
+            <a:r>
+              <a:rPr lang="en-US" sz="2400" dirty="0" err="1"/>
+              <a:t>const</a:t>
+            </a:r>
+            <a:r>
+              <a:rPr lang="en-US" sz="2400" dirty="0"/>
+              <a:t> </a:t>
+            </a:r>
+            <a:r>
+              <a:rPr lang="en-US" sz="2400" dirty="0" err="1"/>
+              <a:t>tmp</a:t>
+            </a:r>
+            <a:r>
+              <a:rPr lang="en-US" sz="2400" dirty="0"/>
+              <a:t> = </a:t>
+            </a:r>
+            <a:r>
+              <a:rPr lang="en-US" sz="2400" dirty="0" err="1"/>
+              <a:t>num</a:t>
+            </a:r>
+            <a:r>
+              <a:rPr lang="en-US" sz="2400" dirty="0"/>
+              <a:t> * 2; // OK</a:t>
+            </a:r>
+          </a:p>
+          <a:p>
+            <a:pPr marL="0" indent="0">
+              <a:buNone/>
+            </a:pPr>
+            <a:r>
+              <a:rPr lang="en-US" sz="2400" dirty="0"/>
+              <a:t>        </a:t>
+            </a:r>
+            <a:r>
+              <a:rPr lang="en-US" sz="2400" dirty="0" err="1"/>
+              <a:t>this.num</a:t>
+            </a:r>
+            <a:r>
+              <a:rPr lang="en-US" sz="2400" dirty="0"/>
+              <a:t> = </a:t>
+            </a:r>
+            <a:r>
+              <a:rPr lang="en-US" sz="2400" dirty="0" err="1"/>
+              <a:t>num</a:t>
+            </a:r>
+            <a:r>
+              <a:rPr lang="en-US" sz="2400" dirty="0"/>
+              <a:t>; // </a:t>
+            </a:r>
+            <a:r>
+              <a:rPr lang="en-US" sz="2400" dirty="0" err="1">
+                <a:solidFill>
+                  <a:srgbClr val="FF0000"/>
+                </a:solidFill>
+              </a:rPr>
+              <a:t>ReferenceError</a:t>
+            </a:r>
+            <a:endParaRPr lang="en-US" sz="2400" dirty="0">
+              <a:solidFill>
+                <a:srgbClr val="FF0000"/>
+              </a:solidFill>
+            </a:endParaRPr>
+          </a:p>
+          <a:p>
+            <a:pPr marL="0" indent="0">
+              <a:buNone/>
+            </a:pPr>
+            <a:r>
+              <a:rPr lang="en-US" sz="2400" dirty="0"/>
+              <a:t>        super();</a:t>
+            </a:r>
+          </a:p>
+          <a:p>
+            <a:pPr marL="0" indent="0">
+              <a:buNone/>
+            </a:pPr>
+            <a:r>
+              <a:rPr lang="en-US" sz="2400" dirty="0"/>
+              <a:t>        </a:t>
+            </a:r>
+            <a:r>
+              <a:rPr lang="en-US" sz="2400" dirty="0" err="1"/>
+              <a:t>this.num</a:t>
+            </a:r>
+            <a:r>
+              <a:rPr lang="en-US" sz="2400" dirty="0"/>
+              <a:t> = </a:t>
+            </a:r>
+            <a:r>
+              <a:rPr lang="en-US" sz="2400" dirty="0" err="1"/>
+              <a:t>num</a:t>
+            </a:r>
+            <a:r>
+              <a:rPr lang="en-US" sz="2400" dirty="0"/>
+              <a:t>; // OK</a:t>
+            </a:r>
+          </a:p>
+          <a:p>
+            <a:pPr marL="0" indent="0">
+              <a:buNone/>
+            </a:pPr>
+            <a:r>
+              <a:rPr lang="en-US" sz="2400" dirty="0"/>
+              <a:t>    }</a:t>
+            </a:r>
+          </a:p>
+          <a:p>
+            <a:pPr marL="0" indent="0">
+              <a:buNone/>
+            </a:pPr>
+            <a:r>
+              <a:rPr lang="en-US" sz="2400" dirty="0"/>
+              <a:t>}</a:t>
+            </a:r>
+            <a:endParaRPr lang="en-US" sz="2400" dirty="0"/>
+          </a:p>
+        </p:txBody>
+      </p:sp>
+    </p:spTree>
+    <p:extLst>
+      <p:ext uri="{BB962C8B-B14F-4D97-AF65-F5344CB8AC3E}">
+        <p14:creationId xmlns:p14="http://schemas.microsoft.com/office/powerpoint/2010/main" val="3224785233"/>
+      </p:ext>
+    </p:extLst>
+  </p:cSld>
+  <p:clrMapOvr>
+    <a:masterClrMapping/>
+  </p:clrMapOvr>
 </p:sld>
 </file>
 

--- a/es6/ES6.pptx
+++ b/es6/ES6.pptx
@@ -36,6 +36,7 @@
     <p:sldId id="284" r:id="rId30"/>
     <p:sldId id="285" r:id="rId31"/>
     <p:sldId id="286" r:id="rId32"/>
+    <p:sldId id="287" r:id="rId33"/>
   </p:sldIdLst>
   <p:sldSz cx="9144000" cy="6858000" type="screen4x3"/>
   <p:notesSz cx="6858000" cy="9144000"/>
@@ -335,7 +336,7 @@
             <a:fld id="{753D5844-1E3E-4A10-9E80-1C6CD138905E}" type="datetimeFigureOut">
               <a:rPr lang="en-US" smtClean="0"/>
               <a:pPr/>
-              <a:t>12/27/2016</a:t>
+              <a:t>12/28/2016</a:t>
             </a:fld>
             <a:endParaRPr lang="en-US"/>
           </a:p>
@@ -502,7 +503,7 @@
             <a:fld id="{753D5844-1E3E-4A10-9E80-1C6CD138905E}" type="datetimeFigureOut">
               <a:rPr lang="en-US" smtClean="0"/>
               <a:pPr/>
-              <a:t>12/27/2016</a:t>
+              <a:t>12/28/2016</a:t>
             </a:fld>
             <a:endParaRPr lang="en-US"/>
           </a:p>
@@ -679,7 +680,7 @@
             <a:fld id="{753D5844-1E3E-4A10-9E80-1C6CD138905E}" type="datetimeFigureOut">
               <a:rPr lang="en-US" smtClean="0"/>
               <a:pPr/>
-              <a:t>12/27/2016</a:t>
+              <a:t>12/28/2016</a:t>
             </a:fld>
             <a:endParaRPr lang="en-US"/>
           </a:p>
@@ -846,7 +847,7 @@
             <a:fld id="{753D5844-1E3E-4A10-9E80-1C6CD138905E}" type="datetimeFigureOut">
               <a:rPr lang="en-US" smtClean="0"/>
               <a:pPr/>
-              <a:t>12/27/2016</a:t>
+              <a:t>12/28/2016</a:t>
             </a:fld>
             <a:endParaRPr lang="en-US"/>
           </a:p>
@@ -1089,7 +1090,7 @@
             <a:fld id="{753D5844-1E3E-4A10-9E80-1C6CD138905E}" type="datetimeFigureOut">
               <a:rPr lang="en-US" smtClean="0"/>
               <a:pPr/>
-              <a:t>12/27/2016</a:t>
+              <a:t>12/28/2016</a:t>
             </a:fld>
             <a:endParaRPr lang="en-US"/>
           </a:p>
@@ -1374,7 +1375,7 @@
             <a:fld id="{753D5844-1E3E-4A10-9E80-1C6CD138905E}" type="datetimeFigureOut">
               <a:rPr lang="en-US" smtClean="0"/>
               <a:pPr/>
-              <a:t>12/27/2016</a:t>
+              <a:t>12/28/2016</a:t>
             </a:fld>
             <a:endParaRPr lang="en-US"/>
           </a:p>
@@ -1793,7 +1794,7 @@
             <a:fld id="{753D5844-1E3E-4A10-9E80-1C6CD138905E}" type="datetimeFigureOut">
               <a:rPr lang="en-US" smtClean="0"/>
               <a:pPr/>
-              <a:t>12/27/2016</a:t>
+              <a:t>12/28/2016</a:t>
             </a:fld>
             <a:endParaRPr lang="en-US"/>
           </a:p>
@@ -1908,7 +1909,7 @@
             <a:fld id="{753D5844-1E3E-4A10-9E80-1C6CD138905E}" type="datetimeFigureOut">
               <a:rPr lang="en-US" smtClean="0"/>
               <a:pPr/>
-              <a:t>12/27/2016</a:t>
+              <a:t>12/28/2016</a:t>
             </a:fld>
             <a:endParaRPr lang="en-US"/>
           </a:p>
@@ -2000,7 +2001,7 @@
             <a:fld id="{753D5844-1E3E-4A10-9E80-1C6CD138905E}" type="datetimeFigureOut">
               <a:rPr lang="en-US" smtClean="0"/>
               <a:pPr/>
-              <a:t>12/27/2016</a:t>
+              <a:t>12/28/2016</a:t>
             </a:fld>
             <a:endParaRPr lang="en-US"/>
           </a:p>
@@ -2274,7 +2275,7 @@
             <a:fld id="{753D5844-1E3E-4A10-9E80-1C6CD138905E}" type="datetimeFigureOut">
               <a:rPr lang="en-US" smtClean="0"/>
               <a:pPr/>
-              <a:t>12/27/2016</a:t>
+              <a:t>12/28/2016</a:t>
             </a:fld>
             <a:endParaRPr lang="en-US"/>
           </a:p>
@@ -2524,7 +2525,7 @@
             <a:fld id="{753D5844-1E3E-4A10-9E80-1C6CD138905E}" type="datetimeFigureOut">
               <a:rPr lang="en-US" smtClean="0"/>
               <a:pPr/>
-              <a:t>12/27/2016</a:t>
+              <a:t>12/28/2016</a:t>
             </a:fld>
             <a:endParaRPr lang="en-US"/>
           </a:p>
@@ -2734,7 +2735,7 @@
             <a:fld id="{753D5844-1E3E-4A10-9E80-1C6CD138905E}" type="datetimeFigureOut">
               <a:rPr lang="en-US" smtClean="0"/>
               <a:pPr/>
-              <a:t>12/27/2016</a:t>
+              <a:t>12/28/2016</a:t>
             </a:fld>
             <a:endParaRPr lang="en-US"/>
           </a:p>
@@ -4190,6 +4191,13 @@
   <p:clrMapOvr>
     <a:masterClrMapping/>
   </p:clrMapOvr>
+  <p:timing>
+    <p:tnLst>
+      <p:par>
+        <p:cTn id="1" dur="indefinite" restart="never" nodeType="tmRoot"/>
+      </p:par>
+    </p:tnLst>
+  </p:timing>
 </p:sld>
 </file>
 
@@ -5367,6 +5375,13 @@
   <p:clrMapOvr>
     <a:masterClrMapping/>
   </p:clrMapOvr>
+  <p:timing>
+    <p:tnLst>
+      <p:par>
+        <p:cTn id="1" dur="indefinite" restart="never" nodeType="tmRoot"/>
+      </p:par>
+    </p:tnLst>
+  </p:timing>
 </p:sld>
 </file>
 
@@ -5803,6 +5818,13 @@
   <p:clrMapOvr>
     <a:masterClrMapping/>
   </p:clrMapOvr>
+  <p:timing>
+    <p:tnLst>
+      <p:par>
+        <p:cTn id="1" dur="indefinite" restart="never" nodeType="tmRoot"/>
+      </p:par>
+    </p:tnLst>
+  </p:timing>
 </p:sld>
 </file>
 
@@ -6008,6 +6030,13 @@
   <p:clrMapOvr>
     <a:masterClrMapping/>
   </p:clrMapOvr>
+  <p:timing>
+    <p:tnLst>
+      <p:par>
+        <p:cTn id="1" dur="indefinite" restart="never" nodeType="tmRoot"/>
+      </p:par>
+    </p:tnLst>
+  </p:timing>
 </p:sld>
 </file>
 
@@ -6338,6 +6367,13 @@
   <p:clrMapOvr>
     <a:masterClrMapping/>
   </p:clrMapOvr>
+  <p:timing>
+    <p:tnLst>
+      <p:par>
+        <p:cTn id="1" dur="indefinite" restart="never" nodeType="tmRoot"/>
+      </p:par>
+    </p:tnLst>
+  </p:timing>
 </p:sld>
 </file>
 
@@ -7003,6 +7039,13 @@
   <p:clrMapOvr>
     <a:masterClrMapping/>
   </p:clrMapOvr>
+  <p:timing>
+    <p:tnLst>
+      <p:par>
+        <p:cTn id="1" dur="indefinite" restart="never" nodeType="tmRoot"/>
+      </p:par>
+    </p:tnLst>
+  </p:timing>
 </p:sld>
 </file>
 
@@ -7263,6 +7306,13 @@
   <p:clrMapOvr>
     <a:masterClrMapping/>
   </p:clrMapOvr>
+  <p:timing>
+    <p:tnLst>
+      <p:par>
+        <p:cTn id="1" dur="indefinite" restart="never" nodeType="tmRoot"/>
+      </p:par>
+    </p:tnLst>
+  </p:timing>
 </p:sld>
 </file>
 
@@ -7783,6 +7833,9 @@
           </a:bodyPr>
           <a:lstStyle/>
           <a:p>
+            <a:endParaRPr lang="en-US" sz="2400" b="1" smtClean="0"/>
+          </a:p>
+          <a:p>
             <a:r>
               <a:rPr lang="en-US" sz="2400" b="1" dirty="0"/>
               <a:t> </a:t>
@@ -8878,7 +8931,6 @@
               <a:rPr lang="en-US" sz="2400" dirty="0"/>
               <a:t>}</a:t>
             </a:r>
-            <a:endParaRPr lang="en-US" sz="2400" dirty="0"/>
           </a:p>
         </p:txBody>
       </p:sp>
@@ -8892,6 +8944,96 @@
   <p:clrMapOvr>
     <a:masterClrMapping/>
   </p:clrMapOvr>
+  <p:timing>
+    <p:tnLst>
+      <p:par>
+        <p:cTn id="1" dur="indefinite" restart="never" nodeType="tmRoot"/>
+      </p:par>
+    </p:tnLst>
+  </p:timing>
+</p:sld>
+</file>
+
+<file path=ppt/slides/slide32.xml><?xml version="1.0" encoding="utf-8"?>
+<p:sld xmlns:a="http://schemas.openxmlformats.org/drawingml/2006/main" xmlns:r="http://schemas.openxmlformats.org/officeDocument/2006/relationships" xmlns:p="http://schemas.openxmlformats.org/presentationml/2006/main">
+  <p:cSld>
+    <p:spTree>
+      <p:nvGrpSpPr>
+        <p:cNvPr id="1" name=""/>
+        <p:cNvGrpSpPr/>
+        <p:nvPr/>
+      </p:nvGrpSpPr>
+      <p:grpSpPr>
+        <a:xfrm>
+          <a:off x="0" y="0"/>
+          <a:ext cx="0" cy="0"/>
+          <a:chOff x="0" y="0"/>
+          <a:chExt cx="0" cy="0"/>
+        </a:xfrm>
+      </p:grpSpPr>
+      <p:sp>
+        <p:nvSpPr>
+          <p:cNvPr id="4" name="Title 3"/>
+          <p:cNvSpPr>
+            <a:spLocks noGrp="1"/>
+          </p:cNvSpPr>
+          <p:nvPr>
+            <p:ph type="ctrTitle"/>
+          </p:nvPr>
+        </p:nvSpPr>
+        <p:spPr/>
+        <p:txBody>
+          <a:bodyPr/>
+          <a:lstStyle/>
+          <a:p>
+            <a:r>
+              <a:rPr lang="en-US" dirty="0" smtClean="0"/>
+              <a:t>Iterator &amp; </a:t>
+            </a:r>
+            <a:r>
+              <a:rPr lang="en-US" dirty="0" err="1" smtClean="0"/>
+              <a:t>Genrator</a:t>
+            </a:r>
+            <a:endParaRPr lang="en-US" dirty="0"/>
+          </a:p>
+        </p:txBody>
+      </p:sp>
+      <p:sp>
+        <p:nvSpPr>
+          <p:cNvPr id="5" name="Subtitle 4"/>
+          <p:cNvSpPr>
+            <a:spLocks noGrp="1"/>
+          </p:cNvSpPr>
+          <p:nvPr>
+            <p:ph type="subTitle" idx="1"/>
+          </p:nvPr>
+        </p:nvSpPr>
+        <p:spPr/>
+        <p:txBody>
+          <a:bodyPr/>
+          <a:lstStyle/>
+          <a:p>
+            <a:endParaRPr lang="en-US"/>
+          </a:p>
+        </p:txBody>
+      </p:sp>
+    </p:spTree>
+    <p:extLst>
+      <p:ext uri="{BB962C8B-B14F-4D97-AF65-F5344CB8AC3E}">
+        <p14:creationId xmlns:p14="http://schemas.microsoft.com/office/powerpoint/2010/main" val="2884501294"/>
+      </p:ext>
+    </p:extLst>
+  </p:cSld>
+  <p:clrMapOvr>
+    <a:masterClrMapping/>
+  </p:clrMapOvr>
+  <p:timing>
+    <p:tnLst>
+      <p:par>
+        <p:cTn id="1" dur="indefinite" restart="never" nodeType="tmRoot"/>
+      </p:par>
+    </p:tnLst>
+  </p:timing>
 </p:sld>
 </file>
 

--- a/es6/ES6.pptx
+++ b/es6/ES6.pptx
@@ -137,7 +137,7 @@
   </p:defaultTextStyle>
   <p:extLst>
     <p:ext uri="{EFAFB233-063F-42B5-8137-9DF3F51BA10A}">
-      <p15:sldGuideLst xmlns:p15="http://schemas.microsoft.com/office/powerpoint/2012/main">
+      <p15:sldGuideLst xmlns:p15="http://schemas.microsoft.com/office/powerpoint/2012/main" xmlns="">
         <p15:guide id="1" orient="horz" pos="2160">
           <p15:clr>
             <a:srgbClr val="A4A3A4"/>
@@ -5368,7 +5368,7 @@
     </p:spTree>
     <p:extLst>
       <p:ext uri="{BB962C8B-B14F-4D97-AF65-F5344CB8AC3E}">
-        <p14:creationId xmlns:p14="http://schemas.microsoft.com/office/powerpoint/2010/main" val="90264613"/>
+        <p14:creationId xmlns:p14="http://schemas.microsoft.com/office/powerpoint/2010/main" xmlns="" val="90264613"/>
       </p:ext>
     </p:extLst>
   </p:cSld>
@@ -5811,7 +5811,7 @@
     </p:spTree>
     <p:extLst>
       <p:ext uri="{BB962C8B-B14F-4D97-AF65-F5344CB8AC3E}">
-        <p14:creationId xmlns:p14="http://schemas.microsoft.com/office/powerpoint/2010/main" val="3404481482"/>
+        <p14:creationId xmlns:p14="http://schemas.microsoft.com/office/powerpoint/2010/main" xmlns="" val="3404481482"/>
       </p:ext>
     </p:extLst>
   </p:cSld>
@@ -6023,7 +6023,7 @@
     </p:spTree>
     <p:extLst>
       <p:ext uri="{BB962C8B-B14F-4D97-AF65-F5344CB8AC3E}">
-        <p14:creationId xmlns:p14="http://schemas.microsoft.com/office/powerpoint/2010/main" val="891524325"/>
+        <p14:creationId xmlns:p14="http://schemas.microsoft.com/office/powerpoint/2010/main" xmlns="" val="891524325"/>
       </p:ext>
     </p:extLst>
   </p:cSld>
@@ -6360,7 +6360,7 @@
     </p:spTree>
     <p:extLst>
       <p:ext uri="{BB962C8B-B14F-4D97-AF65-F5344CB8AC3E}">
-        <p14:creationId xmlns:p14="http://schemas.microsoft.com/office/powerpoint/2010/main" val="98027967"/>
+        <p14:creationId xmlns:p14="http://schemas.microsoft.com/office/powerpoint/2010/main" xmlns="" val="98027967"/>
       </p:ext>
     </p:extLst>
   </p:cSld>
@@ -6579,7 +6579,7 @@
     </p:spTree>
     <p:extLst>
       <p:ext uri="{BB962C8B-B14F-4D97-AF65-F5344CB8AC3E}">
-        <p14:creationId xmlns:p14="http://schemas.microsoft.com/office/powerpoint/2010/main" val="591891847"/>
+        <p14:creationId xmlns:p14="http://schemas.microsoft.com/office/powerpoint/2010/main" xmlns="" val="591891847"/>
       </p:ext>
     </p:extLst>
   </p:cSld>
@@ -6772,7 +6772,7 @@
     </p:spTree>
     <p:extLst>
       <p:ext uri="{BB962C8B-B14F-4D97-AF65-F5344CB8AC3E}">
-        <p14:creationId xmlns:p14="http://schemas.microsoft.com/office/powerpoint/2010/main" val="2588392495"/>
+        <p14:creationId xmlns:p14="http://schemas.microsoft.com/office/powerpoint/2010/main" xmlns="" val="2588392495"/>
       </p:ext>
     </p:extLst>
   </p:cSld>
@@ -7032,7 +7032,7 @@
     </p:spTree>
     <p:extLst>
       <p:ext uri="{BB962C8B-B14F-4D97-AF65-F5344CB8AC3E}">
-        <p14:creationId xmlns:p14="http://schemas.microsoft.com/office/powerpoint/2010/main" val="2312477403"/>
+        <p14:creationId xmlns:p14="http://schemas.microsoft.com/office/powerpoint/2010/main" xmlns="" val="2312477403"/>
       </p:ext>
     </p:extLst>
   </p:cSld>
@@ -7299,7 +7299,7 @@
     </p:spTree>
     <p:extLst>
       <p:ext uri="{BB962C8B-B14F-4D97-AF65-F5344CB8AC3E}">
-        <p14:creationId xmlns:p14="http://schemas.microsoft.com/office/powerpoint/2010/main" val="2895266825"/>
+        <p14:creationId xmlns:p14="http://schemas.microsoft.com/office/powerpoint/2010/main" xmlns="" val="2895266825"/>
       </p:ext>
     </p:extLst>
   </p:cSld>
@@ -7559,7 +7559,7 @@
     </p:spTree>
     <p:extLst>
       <p:ext uri="{BB962C8B-B14F-4D97-AF65-F5344CB8AC3E}">
-        <p14:creationId xmlns:p14="http://schemas.microsoft.com/office/powerpoint/2010/main" val="4221647632"/>
+        <p14:creationId xmlns:p14="http://schemas.microsoft.com/office/powerpoint/2010/main" xmlns="" val="4221647632"/>
       </p:ext>
     </p:extLst>
   </p:cSld>
@@ -7777,7 +7777,7 @@
     </p:spTree>
     <p:extLst>
       <p:ext uri="{BB962C8B-B14F-4D97-AF65-F5344CB8AC3E}">
-        <p14:creationId xmlns:p14="http://schemas.microsoft.com/office/powerpoint/2010/main" val="2549788422"/>
+        <p14:creationId xmlns:p14="http://schemas.microsoft.com/office/powerpoint/2010/main" xmlns="" val="2549788422"/>
       </p:ext>
     </p:extLst>
   </p:cSld>
@@ -8035,7 +8035,7 @@
     </p:spTree>
     <p:extLst>
       <p:ext uri="{BB962C8B-B14F-4D97-AF65-F5344CB8AC3E}">
-        <p14:creationId xmlns:p14="http://schemas.microsoft.com/office/powerpoint/2010/main" val="6668652"/>
+        <p14:creationId xmlns:p14="http://schemas.microsoft.com/office/powerpoint/2010/main" xmlns="" val="6668652"/>
       </p:ext>
     </p:extLst>
   </p:cSld>
@@ -8670,7 +8670,7 @@
     </p:spTree>
     <p:extLst>
       <p:ext uri="{BB962C8B-B14F-4D97-AF65-F5344CB8AC3E}">
-        <p14:creationId xmlns:p14="http://schemas.microsoft.com/office/powerpoint/2010/main" val="735066637"/>
+        <p14:creationId xmlns:p14="http://schemas.microsoft.com/office/powerpoint/2010/main" xmlns="" val="735066637"/>
       </p:ext>
     </p:extLst>
   </p:cSld>
@@ -8727,12 +8727,8 @@
           <a:lstStyle/>
           <a:p>
             <a:r>
-              <a:rPr lang="en-US" sz="2400" dirty="0" err="1"/>
-              <a:t>Superconstructor</a:t>
-            </a:r>
-            <a:r>
-              <a:rPr lang="en-US" sz="2400" dirty="0"/>
-              <a:t> </a:t>
+              <a:rPr lang="en-US" sz="2400" dirty="0" smtClean="0"/>
+              <a:t>Super constructor </a:t>
             </a:r>
             <a:r>
               <a:rPr lang="en-US" sz="2400" dirty="0" smtClean="0"/>
@@ -8937,7 +8933,7 @@
     </p:spTree>
     <p:extLst>
       <p:ext uri="{BB962C8B-B14F-4D97-AF65-F5344CB8AC3E}">
-        <p14:creationId xmlns:p14="http://schemas.microsoft.com/office/powerpoint/2010/main" val="3224785233"/>
+        <p14:creationId xmlns:p14="http://schemas.microsoft.com/office/powerpoint/2010/main" xmlns="" val="3224785233"/>
       </p:ext>
     </p:extLst>
   </p:cSld>
@@ -8991,8 +8987,8 @@
               <a:t>Iterator &amp; </a:t>
             </a:r>
             <a:r>
-              <a:rPr lang="en-US" dirty="0" err="1" smtClean="0"/>
-              <a:t>Genrator</a:t>
+              <a:rPr lang="en-US" dirty="0" smtClean="0"/>
+              <a:t>Generator</a:t>
             </a:r>
             <a:endParaRPr lang="en-US" dirty="0"/>
           </a:p>
@@ -9020,7 +9016,7 @@
     </p:spTree>
     <p:extLst>
       <p:ext uri="{BB962C8B-B14F-4D97-AF65-F5344CB8AC3E}">
-        <p14:creationId xmlns:p14="http://schemas.microsoft.com/office/powerpoint/2010/main" val="2884501294"/>
+        <p14:creationId xmlns:p14="http://schemas.microsoft.com/office/powerpoint/2010/main" xmlns="" val="2884501294"/>
       </p:ext>
     </p:extLst>
   </p:cSld>

--- a/es6/ES6.pptx
+++ b/es6/ES6.pptx
@@ -137,7 +137,7 @@
   </p:defaultTextStyle>
   <p:extLst>
     <p:ext uri="{EFAFB233-063F-42B5-8137-9DF3F51BA10A}">
-      <p15:sldGuideLst xmlns:p15="http://schemas.microsoft.com/office/powerpoint/2012/main" xmlns="">
+      <p15:sldGuideLst xmlns:p15="http://schemas.microsoft.com/office/powerpoint/2012/main">
         <p15:guide id="1" orient="horz" pos="2160">
           <p15:clr>
             <a:srgbClr val="A4A3A4"/>
@@ -336,7 +336,7 @@
             <a:fld id="{753D5844-1E3E-4A10-9E80-1C6CD138905E}" type="datetimeFigureOut">
               <a:rPr lang="en-US" smtClean="0"/>
               <a:pPr/>
-              <a:t>12/28/2016</a:t>
+              <a:t>1/3/2017</a:t>
             </a:fld>
             <a:endParaRPr lang="en-US"/>
           </a:p>
@@ -503,7 +503,7 @@
             <a:fld id="{753D5844-1E3E-4A10-9E80-1C6CD138905E}" type="datetimeFigureOut">
               <a:rPr lang="en-US" smtClean="0"/>
               <a:pPr/>
-              <a:t>12/28/2016</a:t>
+              <a:t>1/3/2017</a:t>
             </a:fld>
             <a:endParaRPr lang="en-US"/>
           </a:p>
@@ -680,7 +680,7 @@
             <a:fld id="{753D5844-1E3E-4A10-9E80-1C6CD138905E}" type="datetimeFigureOut">
               <a:rPr lang="en-US" smtClean="0"/>
               <a:pPr/>
-              <a:t>12/28/2016</a:t>
+              <a:t>1/3/2017</a:t>
             </a:fld>
             <a:endParaRPr lang="en-US"/>
           </a:p>
@@ -847,7 +847,7 @@
             <a:fld id="{753D5844-1E3E-4A10-9E80-1C6CD138905E}" type="datetimeFigureOut">
               <a:rPr lang="en-US" smtClean="0"/>
               <a:pPr/>
-              <a:t>12/28/2016</a:t>
+              <a:t>1/3/2017</a:t>
             </a:fld>
             <a:endParaRPr lang="en-US"/>
           </a:p>
@@ -1090,7 +1090,7 @@
             <a:fld id="{753D5844-1E3E-4A10-9E80-1C6CD138905E}" type="datetimeFigureOut">
               <a:rPr lang="en-US" smtClean="0"/>
               <a:pPr/>
-              <a:t>12/28/2016</a:t>
+              <a:t>1/3/2017</a:t>
             </a:fld>
             <a:endParaRPr lang="en-US"/>
           </a:p>
@@ -1375,7 +1375,7 @@
             <a:fld id="{753D5844-1E3E-4A10-9E80-1C6CD138905E}" type="datetimeFigureOut">
               <a:rPr lang="en-US" smtClean="0"/>
               <a:pPr/>
-              <a:t>12/28/2016</a:t>
+              <a:t>1/3/2017</a:t>
             </a:fld>
             <a:endParaRPr lang="en-US"/>
           </a:p>
@@ -1794,7 +1794,7 @@
             <a:fld id="{753D5844-1E3E-4A10-9E80-1C6CD138905E}" type="datetimeFigureOut">
               <a:rPr lang="en-US" smtClean="0"/>
               <a:pPr/>
-              <a:t>12/28/2016</a:t>
+              <a:t>1/3/2017</a:t>
             </a:fld>
             <a:endParaRPr lang="en-US"/>
           </a:p>
@@ -1909,7 +1909,7 @@
             <a:fld id="{753D5844-1E3E-4A10-9E80-1C6CD138905E}" type="datetimeFigureOut">
               <a:rPr lang="en-US" smtClean="0"/>
               <a:pPr/>
-              <a:t>12/28/2016</a:t>
+              <a:t>1/3/2017</a:t>
             </a:fld>
             <a:endParaRPr lang="en-US"/>
           </a:p>
@@ -2001,7 +2001,7 @@
             <a:fld id="{753D5844-1E3E-4A10-9E80-1C6CD138905E}" type="datetimeFigureOut">
               <a:rPr lang="en-US" smtClean="0"/>
               <a:pPr/>
-              <a:t>12/28/2016</a:t>
+              <a:t>1/3/2017</a:t>
             </a:fld>
             <a:endParaRPr lang="en-US"/>
           </a:p>
@@ -2275,7 +2275,7 @@
             <a:fld id="{753D5844-1E3E-4A10-9E80-1C6CD138905E}" type="datetimeFigureOut">
               <a:rPr lang="en-US" smtClean="0"/>
               <a:pPr/>
-              <a:t>12/28/2016</a:t>
+              <a:t>1/3/2017</a:t>
             </a:fld>
             <a:endParaRPr lang="en-US"/>
           </a:p>
@@ -2525,7 +2525,7 @@
             <a:fld id="{753D5844-1E3E-4A10-9E80-1C6CD138905E}" type="datetimeFigureOut">
               <a:rPr lang="en-US" smtClean="0"/>
               <a:pPr/>
-              <a:t>12/28/2016</a:t>
+              <a:t>1/3/2017</a:t>
             </a:fld>
             <a:endParaRPr lang="en-US"/>
           </a:p>
@@ -2735,7 +2735,7 @@
             <a:fld id="{753D5844-1E3E-4A10-9E80-1C6CD138905E}" type="datetimeFigureOut">
               <a:rPr lang="en-US" smtClean="0"/>
               <a:pPr/>
-              <a:t>12/28/2016</a:t>
+              <a:t>1/3/2017</a:t>
             </a:fld>
             <a:endParaRPr lang="en-US"/>
           </a:p>
@@ -5368,7 +5368,7 @@
     </p:spTree>
     <p:extLst>
       <p:ext uri="{BB962C8B-B14F-4D97-AF65-F5344CB8AC3E}">
-        <p14:creationId xmlns:p14="http://schemas.microsoft.com/office/powerpoint/2010/main" xmlns="" val="90264613"/>
+        <p14:creationId xmlns:p14="http://schemas.microsoft.com/office/powerpoint/2010/main" val="90264613"/>
       </p:ext>
     </p:extLst>
   </p:cSld>
@@ -5811,7 +5811,7 @@
     </p:spTree>
     <p:extLst>
       <p:ext uri="{BB962C8B-B14F-4D97-AF65-F5344CB8AC3E}">
-        <p14:creationId xmlns:p14="http://schemas.microsoft.com/office/powerpoint/2010/main" xmlns="" val="3404481482"/>
+        <p14:creationId xmlns:p14="http://schemas.microsoft.com/office/powerpoint/2010/main" val="3404481482"/>
       </p:ext>
     </p:extLst>
   </p:cSld>
@@ -6023,7 +6023,7 @@
     </p:spTree>
     <p:extLst>
       <p:ext uri="{BB962C8B-B14F-4D97-AF65-F5344CB8AC3E}">
-        <p14:creationId xmlns:p14="http://schemas.microsoft.com/office/powerpoint/2010/main" xmlns="" val="891524325"/>
+        <p14:creationId xmlns:p14="http://schemas.microsoft.com/office/powerpoint/2010/main" val="891524325"/>
       </p:ext>
     </p:extLst>
   </p:cSld>
@@ -6360,7 +6360,7 @@
     </p:spTree>
     <p:extLst>
       <p:ext uri="{BB962C8B-B14F-4D97-AF65-F5344CB8AC3E}">
-        <p14:creationId xmlns:p14="http://schemas.microsoft.com/office/powerpoint/2010/main" xmlns="" val="98027967"/>
+        <p14:creationId xmlns:p14="http://schemas.microsoft.com/office/powerpoint/2010/main" val="98027967"/>
       </p:ext>
     </p:extLst>
   </p:cSld>
@@ -6579,7 +6579,7 @@
     </p:spTree>
     <p:extLst>
       <p:ext uri="{BB962C8B-B14F-4D97-AF65-F5344CB8AC3E}">
-        <p14:creationId xmlns:p14="http://schemas.microsoft.com/office/powerpoint/2010/main" xmlns="" val="591891847"/>
+        <p14:creationId xmlns:p14="http://schemas.microsoft.com/office/powerpoint/2010/main" val="591891847"/>
       </p:ext>
     </p:extLst>
   </p:cSld>
@@ -6666,35 +6666,35 @@
           <a:lstStyle/>
           <a:p>
             <a:r>
-              <a:rPr lang="en-US" sz="2800" dirty="0"/>
+              <a:rPr lang="en-US" sz="2400" dirty="0"/>
               <a:t>ES6 modules are stored in files</a:t>
             </a:r>
             <a:r>
-              <a:rPr lang="en-US" sz="2800" dirty="0" smtClean="0"/>
+              <a:rPr lang="en-US" sz="2400" dirty="0" smtClean="0"/>
               <a:t>.</a:t>
             </a:r>
           </a:p>
           <a:p>
             <a:r>
-              <a:rPr lang="en-US" sz="2800" dirty="0"/>
+              <a:rPr lang="en-US" sz="2400" dirty="0"/>
               <a:t>There is exactly one module per file and one file per module</a:t>
             </a:r>
             <a:r>
-              <a:rPr lang="en-US" sz="2800" dirty="0" smtClean="0"/>
+              <a:rPr lang="en-US" sz="2400" dirty="0" smtClean="0"/>
               <a:t>.</a:t>
             </a:r>
           </a:p>
           <a:p>
             <a:r>
-              <a:rPr lang="en-US" sz="2800" dirty="0" smtClean="0"/>
+              <a:rPr lang="en-US" sz="2400" dirty="0" smtClean="0"/>
               <a:t>We </a:t>
             </a:r>
             <a:r>
-              <a:rPr lang="en-US" sz="2800" dirty="0"/>
+              <a:rPr lang="en-US" sz="2400" dirty="0"/>
               <a:t>have two ways of exporting things from a </a:t>
             </a:r>
             <a:r>
-              <a:rPr lang="en-US" sz="2800" dirty="0" smtClean="0"/>
+              <a:rPr lang="en-US" sz="2400" dirty="0" smtClean="0"/>
               <a:t>module</a:t>
             </a:r>
           </a:p>
@@ -6715,38 +6715,110 @@
               <a:t>-</a:t>
             </a:r>
             <a:r>
-              <a:rPr lang="en-US" sz="2800" b="1" dirty="0"/>
+              <a:rPr lang="en-US" sz="2000" b="1" dirty="0"/>
               <a:t> </a:t>
             </a:r>
             <a:r>
-              <a:rPr lang="en-US" sz="2400" dirty="0"/>
+              <a:rPr lang="en-US" sz="2000" dirty="0"/>
               <a:t>Multiple named </a:t>
             </a:r>
             <a:r>
+              <a:rPr lang="en-US" sz="2000" dirty="0" smtClean="0"/>
+              <a:t>exports</a:t>
+            </a:r>
+          </a:p>
+          <a:p>
+            <a:pPr marL="0" indent="0">
+              <a:buNone/>
+            </a:pPr>
+            <a:r>
+              <a:rPr lang="en-US" sz="2000" dirty="0"/>
+              <a:t>	</a:t>
+            </a:r>
+            <a:r>
+              <a:rPr lang="en-US" sz="2000" dirty="0" smtClean="0"/>
+              <a:t> - </a:t>
+            </a:r>
+            <a:r>
+              <a:rPr lang="en-US" sz="2000" dirty="0" smtClean="0"/>
+              <a:t> Single </a:t>
+            </a:r>
+            <a:r>
+              <a:rPr lang="en-US" sz="2000" dirty="0"/>
+              <a:t>default </a:t>
+            </a:r>
+            <a:r>
+              <a:rPr lang="en-US" sz="2000" dirty="0" smtClean="0"/>
+              <a:t>export</a:t>
+            </a:r>
+          </a:p>
+          <a:p>
+            <a:r>
               <a:rPr lang="en-US" sz="2400" dirty="0" smtClean="0"/>
-              <a:t>exports</a:t>
-            </a:r>
-          </a:p>
-          <a:p>
-            <a:pPr marL="0" indent="0">
-              <a:buNone/>
-            </a:pPr>
+              <a:t>Design goals for ES6 modules are</a:t>
+            </a:r>
+            <a:endParaRPr lang="en-US" sz="2400" dirty="0" smtClean="0"/>
+          </a:p>
+          <a:p>
+            <a:pPr lvl="1"/>
             <a:r>
               <a:rPr lang="en-US" sz="2400" dirty="0"/>
               <a:t>	</a:t>
             </a:r>
             <a:r>
-              <a:rPr lang="en-US" sz="2400" dirty="0" smtClean="0"/>
-              <a:t> - </a:t>
-            </a:r>
-            <a:r>
-              <a:rPr lang="en-US" sz="2400" dirty="0"/>
-              <a:t>Single default </a:t>
-            </a:r>
-            <a:r>
-              <a:rPr lang="en-US" sz="2400" dirty="0" smtClean="0"/>
-              <a:t>export</a:t>
-            </a:r>
+              <a:rPr lang="en-US" sz="2000" dirty="0" smtClean="0"/>
+              <a:t>Default </a:t>
+            </a:r>
+            <a:r>
+              <a:rPr lang="en-US" sz="2000" dirty="0"/>
+              <a:t>exports are favored</a:t>
+            </a:r>
+          </a:p>
+          <a:p>
+            <a:pPr lvl="1"/>
+            <a:r>
+              <a:rPr lang="en-US" sz="2000" dirty="0"/>
+              <a:t>	</a:t>
+            </a:r>
+            <a:r>
+              <a:rPr lang="en-US" sz="2000" dirty="0" smtClean="0"/>
+              <a:t>Static </a:t>
+            </a:r>
+            <a:r>
+              <a:rPr lang="en-US" sz="2000" dirty="0"/>
+              <a:t>module structure</a:t>
+            </a:r>
+          </a:p>
+          <a:p>
+            <a:pPr lvl="1"/>
+            <a:r>
+              <a:rPr lang="en-US" sz="2000" dirty="0"/>
+              <a:t>	</a:t>
+            </a:r>
+            <a:r>
+              <a:rPr lang="en-US" sz="2000" dirty="0" smtClean="0"/>
+              <a:t>Support </a:t>
+            </a:r>
+            <a:r>
+              <a:rPr lang="en-US" sz="2000" dirty="0"/>
+              <a:t>for both synchronous and asynchronous loading</a:t>
+            </a:r>
+          </a:p>
+          <a:p>
+            <a:pPr lvl="1"/>
+            <a:r>
+              <a:rPr lang="en-US" sz="2000" dirty="0"/>
+              <a:t>	</a:t>
+            </a:r>
+            <a:r>
+              <a:rPr lang="en-US" sz="2000" dirty="0" smtClean="0"/>
+              <a:t>Support </a:t>
+            </a:r>
+            <a:r>
+              <a:rPr lang="en-US" sz="2000" dirty="0"/>
+              <a:t>for cyclic dependencies between modules</a:t>
+            </a:r>
+            <a:endParaRPr lang="en-US" sz="2000" dirty="0" smtClean="0"/>
           </a:p>
           <a:p>
             <a:pPr marL="0" indent="0">
@@ -6772,7 +6844,7 @@
     </p:spTree>
     <p:extLst>
       <p:ext uri="{BB962C8B-B14F-4D97-AF65-F5344CB8AC3E}">
-        <p14:creationId xmlns:p14="http://schemas.microsoft.com/office/powerpoint/2010/main" xmlns="" val="2588392495"/>
+        <p14:creationId xmlns:p14="http://schemas.microsoft.com/office/powerpoint/2010/main" val="2588392495"/>
       </p:ext>
     </p:extLst>
   </p:cSld>
@@ -7032,7 +7104,7 @@
     </p:spTree>
     <p:extLst>
       <p:ext uri="{BB962C8B-B14F-4D97-AF65-F5344CB8AC3E}">
-        <p14:creationId xmlns:p14="http://schemas.microsoft.com/office/powerpoint/2010/main" xmlns="" val="2312477403"/>
+        <p14:creationId xmlns:p14="http://schemas.microsoft.com/office/powerpoint/2010/main" val="2312477403"/>
       </p:ext>
     </p:extLst>
   </p:cSld>
@@ -7299,7 +7371,7 @@
     </p:spTree>
     <p:extLst>
       <p:ext uri="{BB962C8B-B14F-4D97-AF65-F5344CB8AC3E}">
-        <p14:creationId xmlns:p14="http://schemas.microsoft.com/office/powerpoint/2010/main" xmlns="" val="2895266825"/>
+        <p14:creationId xmlns:p14="http://schemas.microsoft.com/office/powerpoint/2010/main" val="2895266825"/>
       </p:ext>
     </p:extLst>
   </p:cSld>
@@ -7559,7 +7631,7 @@
     </p:spTree>
     <p:extLst>
       <p:ext uri="{BB962C8B-B14F-4D97-AF65-F5344CB8AC3E}">
-        <p14:creationId xmlns:p14="http://schemas.microsoft.com/office/powerpoint/2010/main" xmlns="" val="4221647632"/>
+        <p14:creationId xmlns:p14="http://schemas.microsoft.com/office/powerpoint/2010/main" val="4221647632"/>
       </p:ext>
     </p:extLst>
   </p:cSld>
@@ -7777,7 +7849,7 @@
     </p:spTree>
     <p:extLst>
       <p:ext uri="{BB962C8B-B14F-4D97-AF65-F5344CB8AC3E}">
-        <p14:creationId xmlns:p14="http://schemas.microsoft.com/office/powerpoint/2010/main" xmlns="" val="2549788422"/>
+        <p14:creationId xmlns:p14="http://schemas.microsoft.com/office/powerpoint/2010/main" val="2549788422"/>
       </p:ext>
     </p:extLst>
   </p:cSld>
@@ -8035,7 +8107,7 @@
     </p:spTree>
     <p:extLst>
       <p:ext uri="{BB962C8B-B14F-4D97-AF65-F5344CB8AC3E}">
-        <p14:creationId xmlns:p14="http://schemas.microsoft.com/office/powerpoint/2010/main" xmlns="" val="6668652"/>
+        <p14:creationId xmlns:p14="http://schemas.microsoft.com/office/powerpoint/2010/main" val="6668652"/>
       </p:ext>
     </p:extLst>
   </p:cSld>
@@ -8670,7 +8742,7 @@
     </p:spTree>
     <p:extLst>
       <p:ext uri="{BB962C8B-B14F-4D97-AF65-F5344CB8AC3E}">
-        <p14:creationId xmlns:p14="http://schemas.microsoft.com/office/powerpoint/2010/main" xmlns="" val="735066637"/>
+        <p14:creationId xmlns:p14="http://schemas.microsoft.com/office/powerpoint/2010/main" val="735066637"/>
       </p:ext>
     </p:extLst>
   </p:cSld>
@@ -8728,11 +8800,7 @@
           <a:p>
             <a:r>
               <a:rPr lang="en-US" sz="2400" dirty="0" smtClean="0"/>
-              <a:t>Super constructor </a:t>
-            </a:r>
-            <a:r>
-              <a:rPr lang="en-US" sz="2400" dirty="0" smtClean="0"/>
-              <a:t>calls </a:t>
+              <a:t>Super constructor calls </a:t>
             </a:r>
             <a:r>
               <a:rPr lang="en-US" sz="2400" dirty="0"/>
@@ -8933,7 +9001,7 @@
     </p:spTree>
     <p:extLst>
       <p:ext uri="{BB962C8B-B14F-4D97-AF65-F5344CB8AC3E}">
-        <p14:creationId xmlns:p14="http://schemas.microsoft.com/office/powerpoint/2010/main" xmlns="" val="3224785233"/>
+        <p14:creationId xmlns:p14="http://schemas.microsoft.com/office/powerpoint/2010/main" val="3224785233"/>
       </p:ext>
     </p:extLst>
   </p:cSld>
@@ -8984,11 +9052,7 @@
           <a:p>
             <a:r>
               <a:rPr lang="en-US" dirty="0" smtClean="0"/>
-              <a:t>Iterator &amp; </a:t>
-            </a:r>
-            <a:r>
-              <a:rPr lang="en-US" dirty="0" smtClean="0"/>
-              <a:t>Generator</a:t>
+              <a:t>Iterator &amp; Generator</a:t>
             </a:r>
             <a:endParaRPr lang="en-US" dirty="0"/>
           </a:p>
@@ -9016,7 +9080,7 @@
     </p:spTree>
     <p:extLst>
       <p:ext uri="{BB962C8B-B14F-4D97-AF65-F5344CB8AC3E}">
-        <p14:creationId xmlns:p14="http://schemas.microsoft.com/office/powerpoint/2010/main" xmlns="" val="2884501294"/>
+        <p14:creationId xmlns:p14="http://schemas.microsoft.com/office/powerpoint/2010/main" val="2884501294"/>
       </p:ext>
     </p:extLst>
   </p:cSld>
